--- a/PalMod2022/docs/4_ESM-Tools terminology.pptx
+++ b/PalMod2022/docs/4_ESM-Tools terminology.pptx
@@ -5,15 +5,18 @@
     <p:sldMasterId id="2147483648" r:id="rId1"/>
   </p:sldMasterIdLst>
   <p:sldIdLst>
-    <p:sldId id="263" r:id="rId2"/>
-    <p:sldId id="267" r:id="rId3"/>
-    <p:sldId id="262" r:id="rId4"/>
-    <p:sldId id="265" r:id="rId5"/>
-    <p:sldId id="266" r:id="rId6"/>
-    <p:sldId id="264" r:id="rId7"/>
-    <p:sldId id="269" r:id="rId8"/>
-    <p:sldId id="271" r:id="rId9"/>
-    <p:sldId id="268" r:id="rId10"/>
+    <p:sldId id="274" r:id="rId2"/>
+    <p:sldId id="263" r:id="rId3"/>
+    <p:sldId id="272" r:id="rId4"/>
+    <p:sldId id="262" r:id="rId5"/>
+    <p:sldId id="265" r:id="rId6"/>
+    <p:sldId id="266" r:id="rId7"/>
+    <p:sldId id="264" r:id="rId8"/>
+    <p:sldId id="269" r:id="rId9"/>
+    <p:sldId id="271" r:id="rId10"/>
+    <p:sldId id="275" r:id="rId11"/>
+    <p:sldId id="268" r:id="rId12"/>
+    <p:sldId id="276" r:id="rId13"/>
   </p:sldIdLst>
   <p:sldSz cx="12192000" cy="6858000"/>
   <p:notesSz cx="6858000" cy="9144000"/>
@@ -2979,6 +2982,994 @@
       </p:grpSpPr>
       <p:sp>
         <p:nvSpPr>
+          <p:cNvPr id="3" name="Rectangle 2"/>
+          <p:cNvSpPr/>
+          <p:nvPr/>
+        </p:nvSpPr>
+        <p:spPr>
+          <a:xfrm>
+            <a:off x="0" y="1706061"/>
+            <a:ext cx="12192000" cy="2326203"/>
+          </a:xfrm>
+          <a:prstGeom prst="rect">
+            <a:avLst/>
+          </a:prstGeom>
+          <a:solidFill>
+            <a:srgbClr val="00ACE6"/>
+          </a:solidFill>
+          <a:ln>
+            <a:noFill/>
+          </a:ln>
+        </p:spPr>
+        <p:style>
+          <a:lnRef idx="2">
+            <a:schemeClr val="accent1">
+              <a:shade val="50000"/>
+            </a:schemeClr>
+          </a:lnRef>
+          <a:fillRef idx="1">
+            <a:schemeClr val="accent1"/>
+          </a:fillRef>
+          <a:effectRef idx="0">
+            <a:schemeClr val="accent1"/>
+          </a:effectRef>
+          <a:fontRef idx="minor">
+            <a:schemeClr val="lt1"/>
+          </a:fontRef>
+        </p:style>
+        <p:txBody>
+          <a:bodyPr rtlCol="0" anchor="ctr"/>
+          <a:lstStyle/>
+          <a:p>
+            <a:pPr algn="ctr"/>
+            <a:r>
+              <a:rPr lang="tr-TR" sz="4800" b="1">
+                <a:solidFill>
+                  <a:prstClr val="white"/>
+                </a:solidFill>
+              </a:rPr>
+              <a:t> </a:t>
+            </a:r>
+          </a:p>
+          <a:p>
+            <a:pPr algn="ctr"/>
+            <a:r>
+              <a:rPr lang="tr-TR" sz="4800" b="1">
+                <a:solidFill>
+                  <a:schemeClr val="bg1"/>
+                </a:solidFill>
+              </a:rPr>
+              <a:t>ESM-Tools Terminology</a:t>
+            </a:r>
+          </a:p>
+        </p:txBody>
+      </p:sp>
+      <p:sp>
+        <p:nvSpPr>
+          <p:cNvPr id="4" name="Rectangle 3"/>
+          <p:cNvSpPr/>
+          <p:nvPr/>
+        </p:nvSpPr>
+        <p:spPr>
+          <a:xfrm>
+            <a:off x="3839182" y="4109737"/>
+            <a:ext cx="4419601" cy="2554545"/>
+          </a:xfrm>
+          <a:prstGeom prst="rect">
+            <a:avLst/>
+          </a:prstGeom>
+        </p:spPr>
+        <p:txBody>
+          <a:bodyPr wrap="square">
+            <a:spAutoFit/>
+          </a:bodyPr>
+          <a:lstStyle/>
+          <a:p>
+            <a:pPr algn="just"/>
+            <a:r>
+              <a:rPr lang="tr-TR" sz="2000">
+                <a:solidFill>
+                  <a:srgbClr val="00ACE6"/>
+                </a:solidFill>
+              </a:rPr>
+              <a:t>Overview</a:t>
+            </a:r>
+          </a:p>
+          <a:p>
+            <a:pPr algn="just"/>
+            <a:r>
+              <a:rPr lang="tr-TR" sz="2000">
+                <a:solidFill>
+                  <a:srgbClr val="00ACE6"/>
+                </a:solidFill>
+              </a:rPr>
+              <a:t>YAML Hierarchy</a:t>
+            </a:r>
+          </a:p>
+          <a:p>
+            <a:pPr algn="just"/>
+            <a:r>
+              <a:rPr lang="tr-TR" sz="2000">
+                <a:solidFill>
+                  <a:srgbClr val="00ACE6"/>
+                </a:solidFill>
+              </a:rPr>
+              <a:t>Configuration files</a:t>
+            </a:r>
+          </a:p>
+          <a:p>
+            <a:pPr algn="just"/>
+            <a:r>
+              <a:rPr lang="tr-TR" sz="2000">
+                <a:solidFill>
+                  <a:srgbClr val="00ACE6"/>
+                </a:solidFill>
+              </a:rPr>
+              <a:t>Runscripts</a:t>
+            </a:r>
+          </a:p>
+          <a:p>
+            <a:pPr algn="just"/>
+            <a:r>
+              <a:rPr lang="tr-TR" sz="2000">
+                <a:solidFill>
+                  <a:srgbClr val="00ACE6"/>
+                </a:solidFill>
+              </a:rPr>
+              <a:t>YAML Sections</a:t>
+            </a:r>
+          </a:p>
+          <a:p>
+            <a:pPr algn="just"/>
+            <a:r>
+              <a:rPr lang="tr-TR" sz="2000">
+                <a:solidFill>
+                  <a:srgbClr val="00ACE6"/>
+                </a:solidFill>
+              </a:rPr>
+              <a:t>Feature Variables</a:t>
+            </a:r>
+          </a:p>
+          <a:p>
+            <a:pPr algn="just"/>
+            <a:r>
+              <a:rPr lang="tr-TR" sz="2000">
+                <a:solidFill>
+                  <a:srgbClr val="00ACE6"/>
+                </a:solidFill>
+              </a:rPr>
+              <a:t>Compilation Scripts</a:t>
+            </a:r>
+          </a:p>
+          <a:p>
+            <a:pPr algn="just"/>
+            <a:r>
+              <a:rPr lang="tr-TR" sz="2000">
+                <a:solidFill>
+                  <a:srgbClr val="00ACE6"/>
+                </a:solidFill>
+              </a:rPr>
+              <a:t>.run files</a:t>
+            </a:r>
+          </a:p>
+        </p:txBody>
+      </p:sp>
+      <p:sp>
+        <p:nvSpPr>
+          <p:cNvPr id="5" name="Oval 4"/>
+          <p:cNvSpPr/>
+          <p:nvPr/>
+        </p:nvSpPr>
+        <p:spPr>
+          <a:xfrm>
+            <a:off x="5747497" y="2143073"/>
+            <a:ext cx="697006" cy="697006"/>
+          </a:xfrm>
+          <a:prstGeom prst="ellipse">
+            <a:avLst/>
+          </a:prstGeom>
+          <a:solidFill>
+            <a:schemeClr val="bg1"/>
+          </a:solidFill>
+          <a:ln>
+            <a:noFill/>
+          </a:ln>
+        </p:spPr>
+        <p:style>
+          <a:lnRef idx="2">
+            <a:schemeClr val="accent1">
+              <a:shade val="50000"/>
+            </a:schemeClr>
+          </a:lnRef>
+          <a:fillRef idx="1">
+            <a:schemeClr val="accent1"/>
+          </a:fillRef>
+          <a:effectRef idx="0">
+            <a:schemeClr val="accent1"/>
+          </a:effectRef>
+          <a:fontRef idx="minor">
+            <a:schemeClr val="lt1"/>
+          </a:fontRef>
+        </p:style>
+        <p:txBody>
+          <a:bodyPr rtlCol="0" anchor="ctr"/>
+          <a:lstStyle/>
+          <a:p>
+            <a:pPr algn="ctr"/>
+            <a:r>
+              <a:rPr lang="tr-TR" sz="4800" b="1">
+                <a:solidFill>
+                  <a:srgbClr val="00ACE6"/>
+                </a:solidFill>
+              </a:rPr>
+              <a:t>4</a:t>
+            </a:r>
+          </a:p>
+        </p:txBody>
+      </p:sp>
+      <p:sp>
+        <p:nvSpPr>
+          <p:cNvPr id="6" name="Slide Number Placeholder 4"/>
+          <p:cNvSpPr>
+            <a:spLocks noGrp="1"/>
+          </p:cNvSpPr>
+          <p:nvPr>
+            <p:ph type="sldNum" sz="quarter" idx="12"/>
+          </p:nvPr>
+        </p:nvSpPr>
+        <p:spPr>
+          <a:xfrm>
+            <a:off x="11623040" y="6485550"/>
+            <a:ext cx="568960" cy="372450"/>
+          </a:xfrm>
+          <a:solidFill>
+            <a:schemeClr val="bg2"/>
+          </a:solidFill>
+        </p:spPr>
+        <p:txBody>
+          <a:bodyPr/>
+          <a:lstStyle/>
+          <a:p>
+            <a:pPr algn="ctr"/>
+            <a:r>
+              <a:rPr lang="tr-TR" sz="1000" dirty="0"/>
+              <a:t>01 / 12</a:t>
+            </a:r>
+          </a:p>
+        </p:txBody>
+      </p:sp>
+    </p:spTree>
+    <p:extLst>
+      <p:ext uri="{BB962C8B-B14F-4D97-AF65-F5344CB8AC3E}">
+        <p14:creationId xmlns:p14="http://schemas.microsoft.com/office/powerpoint/2010/main" val="2737087207"/>
+      </p:ext>
+    </p:extLst>
+  </p:cSld>
+  <p:clrMapOvr>
+    <a:masterClrMapping/>
+  </p:clrMapOvr>
+</p:sld>
+</file>
+
+<file path=ppt/slides/slide10.xml><?xml version="1.0" encoding="utf-8"?>
+<p:sld xmlns:a="http://schemas.openxmlformats.org/drawingml/2006/main" xmlns:r="http://schemas.openxmlformats.org/officeDocument/2006/relationships" xmlns:p="http://schemas.openxmlformats.org/presentationml/2006/main">
+  <p:cSld>
+    <p:spTree>
+      <p:nvGrpSpPr>
+        <p:cNvPr id="1" name=""/>
+        <p:cNvGrpSpPr/>
+        <p:nvPr/>
+      </p:nvGrpSpPr>
+      <p:grpSpPr>
+        <a:xfrm>
+          <a:off x="0" y="0"/>
+          <a:ext cx="0" cy="0"/>
+          <a:chOff x="0" y="0"/>
+          <a:chExt cx="0" cy="0"/>
+        </a:xfrm>
+      </p:grpSpPr>
+      <p:sp>
+        <p:nvSpPr>
+          <p:cNvPr id="14" name="Slide Number Placeholder 4"/>
+          <p:cNvSpPr>
+            <a:spLocks noGrp="1"/>
+          </p:cNvSpPr>
+          <p:nvPr>
+            <p:ph type="sldNum" sz="quarter" idx="12"/>
+          </p:nvPr>
+        </p:nvSpPr>
+        <p:spPr>
+          <a:xfrm>
+            <a:off x="11623040" y="6485550"/>
+            <a:ext cx="568960" cy="372450"/>
+          </a:xfrm>
+          <a:solidFill>
+            <a:schemeClr val="bg2"/>
+          </a:solidFill>
+        </p:spPr>
+        <p:txBody>
+          <a:bodyPr/>
+          <a:lstStyle/>
+          <a:p>
+            <a:pPr algn="ctr"/>
+            <a:r>
+              <a:rPr lang="tr-TR" sz="1000" dirty="0"/>
+              <a:t>10 / 12</a:t>
+            </a:r>
+          </a:p>
+        </p:txBody>
+      </p:sp>
+      <p:pic>
+        <p:nvPicPr>
+          <p:cNvPr id="1026" name="Picture 2" descr="ESM-Tools configuration files hierarchy"/>
+          <p:cNvPicPr>
+            <a:picLocks noChangeAspect="1" noChangeArrowheads="1"/>
+          </p:cNvPicPr>
+          <p:nvPr/>
+        </p:nvPicPr>
+        <p:blipFill>
+          <a:blip r:embed="rId2">
+            <a:extLst>
+              <a:ext uri="{28A0092B-C50C-407E-A947-70E740481C1C}">
+                <a14:useLocalDpi xmlns:a14="http://schemas.microsoft.com/office/drawing/2010/main" val="0"/>
+              </a:ext>
+            </a:extLst>
+          </a:blip>
+          <a:srcRect/>
+          <a:stretch>
+            <a:fillRect/>
+          </a:stretch>
+        </p:blipFill>
+        <p:spPr bwMode="auto">
+          <a:xfrm>
+            <a:off x="8975164" y="1962646"/>
+            <a:ext cx="3026582" cy="4007612"/>
+          </a:xfrm>
+          <a:prstGeom prst="rect">
+            <a:avLst/>
+          </a:prstGeom>
+          <a:noFill/>
+          <a:ln>
+            <a:solidFill>
+              <a:schemeClr val="bg2">
+                <a:lumMod val="75000"/>
+              </a:schemeClr>
+            </a:solidFill>
+          </a:ln>
+          <a:extLst>
+            <a:ext uri="{909E8E84-426E-40DD-AFC4-6F175D3DCCD1}">
+              <a14:hiddenFill xmlns:a14="http://schemas.microsoft.com/office/drawing/2010/main">
+                <a:solidFill>
+                  <a:srgbClr val="FFFFFF"/>
+                </a:solidFill>
+              </a14:hiddenFill>
+            </a:ext>
+          </a:extLst>
+        </p:spPr>
+      </p:pic>
+      <p:sp>
+        <p:nvSpPr>
+          <p:cNvPr id="35" name="Rectangle 34"/>
+          <p:cNvSpPr/>
+          <p:nvPr/>
+        </p:nvSpPr>
+        <p:spPr>
+          <a:xfrm>
+            <a:off x="0" y="2"/>
+            <a:ext cx="12192000" cy="1296364"/>
+          </a:xfrm>
+          <a:prstGeom prst="rect">
+            <a:avLst/>
+          </a:prstGeom>
+          <a:solidFill>
+            <a:srgbClr val="00ACE6"/>
+          </a:solidFill>
+          <a:ln>
+            <a:noFill/>
+          </a:ln>
+        </p:spPr>
+        <p:style>
+          <a:lnRef idx="2">
+            <a:schemeClr val="accent1">
+              <a:shade val="50000"/>
+            </a:schemeClr>
+          </a:lnRef>
+          <a:fillRef idx="1">
+            <a:schemeClr val="accent1"/>
+          </a:fillRef>
+          <a:effectRef idx="0">
+            <a:schemeClr val="accent1"/>
+          </a:effectRef>
+          <a:fontRef idx="minor">
+            <a:schemeClr val="lt1"/>
+          </a:fontRef>
+        </p:style>
+        <p:txBody>
+          <a:bodyPr rtlCol="0" anchor="ctr"/>
+          <a:lstStyle/>
+          <a:p>
+            <a:r>
+              <a:rPr lang="tr-TR" sz="4800" b="1" dirty="0"/>
+              <a:t>      </a:t>
+            </a:r>
+            <a:r>
+              <a:rPr lang="tr-TR" sz="4800" b="1" dirty="0" err="1"/>
+              <a:t>Terminology</a:t>
+            </a:r>
+            <a:r>
+              <a:rPr lang="tr-TR" sz="4800" b="1" dirty="0"/>
+              <a:t> – </a:t>
+            </a:r>
+            <a:r>
+              <a:rPr lang="tr-TR" sz="4800" b="1" dirty="0" err="1"/>
+              <a:t>finished_config</a:t>
+            </a:r>
+            <a:r>
+              <a:rPr lang="tr-TR" sz="4800" b="1" dirty="0"/>
+              <a:t> file</a:t>
+            </a:r>
+          </a:p>
+        </p:txBody>
+      </p:sp>
+      <p:sp>
+        <p:nvSpPr>
+          <p:cNvPr id="36" name="Oval 35"/>
+          <p:cNvSpPr/>
+          <p:nvPr/>
+        </p:nvSpPr>
+        <p:spPr>
+          <a:xfrm>
+            <a:off x="161197" y="364604"/>
+            <a:ext cx="567159" cy="567159"/>
+          </a:xfrm>
+          <a:prstGeom prst="ellipse">
+            <a:avLst/>
+          </a:prstGeom>
+          <a:solidFill>
+            <a:schemeClr val="bg1"/>
+          </a:solidFill>
+          <a:ln>
+            <a:noFill/>
+          </a:ln>
+        </p:spPr>
+        <p:style>
+          <a:lnRef idx="2">
+            <a:schemeClr val="accent1">
+              <a:shade val="50000"/>
+            </a:schemeClr>
+          </a:lnRef>
+          <a:fillRef idx="1">
+            <a:schemeClr val="accent1"/>
+          </a:fillRef>
+          <a:effectRef idx="0">
+            <a:schemeClr val="accent1"/>
+          </a:effectRef>
+          <a:fontRef idx="minor">
+            <a:schemeClr val="lt1"/>
+          </a:fontRef>
+        </p:style>
+        <p:txBody>
+          <a:bodyPr rtlCol="0" anchor="ctr"/>
+          <a:lstStyle/>
+          <a:p>
+            <a:pPr algn="ctr"/>
+            <a:r>
+              <a:rPr lang="tr-TR" sz="3600" b="1">
+                <a:solidFill>
+                  <a:srgbClr val="00ACE6"/>
+                </a:solidFill>
+              </a:rPr>
+              <a:t>4</a:t>
+            </a:r>
+          </a:p>
+        </p:txBody>
+      </p:sp>
+      <p:sp>
+        <p:nvSpPr>
+          <p:cNvPr id="39" name="Isosceles Triangle 6">
+            <a:extLst>
+              <a:ext uri="{FF2B5EF4-FFF2-40B4-BE49-F238E27FC236}">
+                <a16:creationId xmlns:a16="http://schemas.microsoft.com/office/drawing/2014/main" id="{4A666EF0-A283-A21D-1FC3-C7120684A00A}"/>
+              </a:ext>
+            </a:extLst>
+          </p:cNvPr>
+          <p:cNvSpPr/>
+          <p:nvPr/>
+        </p:nvSpPr>
+        <p:spPr>
+          <a:xfrm rot="5400000">
+            <a:off x="348693" y="1536407"/>
+            <a:ext cx="457812" cy="394666"/>
+          </a:xfrm>
+          <a:prstGeom prst="triangle">
+            <a:avLst/>
+          </a:prstGeom>
+          <a:solidFill>
+            <a:srgbClr val="00ACE6"/>
+          </a:solidFill>
+          <a:ln>
+            <a:noFill/>
+          </a:ln>
+        </p:spPr>
+        <p:style>
+          <a:lnRef idx="2">
+            <a:schemeClr val="accent1">
+              <a:shade val="50000"/>
+            </a:schemeClr>
+          </a:lnRef>
+          <a:fillRef idx="1">
+            <a:schemeClr val="accent1"/>
+          </a:fillRef>
+          <a:effectRef idx="0">
+            <a:schemeClr val="accent1"/>
+          </a:effectRef>
+          <a:fontRef idx="minor">
+            <a:schemeClr val="lt1"/>
+          </a:fontRef>
+        </p:style>
+        <p:txBody>
+          <a:bodyPr rtlCol="0" anchor="ctr"/>
+          <a:lstStyle/>
+          <a:p>
+            <a:pPr algn="ctr"/>
+            <a:endParaRPr lang="en-GB"/>
+          </a:p>
+        </p:txBody>
+      </p:sp>
+      <p:sp>
+        <p:nvSpPr>
+          <p:cNvPr id="42" name="TextBox 41">
+            <a:extLst>
+              <a:ext uri="{FF2B5EF4-FFF2-40B4-BE49-F238E27FC236}">
+                <a16:creationId xmlns:a16="http://schemas.microsoft.com/office/drawing/2014/main" id="{CB50618F-6E48-EBCE-6A6B-D9FB41A2974A}"/>
+              </a:ext>
+            </a:extLst>
+          </p:cNvPr>
+          <p:cNvSpPr txBox="1"/>
+          <p:nvPr/>
+        </p:nvSpPr>
+        <p:spPr>
+          <a:xfrm>
+            <a:off x="799755" y="1467813"/>
+            <a:ext cx="7702219" cy="4801314"/>
+          </a:xfrm>
+          <a:prstGeom prst="rect">
+            <a:avLst/>
+          </a:prstGeom>
+          <a:noFill/>
+        </p:spPr>
+        <p:txBody>
+          <a:bodyPr wrap="square" rtlCol="0">
+            <a:spAutoFit/>
+          </a:bodyPr>
+          <a:lstStyle/>
+          <a:p>
+            <a:pPr algn="just"/>
+            <a:r>
+              <a:rPr lang="en-GB" dirty="0"/>
+              <a:t>Internally, </a:t>
+            </a:r>
+            <a:r>
+              <a:rPr lang="en-GB" dirty="0" err="1">
+                <a:solidFill>
+                  <a:srgbClr val="ED7D31"/>
+                </a:solidFill>
+              </a:rPr>
+              <a:t>esm_parser</a:t>
+            </a:r>
+            <a:r>
+              <a:rPr lang="en-GB" dirty="0"/>
+              <a:t> puts together all the information from the different </a:t>
+            </a:r>
+            <a:r>
+              <a:rPr lang="en-GB" dirty="0" err="1"/>
+              <a:t>yaml</a:t>
+            </a:r>
+            <a:r>
+              <a:rPr lang="en-GB" dirty="0"/>
+              <a:t> files for the given experiment into a Python object called </a:t>
+            </a:r>
+            <a:r>
+              <a:rPr lang="en-GB" dirty="0">
+                <a:solidFill>
+                  <a:srgbClr val="ED7D31"/>
+                </a:solidFill>
+              </a:rPr>
+              <a:t>config</a:t>
+            </a:r>
+          </a:p>
+          <a:p>
+            <a:pPr algn="just"/>
+            <a:endParaRPr lang="en-GB" b="1" dirty="0">
+              <a:solidFill>
+                <a:srgbClr val="31ACE6"/>
+              </a:solidFill>
+            </a:endParaRPr>
+          </a:p>
+          <a:p>
+            <a:r>
+              <a:rPr lang="en-GB" dirty="0"/>
+              <a:t>This object, containing all the information about the experiment, is passed to the different ESM-Tools functions</a:t>
+            </a:r>
+          </a:p>
+          <a:p>
+            <a:endParaRPr lang="en-GB" dirty="0"/>
+          </a:p>
+          <a:p>
+            <a:r>
+              <a:rPr lang="en-GB" dirty="0" err="1">
+                <a:solidFill>
+                  <a:srgbClr val="ED7D31"/>
+                </a:solidFill>
+              </a:rPr>
+              <a:t>esm_runscripts</a:t>
+            </a:r>
+            <a:r>
+              <a:rPr lang="en-GB" dirty="0">
+                <a:solidFill>
+                  <a:srgbClr val="ED7D31"/>
+                </a:solidFill>
+              </a:rPr>
+              <a:t> </a:t>
+            </a:r>
+            <a:r>
+              <a:rPr lang="en-GB" dirty="0"/>
+              <a:t>dumps this object into a </a:t>
+            </a:r>
+            <a:r>
+              <a:rPr lang="en-GB" dirty="0" err="1"/>
+              <a:t>yaml</a:t>
+            </a:r>
+            <a:r>
+              <a:rPr lang="en-GB" dirty="0"/>
+              <a:t> file in </a:t>
+            </a:r>
+            <a:r>
+              <a:rPr lang="en-GB" dirty="0">
+                <a:solidFill>
+                  <a:srgbClr val="ED7D31"/>
+                </a:solidFill>
+                <a:latin typeface="Monaco" pitchFamily="2" charset="77"/>
+              </a:rPr>
+              <a:t>&lt;</a:t>
+            </a:r>
+            <a:r>
+              <a:rPr lang="en-GB" dirty="0" err="1">
+                <a:solidFill>
+                  <a:srgbClr val="ED7D31"/>
+                </a:solidFill>
+                <a:latin typeface="Monaco" pitchFamily="2" charset="77"/>
+              </a:rPr>
+              <a:t>experiment_dir</a:t>
+            </a:r>
+            <a:r>
+              <a:rPr lang="en-GB" dirty="0">
+                <a:solidFill>
+                  <a:srgbClr val="ED7D31"/>
+                </a:solidFill>
+                <a:latin typeface="Monaco" pitchFamily="2" charset="77"/>
+              </a:rPr>
+              <a:t>&gt;/</a:t>
+            </a:r>
+            <a:r>
+              <a:rPr lang="en-GB" dirty="0" err="1">
+                <a:solidFill>
+                  <a:srgbClr val="ED7D31"/>
+                </a:solidFill>
+                <a:latin typeface="Monaco" pitchFamily="2" charset="77"/>
+              </a:rPr>
+              <a:t>run_DATE</a:t>
+            </a:r>
+            <a:r>
+              <a:rPr lang="en-GB" dirty="0">
+                <a:solidFill>
+                  <a:srgbClr val="ED7D31"/>
+                </a:solidFill>
+                <a:latin typeface="Monaco" pitchFamily="2" charset="77"/>
+              </a:rPr>
+              <a:t>/configs/*</a:t>
+            </a:r>
+            <a:r>
+              <a:rPr lang="en-GB" dirty="0" err="1">
+                <a:solidFill>
+                  <a:srgbClr val="ED7D31"/>
+                </a:solidFill>
+                <a:latin typeface="Monaco" pitchFamily="2" charset="77"/>
+              </a:rPr>
+              <a:t>finished_config.yaml</a:t>
+            </a:r>
+            <a:r>
+              <a:rPr lang="en-GB" dirty="0">
+                <a:solidFill>
+                  <a:srgbClr val="ED7D31"/>
+                </a:solidFill>
+                <a:latin typeface="Monaco" pitchFamily="2" charset="77"/>
+              </a:rPr>
+              <a:t> </a:t>
+            </a:r>
+            <a:r>
+              <a:rPr lang="en-GB" dirty="0"/>
+              <a:t>for runs that have not being submitted or are still running, or in </a:t>
+            </a:r>
+            <a:r>
+              <a:rPr lang="en-GB" dirty="0">
+                <a:solidFill>
+                  <a:srgbClr val="ED7D31"/>
+                </a:solidFill>
+                <a:latin typeface="Monaco" pitchFamily="2" charset="77"/>
+              </a:rPr>
+              <a:t>&lt;</a:t>
+            </a:r>
+            <a:r>
+              <a:rPr lang="en-GB" dirty="0" err="1">
+                <a:solidFill>
+                  <a:srgbClr val="ED7D31"/>
+                </a:solidFill>
+                <a:latin typeface="Monaco" pitchFamily="2" charset="77"/>
+              </a:rPr>
+              <a:t>experiment_dir</a:t>
+            </a:r>
+            <a:r>
+              <a:rPr lang="en-GB" dirty="0">
+                <a:solidFill>
+                  <a:srgbClr val="ED7D31"/>
+                </a:solidFill>
+                <a:latin typeface="Monaco" pitchFamily="2" charset="77"/>
+              </a:rPr>
+              <a:t>&gt;/configs/*</a:t>
+            </a:r>
+            <a:r>
+              <a:rPr lang="en-GB" dirty="0" err="1">
+                <a:solidFill>
+                  <a:srgbClr val="ED7D31"/>
+                </a:solidFill>
+                <a:latin typeface="Monaco" pitchFamily="2" charset="77"/>
+              </a:rPr>
+              <a:t>finished_config.yaml</a:t>
+            </a:r>
+            <a:r>
+              <a:rPr lang="en-GB" dirty="0">
+                <a:latin typeface="Monaco" pitchFamily="2" charset="77"/>
+              </a:rPr>
+              <a:t> </a:t>
+            </a:r>
+            <a:r>
+              <a:rPr lang="en-GB" dirty="0"/>
+              <a:t>for runs that have already run</a:t>
+            </a:r>
+          </a:p>
+          <a:p>
+            <a:endParaRPr lang="en-GB" dirty="0"/>
+          </a:p>
+          <a:p>
+            <a:r>
+              <a:rPr lang="en-GB" dirty="0"/>
+              <a:t>The </a:t>
+            </a:r>
+            <a:r>
+              <a:rPr lang="en-GB" b="1" dirty="0" err="1">
+                <a:solidFill>
+                  <a:srgbClr val="ED7D31"/>
+                </a:solidFill>
+              </a:rPr>
+              <a:t>finished_config</a:t>
+            </a:r>
+            <a:r>
+              <a:rPr lang="en-GB" b="1" dirty="0">
+                <a:solidFill>
+                  <a:srgbClr val="ED7D31"/>
+                </a:solidFill>
+              </a:rPr>
+              <a:t> file</a:t>
+            </a:r>
+            <a:r>
+              <a:rPr lang="en-GB" dirty="0"/>
+              <a:t> is used for checking that the final configuration works as expected</a:t>
+            </a:r>
+          </a:p>
+          <a:p>
+            <a:endParaRPr lang="en-GB" b="1" dirty="0">
+              <a:solidFill>
+                <a:srgbClr val="31ACE6"/>
+              </a:solidFill>
+            </a:endParaRPr>
+          </a:p>
+          <a:p>
+            <a:endParaRPr lang="en-GB" b="1" dirty="0"/>
+          </a:p>
+          <a:p>
+            <a:endParaRPr lang="en-GB" dirty="0"/>
+          </a:p>
+        </p:txBody>
+      </p:sp>
+      <p:sp>
+        <p:nvSpPr>
+          <p:cNvPr id="43" name="Isosceles Triangle 6">
+            <a:extLst>
+              <a:ext uri="{FF2B5EF4-FFF2-40B4-BE49-F238E27FC236}">
+                <a16:creationId xmlns:a16="http://schemas.microsoft.com/office/drawing/2014/main" id="{C82C5815-8997-1441-F50F-FD4ED2C39794}"/>
+              </a:ext>
+            </a:extLst>
+          </p:cNvPr>
+          <p:cNvSpPr/>
+          <p:nvPr/>
+        </p:nvSpPr>
+        <p:spPr>
+          <a:xfrm rot="5400000">
+            <a:off x="348693" y="2287750"/>
+            <a:ext cx="457812" cy="394666"/>
+          </a:xfrm>
+          <a:prstGeom prst="triangle">
+            <a:avLst/>
+          </a:prstGeom>
+          <a:solidFill>
+            <a:srgbClr val="00ACE6"/>
+          </a:solidFill>
+          <a:ln>
+            <a:noFill/>
+          </a:ln>
+        </p:spPr>
+        <p:style>
+          <a:lnRef idx="2">
+            <a:schemeClr val="accent1">
+              <a:shade val="50000"/>
+            </a:schemeClr>
+          </a:lnRef>
+          <a:fillRef idx="1">
+            <a:schemeClr val="accent1"/>
+          </a:fillRef>
+          <a:effectRef idx="0">
+            <a:schemeClr val="accent1"/>
+          </a:effectRef>
+          <a:fontRef idx="minor">
+            <a:schemeClr val="lt1"/>
+          </a:fontRef>
+        </p:style>
+        <p:txBody>
+          <a:bodyPr rtlCol="0" anchor="ctr"/>
+          <a:lstStyle/>
+          <a:p>
+            <a:pPr algn="ctr"/>
+            <a:endParaRPr lang="en-GB"/>
+          </a:p>
+        </p:txBody>
+      </p:sp>
+      <p:sp>
+        <p:nvSpPr>
+          <p:cNvPr id="44" name="Isosceles Triangle 6">
+            <a:extLst>
+              <a:ext uri="{FF2B5EF4-FFF2-40B4-BE49-F238E27FC236}">
+                <a16:creationId xmlns:a16="http://schemas.microsoft.com/office/drawing/2014/main" id="{F5EB8F5E-99B9-35AF-5E7B-69B9B0D6ABEF}"/>
+              </a:ext>
+            </a:extLst>
+          </p:cNvPr>
+          <p:cNvSpPr/>
+          <p:nvPr/>
+        </p:nvSpPr>
+        <p:spPr>
+          <a:xfrm rot="5400000">
+            <a:off x="348693" y="3134057"/>
+            <a:ext cx="457812" cy="394666"/>
+          </a:xfrm>
+          <a:prstGeom prst="triangle">
+            <a:avLst/>
+          </a:prstGeom>
+          <a:solidFill>
+            <a:srgbClr val="00ACE6"/>
+          </a:solidFill>
+          <a:ln>
+            <a:noFill/>
+          </a:ln>
+        </p:spPr>
+        <p:style>
+          <a:lnRef idx="2">
+            <a:schemeClr val="accent1">
+              <a:shade val="50000"/>
+            </a:schemeClr>
+          </a:lnRef>
+          <a:fillRef idx="1">
+            <a:schemeClr val="accent1"/>
+          </a:fillRef>
+          <a:effectRef idx="0">
+            <a:schemeClr val="accent1"/>
+          </a:effectRef>
+          <a:fontRef idx="minor">
+            <a:schemeClr val="lt1"/>
+          </a:fontRef>
+        </p:style>
+        <p:txBody>
+          <a:bodyPr rtlCol="0" anchor="ctr"/>
+          <a:lstStyle/>
+          <a:p>
+            <a:pPr algn="ctr"/>
+            <a:endParaRPr lang="en-GB"/>
+          </a:p>
+        </p:txBody>
+      </p:sp>
+      <p:sp>
+        <p:nvSpPr>
+          <p:cNvPr id="45" name="Isosceles Triangle 6">
+            <a:extLst>
+              <a:ext uri="{FF2B5EF4-FFF2-40B4-BE49-F238E27FC236}">
+                <a16:creationId xmlns:a16="http://schemas.microsoft.com/office/drawing/2014/main" id="{03D4EB45-589F-4C49-6A2C-C0B6BD5048DA}"/>
+              </a:ext>
+            </a:extLst>
+          </p:cNvPr>
+          <p:cNvSpPr/>
+          <p:nvPr/>
+        </p:nvSpPr>
+        <p:spPr>
+          <a:xfrm rot="5400000">
+            <a:off x="348693" y="4739120"/>
+            <a:ext cx="457812" cy="394666"/>
+          </a:xfrm>
+          <a:prstGeom prst="triangle">
+            <a:avLst/>
+          </a:prstGeom>
+          <a:solidFill>
+            <a:srgbClr val="00ACE6"/>
+          </a:solidFill>
+          <a:ln>
+            <a:noFill/>
+          </a:ln>
+        </p:spPr>
+        <p:style>
+          <a:lnRef idx="2">
+            <a:schemeClr val="accent1">
+              <a:shade val="50000"/>
+            </a:schemeClr>
+          </a:lnRef>
+          <a:fillRef idx="1">
+            <a:schemeClr val="accent1"/>
+          </a:fillRef>
+          <a:effectRef idx="0">
+            <a:schemeClr val="accent1"/>
+          </a:effectRef>
+          <a:fontRef idx="minor">
+            <a:schemeClr val="lt1"/>
+          </a:fontRef>
+        </p:style>
+        <p:txBody>
+          <a:bodyPr rtlCol="0" anchor="ctr"/>
+          <a:lstStyle/>
+          <a:p>
+            <a:pPr algn="ctr"/>
+            <a:endParaRPr lang="en-GB"/>
+          </a:p>
+        </p:txBody>
+      </p:sp>
+    </p:spTree>
+    <p:extLst>
+      <p:ext uri="{BB962C8B-B14F-4D97-AF65-F5344CB8AC3E}">
+        <p14:creationId xmlns:p14="http://schemas.microsoft.com/office/powerpoint/2010/main" val="3097844209"/>
+      </p:ext>
+    </p:extLst>
+  </p:cSld>
+  <p:clrMapOvr>
+    <a:masterClrMapping/>
+  </p:clrMapOvr>
+</p:sld>
+</file>
+
+<file path=ppt/slides/slide11.xml><?xml version="1.0" encoding="utf-8"?>
+<p:sld xmlns:a="http://schemas.openxmlformats.org/drawingml/2006/main" xmlns:r="http://schemas.openxmlformats.org/officeDocument/2006/relationships" xmlns:p="http://schemas.openxmlformats.org/presentationml/2006/main">
+  <p:cSld>
+    <p:spTree>
+      <p:nvGrpSpPr>
+        <p:cNvPr id="1" name=""/>
+        <p:cNvGrpSpPr/>
+        <p:nvPr/>
+      </p:nvGrpSpPr>
+      <p:grpSpPr>
+        <a:xfrm>
+          <a:off x="0" y="0"/>
+          <a:ext cx="0" cy="0"/>
+          <a:chOff x="0" y="0"/>
+          <a:chExt cx="0" cy="0"/>
+        </a:xfrm>
+      </p:grpSpPr>
+      <p:sp>
+        <p:nvSpPr>
           <p:cNvPr id="2" name="Rectangle 1"/>
           <p:cNvSpPr/>
           <p:nvPr/>
@@ -3019,8 +4010,8 @@
           <a:lstStyle/>
           <a:p>
             <a:r>
-              <a:rPr lang="en-GB" sz="4800" b="1"/>
-              <a:t>Terminology</a:t>
+              <a:rPr lang="en-GB" sz="4800" b="1" dirty="0"/>
+              <a:t>Terminology – check mode</a:t>
             </a:r>
           </a:p>
         </p:txBody>
@@ -3033,7 +4024,7 @@
         </p:nvSpPr>
         <p:spPr>
           <a:xfrm rot="5400000">
-            <a:off x="348693" y="2201054"/>
+            <a:off x="348693" y="1536407"/>
             <a:ext cx="457812" cy="394666"/>
           </a:xfrm>
           <a:prstGeom prst="triangle">
@@ -3079,8 +4070,8 @@
         </p:nvSpPr>
         <p:spPr>
           <a:xfrm>
-            <a:off x="1061012" y="2132460"/>
-            <a:ext cx="9833967" cy="830997"/>
+            <a:off x="1061012" y="1467813"/>
+            <a:ext cx="11020741" cy="5632311"/>
           </a:xfrm>
           <a:prstGeom prst="rect">
             <a:avLst/>
@@ -3094,18 +4085,276 @@
           <a:lstStyle/>
           <a:p>
             <a:r>
-              <a:rPr lang="en-GB" sz="2400"/>
-              <a:t>Through out this workshop we will be using ESM-Tools-specific terms that you’ll need to be familiar with. Those terms are defined in this power point. </a:t>
-            </a:r>
+              <a:rPr lang="en-GB" sz="2400" b="1" dirty="0" err="1">
+                <a:solidFill>
+                  <a:schemeClr val="accent2"/>
+                </a:solidFill>
+              </a:rPr>
+              <a:t>esm_master</a:t>
+            </a:r>
+            <a:r>
+              <a:rPr lang="en-GB" sz="2400" b="1" dirty="0">
+                <a:solidFill>
+                  <a:schemeClr val="accent2"/>
+                </a:solidFill>
+              </a:rPr>
+              <a:t> </a:t>
+            </a:r>
+            <a:r>
+              <a:rPr lang="en-GB" sz="2400" dirty="0"/>
+              <a:t>and </a:t>
+            </a:r>
+            <a:r>
+              <a:rPr lang="en-GB" sz="2400" b="1" dirty="0" err="1">
+                <a:solidFill>
+                  <a:schemeClr val="accent2"/>
+                </a:solidFill>
+              </a:rPr>
+              <a:t>esm_runscripts</a:t>
+            </a:r>
+            <a:r>
+              <a:rPr lang="en-GB" sz="2400" b="1" dirty="0">
+                <a:solidFill>
+                  <a:schemeClr val="accent2"/>
+                </a:solidFill>
+              </a:rPr>
+              <a:t> </a:t>
+            </a:r>
+            <a:r>
+              <a:rPr lang="en-GB" sz="2400" dirty="0"/>
+              <a:t>can run in check mode by adding the </a:t>
+            </a:r>
+            <a:r>
+              <a:rPr lang="en-GB" sz="2400" dirty="0">
+                <a:solidFill>
+                  <a:schemeClr val="accent2"/>
+                </a:solidFill>
+              </a:rPr>
+              <a:t>--check</a:t>
+            </a:r>
+            <a:r>
+              <a:rPr lang="en-GB" sz="2400" dirty="0"/>
+              <a:t> or </a:t>
+            </a:r>
+            <a:r>
+              <a:rPr lang="en-GB" sz="2400" dirty="0">
+                <a:solidFill>
+                  <a:schemeClr val="accent2"/>
+                </a:solidFill>
+              </a:rPr>
+              <a:t>-c </a:t>
+            </a:r>
+            <a:r>
+              <a:rPr lang="en-GB" sz="2400" dirty="0"/>
+              <a:t>flags to the command</a:t>
+            </a:r>
+          </a:p>
+          <a:p>
+            <a:pPr marL="342900" indent="-342900">
+              <a:buFont typeface="Arial" panose="020B0604020202020204" pitchFamily="34" charset="0"/>
+              <a:buChar char="•"/>
+            </a:pPr>
+            <a:endParaRPr lang="en-GB" sz="2400" dirty="0"/>
+          </a:p>
+          <a:p>
+            <a:r>
+              <a:rPr lang="en-GB" sz="2400" dirty="0" err="1"/>
+              <a:t>esm_master</a:t>
+            </a:r>
+            <a:r>
+              <a:rPr lang="en-GB" sz="2400" dirty="0"/>
+              <a:t> in check mode</a:t>
+            </a:r>
+          </a:p>
+          <a:p>
+            <a:pPr marL="342900" indent="-342900">
+              <a:buFont typeface="Arial" panose="020B0604020202020204" pitchFamily="34" charset="0"/>
+              <a:buChar char="•"/>
+            </a:pPr>
+            <a:r>
+              <a:rPr lang="en-GB" sz="2400" dirty="0"/>
+              <a:t>Outputs the git commands and building commands</a:t>
+            </a:r>
+            <a:br>
+              <a:rPr lang="en-GB" sz="2400" dirty="0"/>
+            </a:br>
+            <a:r>
+              <a:rPr lang="en-GB" sz="2400" dirty="0"/>
+              <a:t>but does not produce the </a:t>
+            </a:r>
+            <a:r>
+              <a:rPr lang="en-GB" sz="2400" b="1" dirty="0">
+                <a:solidFill>
+                  <a:schemeClr val="accent2"/>
+                </a:solidFill>
+              </a:rPr>
+              <a:t>comp-*.</a:t>
+            </a:r>
+            <a:r>
+              <a:rPr lang="en-GB" sz="2400" b="1" dirty="0" err="1">
+                <a:solidFill>
+                  <a:schemeClr val="accent2"/>
+                </a:solidFill>
+              </a:rPr>
+              <a:t>sh</a:t>
+            </a:r>
+            <a:r>
+              <a:rPr lang="en-GB" sz="2400" b="1" dirty="0">
+                <a:solidFill>
+                  <a:schemeClr val="accent2"/>
+                </a:solidFill>
+              </a:rPr>
+              <a:t> </a:t>
+            </a:r>
+            <a:r>
+              <a:rPr lang="en-GB" sz="2400" dirty="0"/>
+              <a:t>files</a:t>
+            </a:r>
+          </a:p>
+          <a:p>
+            <a:br>
+              <a:rPr lang="en-GB" sz="2400" b="1" dirty="0">
+                <a:solidFill>
+                  <a:schemeClr val="accent2"/>
+                </a:solidFill>
+              </a:rPr>
+            </a:br>
+            <a:br>
+              <a:rPr lang="en-GB" sz="2400" b="1" dirty="0">
+                <a:solidFill>
+                  <a:schemeClr val="accent2"/>
+                </a:solidFill>
+              </a:rPr>
+            </a:br>
+            <a:r>
+              <a:rPr lang="en-GB" sz="2400" b="1" dirty="0" err="1">
+                <a:solidFill>
+                  <a:schemeClr val="accent2"/>
+                </a:solidFill>
+              </a:rPr>
+              <a:t>esm_runscripts</a:t>
+            </a:r>
+            <a:r>
+              <a:rPr lang="en-GB" sz="2400" dirty="0"/>
+              <a:t> in check mode</a:t>
+            </a:r>
+          </a:p>
+          <a:p>
+            <a:pPr marL="342900" indent="-342900">
+              <a:buFont typeface="Arial" panose="020B0604020202020204" pitchFamily="34" charset="0"/>
+              <a:buChar char="•"/>
+            </a:pPr>
+            <a:r>
+              <a:rPr lang="en-GB" sz="2400" dirty="0"/>
+              <a:t>Bakes the </a:t>
+            </a:r>
+            <a:r>
+              <a:rPr lang="en-GB" sz="2400" dirty="0" err="1"/>
+              <a:t>yaml</a:t>
+            </a:r>
+            <a:r>
+              <a:rPr lang="en-GB" sz="2400" dirty="0"/>
+              <a:t> information and produces the </a:t>
+            </a:r>
+            <a:r>
+              <a:rPr lang="en-GB" sz="2400" b="1" dirty="0" err="1">
+                <a:solidFill>
+                  <a:schemeClr val="accent2"/>
+                </a:solidFill>
+              </a:rPr>
+              <a:t>finished_config.yaml</a:t>
+            </a:r>
+            <a:endParaRPr lang="en-GB" sz="2400" b="1" dirty="0">
+              <a:solidFill>
+                <a:schemeClr val="accent2"/>
+              </a:solidFill>
+            </a:endParaRPr>
+          </a:p>
+          <a:p>
+            <a:pPr marL="342900" indent="-342900">
+              <a:buFont typeface="Arial" panose="020B0604020202020204" pitchFamily="34" charset="0"/>
+              <a:buChar char="•"/>
+            </a:pPr>
+            <a:r>
+              <a:rPr lang="en-GB" sz="2400" dirty="0"/>
+              <a:t>Prepares the experiment folder (copies in input, forcing, binaries, …)</a:t>
+            </a:r>
+          </a:p>
+          <a:p>
+            <a:pPr marL="342900" indent="-342900">
+              <a:buFont typeface="Arial" panose="020B0604020202020204" pitchFamily="34" charset="0"/>
+              <a:buChar char="•"/>
+            </a:pPr>
+            <a:r>
+              <a:rPr lang="en-GB" sz="2400" dirty="0"/>
+              <a:t>Produces the </a:t>
+            </a:r>
+            <a:r>
+              <a:rPr lang="en-GB" sz="2400" b="1" dirty="0">
+                <a:solidFill>
+                  <a:schemeClr val="accent2"/>
+                </a:solidFill>
+              </a:rPr>
+              <a:t>*.run </a:t>
+            </a:r>
+            <a:r>
+              <a:rPr lang="en-GB" sz="2400" dirty="0"/>
+              <a:t>file</a:t>
+            </a:r>
+          </a:p>
+          <a:p>
+            <a:pPr marL="342900" indent="-342900">
+              <a:buFont typeface="Arial" panose="020B0604020202020204" pitchFamily="34" charset="0"/>
+              <a:buChar char="•"/>
+            </a:pPr>
+            <a:r>
+              <a:rPr lang="en-GB" sz="2400" b="1" dirty="0"/>
+              <a:t>Does not </a:t>
+            </a:r>
+            <a:r>
+              <a:rPr lang="en-GB" sz="2400" dirty="0"/>
+              <a:t>submit the </a:t>
+            </a:r>
+            <a:r>
+              <a:rPr lang="en-GB" sz="2400" b="1" dirty="0">
+                <a:solidFill>
+                  <a:srgbClr val="ED7D31"/>
+                </a:solidFill>
+              </a:rPr>
+              <a:t>*.run </a:t>
+            </a:r>
+            <a:r>
+              <a:rPr lang="en-GB" sz="2400" dirty="0"/>
+              <a:t>script to </a:t>
+            </a:r>
+            <a:r>
+              <a:rPr lang="en-GB" sz="2400" dirty="0" err="1">
+                <a:solidFill>
+                  <a:srgbClr val="ED7D31"/>
+                </a:solidFill>
+              </a:rPr>
+              <a:t>sbatch</a:t>
+            </a:r>
+            <a:endParaRPr lang="en-GB" sz="2400" dirty="0">
+              <a:solidFill>
+                <a:srgbClr val="ED7D31"/>
+              </a:solidFill>
+            </a:endParaRPr>
+          </a:p>
+          <a:p>
+            <a:endParaRPr lang="en-GB" sz="2400" b="1" dirty="0"/>
+          </a:p>
+          <a:p>
+            <a:endParaRPr lang="en-GB" sz="2400" dirty="0"/>
           </a:p>
         </p:txBody>
       </p:sp>
       <p:sp>
         <p:nvSpPr>
-          <p:cNvPr id="13" name="Isosceles Triangle 6">
+          <p:cNvPr id="11" name="Isosceles Triangle 6">
             <a:extLst>
               <a:ext uri="{FF2B5EF4-FFF2-40B4-BE49-F238E27FC236}">
-                <a16:creationId xmlns:a16="http://schemas.microsoft.com/office/drawing/2014/main" id="{466AFAFB-23EF-2AE3-96E6-3C2FB92CD07F}"/>
+                <a16:creationId xmlns:a16="http://schemas.microsoft.com/office/drawing/2014/main" id="{DAE2120B-BEC7-3ACB-B88D-C2829FED2CB0}"/>
               </a:ext>
             </a:extLst>
           </p:cNvPr>
@@ -3114,7 +4363,7 @@
         </p:nvSpPr>
         <p:spPr>
           <a:xfrm rot="5400000">
-            <a:off x="348693" y="3831125"/>
+            <a:off x="348693" y="4468679"/>
             <a:ext cx="457812" cy="394666"/>
           </a:xfrm>
           <a:prstGeom prst="triangle">
@@ -3154,10 +4403,62 @@
       </p:sp>
       <p:sp>
         <p:nvSpPr>
-          <p:cNvPr id="16" name="TextBox 15">
+          <p:cNvPr id="10" name="Isosceles Triangle 6">
             <a:extLst>
               <a:ext uri="{FF2B5EF4-FFF2-40B4-BE49-F238E27FC236}">
-                <a16:creationId xmlns:a16="http://schemas.microsoft.com/office/drawing/2014/main" id="{DF44E65F-1A80-D99D-C750-8C24F228A285}"/>
+                <a16:creationId xmlns:a16="http://schemas.microsoft.com/office/drawing/2014/main" id="{0F915FD4-513F-D900-223B-A02B8A66CC99}"/>
+              </a:ext>
+            </a:extLst>
+          </p:cNvPr>
+          <p:cNvSpPr/>
+          <p:nvPr/>
+        </p:nvSpPr>
+        <p:spPr>
+          <a:xfrm rot="5400000">
+            <a:off x="348693" y="2637451"/>
+            <a:ext cx="457812" cy="394666"/>
+          </a:xfrm>
+          <a:prstGeom prst="triangle">
+            <a:avLst/>
+          </a:prstGeom>
+          <a:solidFill>
+            <a:srgbClr val="00ACE6"/>
+          </a:solidFill>
+          <a:ln>
+            <a:noFill/>
+          </a:ln>
+        </p:spPr>
+        <p:style>
+          <a:lnRef idx="2">
+            <a:schemeClr val="accent1">
+              <a:shade val="50000"/>
+            </a:schemeClr>
+          </a:lnRef>
+          <a:fillRef idx="1">
+            <a:schemeClr val="accent1"/>
+          </a:fillRef>
+          <a:effectRef idx="0">
+            <a:schemeClr val="accent1"/>
+          </a:effectRef>
+          <a:fontRef idx="minor">
+            <a:schemeClr val="lt1"/>
+          </a:fontRef>
+        </p:style>
+        <p:txBody>
+          <a:bodyPr rtlCol="0" anchor="ctr"/>
+          <a:lstStyle/>
+          <a:p>
+            <a:pPr algn="ctr"/>
+            <a:endParaRPr lang="en-GB"/>
+          </a:p>
+        </p:txBody>
+      </p:sp>
+      <p:sp>
+        <p:nvSpPr>
+          <p:cNvPr id="12" name="TextBox 11">
+            <a:extLst>
+              <a:ext uri="{FF2B5EF4-FFF2-40B4-BE49-F238E27FC236}">
+                <a16:creationId xmlns:a16="http://schemas.microsoft.com/office/drawing/2014/main" id="{1F9A6FAC-A169-9EBB-D646-613DD18E5375}"/>
               </a:ext>
             </a:extLst>
           </p:cNvPr>
@@ -3165,9 +4466,299 @@
           <p:nvPr/>
         </p:nvSpPr>
         <p:spPr>
+          <a:xfrm rot="20700000">
+            <a:off x="7262473" y="3075056"/>
+            <a:ext cx="3412250" cy="707886"/>
+          </a:xfrm>
+          <a:prstGeom prst="rect">
+            <a:avLst/>
+          </a:prstGeom>
+          <a:solidFill>
+            <a:schemeClr val="accent2">
+              <a:lumMod val="40000"/>
+              <a:lumOff val="60000"/>
+            </a:schemeClr>
+          </a:solidFill>
+          <a:ln>
+            <a:noFill/>
+          </a:ln>
+        </p:spPr>
+        <p:txBody>
+          <a:bodyPr wrap="square" rtlCol="0">
+            <a:spAutoFit/>
+          </a:bodyPr>
+          <a:lstStyle/>
+          <a:p>
+            <a:r>
+              <a:rPr lang="en-GB" sz="2000" dirty="0"/>
+              <a:t>To be changed in the future to it </a:t>
+            </a:r>
+            <a:r>
+              <a:rPr lang="en-GB" sz="2000" dirty="0" err="1"/>
+              <a:t>procudes</a:t>
+            </a:r>
+            <a:r>
+              <a:rPr lang="en-GB" sz="2000" dirty="0"/>
+              <a:t> </a:t>
+            </a:r>
+            <a:r>
+              <a:rPr lang="en-GB" sz="2000" b="1" dirty="0"/>
+              <a:t>comp-*.</a:t>
+            </a:r>
+            <a:r>
+              <a:rPr lang="en-GB" sz="2000" b="1" dirty="0" err="1"/>
+              <a:t>sh</a:t>
+            </a:r>
+            <a:r>
+              <a:rPr lang="en-GB" sz="2000" dirty="0"/>
+              <a:t> files</a:t>
+            </a:r>
+          </a:p>
+        </p:txBody>
+      </p:sp>
+      <p:sp>
+        <p:nvSpPr>
+          <p:cNvPr id="8" name="Slide Number Placeholder 4"/>
+          <p:cNvSpPr>
+            <a:spLocks noGrp="1"/>
+          </p:cNvSpPr>
+          <p:nvPr>
+            <p:ph type="sldNum" sz="quarter" idx="12"/>
+          </p:nvPr>
+        </p:nvSpPr>
+        <p:spPr>
           <a:xfrm>
-            <a:off x="1061012" y="3762531"/>
-            <a:ext cx="9833967" cy="461665"/>
+            <a:off x="11623040" y="6485550"/>
+            <a:ext cx="568960" cy="372450"/>
+          </a:xfrm>
+          <a:solidFill>
+            <a:schemeClr val="bg2"/>
+          </a:solidFill>
+        </p:spPr>
+        <p:txBody>
+          <a:bodyPr/>
+          <a:lstStyle/>
+          <a:p>
+            <a:pPr algn="ctr"/>
+            <a:r>
+              <a:rPr lang="tr-TR" sz="1000" dirty="0"/>
+              <a:t>11 / 12</a:t>
+            </a:r>
+          </a:p>
+        </p:txBody>
+      </p:sp>
+    </p:spTree>
+    <p:extLst>
+      <p:ext uri="{BB962C8B-B14F-4D97-AF65-F5344CB8AC3E}">
+        <p14:creationId xmlns:p14="http://schemas.microsoft.com/office/powerpoint/2010/main" val="3194140031"/>
+      </p:ext>
+    </p:extLst>
+  </p:cSld>
+  <p:clrMapOvr>
+    <a:masterClrMapping/>
+  </p:clrMapOvr>
+  <p:timing>
+    <p:tnLst>
+      <p:par>
+        <p:cTn id="1" dur="indefinite" restart="never" nodeType="tmRoot">
+          <p:childTnLst>
+            <p:seq concurrent="1" nextAc="seek">
+              <p:cTn id="2" dur="indefinite" nodeType="mainSeq">
+                <p:childTnLst>
+                  <p:par>
+                    <p:cTn id="3" fill="hold">
+                      <p:stCondLst>
+                        <p:cond delay="indefinite"/>
+                      </p:stCondLst>
+                      <p:childTnLst>
+                        <p:par>
+                          <p:cTn id="4" fill="hold">
+                            <p:stCondLst>
+                              <p:cond delay="0"/>
+                            </p:stCondLst>
+                            <p:childTnLst>
+                              <p:par>
+                                <p:cTn id="5" presetID="1" presetClass="entr" presetSubtype="0" fill="hold" grpId="0" nodeType="clickEffect">
+                                  <p:stCondLst>
+                                    <p:cond delay="0"/>
+                                  </p:stCondLst>
+                                  <p:childTnLst>
+                                    <p:set>
+                                      <p:cBhvr>
+                                        <p:cTn id="6" dur="1" fill="hold">
+                                          <p:stCondLst>
+                                            <p:cond delay="0"/>
+                                          </p:stCondLst>
+                                        </p:cTn>
+                                        <p:tgtEl>
+                                          <p:spTgt spid="12"/>
+                                        </p:tgtEl>
+                                        <p:attrNameLst>
+                                          <p:attrName>style.visibility</p:attrName>
+                                        </p:attrNameLst>
+                                      </p:cBhvr>
+                                      <p:to>
+                                        <p:strVal val="visible"/>
+                                      </p:to>
+                                    </p:set>
+                                  </p:childTnLst>
+                                </p:cTn>
+                              </p:par>
+                            </p:childTnLst>
+                          </p:cTn>
+                        </p:par>
+                      </p:childTnLst>
+                    </p:cTn>
+                  </p:par>
+                </p:childTnLst>
+              </p:cTn>
+              <p:prevCondLst>
+                <p:cond evt="onPrev" delay="0">
+                  <p:tgtEl>
+                    <p:sldTgt/>
+                  </p:tgtEl>
+                </p:cond>
+              </p:prevCondLst>
+              <p:nextCondLst>
+                <p:cond evt="onNext" delay="0">
+                  <p:tgtEl>
+                    <p:sldTgt/>
+                  </p:tgtEl>
+                </p:cond>
+              </p:nextCondLst>
+            </p:seq>
+          </p:childTnLst>
+        </p:cTn>
+      </p:par>
+    </p:tnLst>
+    <p:bldLst>
+      <p:bldP spid="12" grpId="0" animBg="1"/>
+    </p:bldLst>
+  </p:timing>
+</p:sld>
+</file>
+
+<file path=ppt/slides/slide12.xml><?xml version="1.0" encoding="utf-8"?>
+<p:sld xmlns:a="http://schemas.openxmlformats.org/drawingml/2006/main" xmlns:r="http://schemas.openxmlformats.org/officeDocument/2006/relationships" xmlns:p="http://schemas.openxmlformats.org/presentationml/2006/main">
+  <p:cSld>
+    <p:spTree>
+      <p:nvGrpSpPr>
+        <p:cNvPr id="1" name=""/>
+        <p:cNvGrpSpPr/>
+        <p:nvPr/>
+      </p:nvGrpSpPr>
+      <p:grpSpPr>
+        <a:xfrm>
+          <a:off x="0" y="0"/>
+          <a:ext cx="0" cy="0"/>
+          <a:chOff x="0" y="0"/>
+          <a:chExt cx="0" cy="0"/>
+        </a:xfrm>
+      </p:grpSpPr>
+      <p:sp>
+        <p:nvSpPr>
+          <p:cNvPr id="2" name="Rectangle 1"/>
+          <p:cNvSpPr/>
+          <p:nvPr/>
+        </p:nvSpPr>
+        <p:spPr>
+          <a:xfrm>
+            <a:off x="0" y="2"/>
+            <a:ext cx="12192000" cy="1296364"/>
+          </a:xfrm>
+          <a:prstGeom prst="rect">
+            <a:avLst/>
+          </a:prstGeom>
+          <a:solidFill>
+            <a:srgbClr val="00ACE6"/>
+          </a:solidFill>
+          <a:ln>
+            <a:noFill/>
+          </a:ln>
+        </p:spPr>
+        <p:style>
+          <a:lnRef idx="2">
+            <a:schemeClr val="accent1">
+              <a:shade val="50000"/>
+            </a:schemeClr>
+          </a:lnRef>
+          <a:fillRef idx="1">
+            <a:schemeClr val="accent1"/>
+          </a:fillRef>
+          <a:effectRef idx="0">
+            <a:schemeClr val="accent1"/>
+          </a:effectRef>
+          <a:fontRef idx="minor">
+            <a:schemeClr val="lt1"/>
+          </a:fontRef>
+        </p:style>
+        <p:txBody>
+          <a:bodyPr rtlCol="0" anchor="ctr"/>
+          <a:lstStyle/>
+          <a:p>
+            <a:r>
+              <a:rPr lang="en-GB" sz="4800" b="1" dirty="0"/>
+              <a:t>Terminology – models and components</a:t>
+            </a:r>
+          </a:p>
+        </p:txBody>
+      </p:sp>
+      <p:sp>
+        <p:nvSpPr>
+          <p:cNvPr id="7" name="Isosceles Triangle 6"/>
+          <p:cNvSpPr/>
+          <p:nvPr/>
+        </p:nvSpPr>
+        <p:spPr>
+          <a:xfrm rot="5400000">
+            <a:off x="348693" y="1536407"/>
+            <a:ext cx="457812" cy="394666"/>
+          </a:xfrm>
+          <a:prstGeom prst="triangle">
+            <a:avLst/>
+          </a:prstGeom>
+          <a:solidFill>
+            <a:srgbClr val="00ACE6"/>
+          </a:solidFill>
+          <a:ln>
+            <a:noFill/>
+          </a:ln>
+        </p:spPr>
+        <p:style>
+          <a:lnRef idx="2">
+            <a:schemeClr val="accent1">
+              <a:shade val="50000"/>
+            </a:schemeClr>
+          </a:lnRef>
+          <a:fillRef idx="1">
+            <a:schemeClr val="accent1"/>
+          </a:fillRef>
+          <a:effectRef idx="0">
+            <a:schemeClr val="accent1"/>
+          </a:effectRef>
+          <a:fontRef idx="minor">
+            <a:schemeClr val="lt1"/>
+          </a:fontRef>
+        </p:style>
+        <p:txBody>
+          <a:bodyPr rtlCol="0" anchor="ctr"/>
+          <a:lstStyle/>
+          <a:p>
+            <a:pPr algn="ctr"/>
+            <a:endParaRPr lang="en-GB"/>
+          </a:p>
+        </p:txBody>
+      </p:sp>
+      <p:sp>
+        <p:nvSpPr>
+          <p:cNvPr id="14" name="TextBox 13"/>
+          <p:cNvSpPr txBox="1"/>
+          <p:nvPr/>
+        </p:nvSpPr>
+        <p:spPr>
+          <a:xfrm>
+            <a:off x="1061012" y="1467813"/>
+            <a:ext cx="11020741" cy="5632311"/>
           </a:xfrm>
           <a:prstGeom prst="rect">
             <a:avLst/>
@@ -3181,24 +4772,268 @@
           <a:lstStyle/>
           <a:p>
             <a:r>
+              <a:rPr lang="en-GB" sz="2400" b="1" dirty="0"/>
+              <a:t>FESOM-2</a:t>
+            </a:r>
+          </a:p>
+          <a:p>
+            <a:pPr marL="342900" indent="-342900">
+              <a:buFont typeface="Arial" panose="020B0604020202020204" pitchFamily="34" charset="0"/>
+              <a:buChar char="•"/>
+            </a:pPr>
+            <a:r>
               <a:rPr lang="en-GB" sz="2400" dirty="0"/>
-              <a:t>You’ll see those terms in the other slides coloured in </a:t>
-            </a:r>
-            <a:r>
-              <a:rPr lang="en-GB" sz="2400" dirty="0">
-                <a:solidFill>
-                  <a:srgbClr val="ED7D31"/>
-                </a:solidFill>
-              </a:rPr>
-              <a:t>orange</a:t>
-            </a:r>
+              <a:t>AWI’s ocean model</a:t>
+            </a:r>
+          </a:p>
+          <a:p>
+            <a:pPr marL="342900" indent="-342900">
+              <a:buFont typeface="Arial" panose="020B0604020202020204" pitchFamily="34" charset="0"/>
+              <a:buChar char="•"/>
+            </a:pPr>
+            <a:r>
+              <a:rPr lang="en-GB" sz="2400" dirty="0"/>
+              <a:t>Finite Volume</a:t>
+            </a:r>
+          </a:p>
+          <a:p>
+            <a:pPr marL="342900" indent="-342900">
+              <a:buFont typeface="Arial" panose="020B0604020202020204" pitchFamily="34" charset="0"/>
+              <a:buChar char="•"/>
+            </a:pPr>
+            <a:r>
+              <a:rPr lang="en-GB" sz="2400" dirty="0" err="1"/>
+              <a:t>Unestructure</a:t>
+            </a:r>
+            <a:r>
+              <a:rPr lang="en-GB" sz="2400" dirty="0"/>
+              <a:t> mesh</a:t>
+            </a:r>
+          </a:p>
+          <a:p>
+            <a:pPr marL="342900" indent="-342900">
+              <a:buFont typeface="Arial" panose="020B0604020202020204" pitchFamily="34" charset="0"/>
+              <a:buChar char="•"/>
+            </a:pPr>
+            <a:endParaRPr lang="en-GB" sz="2400" dirty="0"/>
+          </a:p>
+          <a:p>
+            <a:r>
+              <a:rPr lang="en-GB" sz="2400" b="1" dirty="0"/>
+              <a:t>AWI-ESM-2.1</a:t>
+            </a:r>
+          </a:p>
+          <a:p>
+            <a:pPr marL="342900" indent="-342900">
+              <a:buFont typeface="Arial" panose="020B0604020202020204" pitchFamily="34" charset="0"/>
+              <a:buChar char="•"/>
+            </a:pPr>
+            <a:r>
+              <a:rPr lang="en-GB" sz="2400" dirty="0"/>
+              <a:t>ECHAM6 + FESOM-2.1 with OASIS3MCT</a:t>
+            </a:r>
+          </a:p>
+          <a:p>
+            <a:pPr marL="342900" indent="-342900">
+              <a:buFont typeface="Arial" panose="020B0604020202020204" pitchFamily="34" charset="0"/>
+              <a:buChar char="•"/>
+            </a:pPr>
+            <a:r>
+              <a:rPr lang="en-GB" sz="2400" dirty="0"/>
+              <a:t>Dynamic vegetation</a:t>
+            </a:r>
+          </a:p>
+          <a:p>
+            <a:pPr marL="342900" indent="-342900">
+              <a:buFont typeface="Arial" panose="020B0604020202020204" pitchFamily="34" charset="0"/>
+              <a:buChar char="•"/>
+            </a:pPr>
+            <a:r>
+              <a:rPr lang="en-GB" sz="2400" dirty="0"/>
+              <a:t>+ </a:t>
+            </a:r>
+            <a:r>
+              <a:rPr lang="en-GB" sz="2400" dirty="0" err="1"/>
+              <a:t>REcoM</a:t>
+            </a:r>
+            <a:r>
+              <a:rPr lang="en-GB" sz="2400" dirty="0"/>
+              <a:t> (biogeochemistry) + PISM (WIP, offline coupled)</a:t>
+            </a:r>
+          </a:p>
+          <a:p>
+            <a:pPr marL="342900" indent="-342900">
+              <a:buFont typeface="Arial" panose="020B0604020202020204" pitchFamily="34" charset="0"/>
+              <a:buChar char="•"/>
+            </a:pPr>
+            <a:endParaRPr lang="en-GB" sz="2400" dirty="0"/>
+          </a:p>
+          <a:p>
+            <a:r>
+              <a:rPr lang="en-GB" sz="2400" b="1" dirty="0"/>
+              <a:t>VILMA-PISM</a:t>
+            </a:r>
+          </a:p>
+          <a:p>
+            <a:pPr marL="342900" indent="-342900">
+              <a:buFont typeface="Arial" panose="020B0604020202020204" pitchFamily="34" charset="0"/>
+              <a:buChar char="•"/>
+            </a:pPr>
+            <a:r>
+              <a:rPr lang="en-GB" sz="2400" dirty="0"/>
+              <a:t>Offline coupling through ESM-Tools workflow manager</a:t>
+            </a:r>
+          </a:p>
+          <a:p>
+            <a:endParaRPr lang="en-GB" sz="2400" dirty="0"/>
+          </a:p>
+          <a:p>
+            <a:endParaRPr lang="en-GB" sz="2400" dirty="0"/>
+          </a:p>
+          <a:p>
+            <a:endParaRPr lang="en-GB" sz="2400" dirty="0"/>
+          </a:p>
+        </p:txBody>
+      </p:sp>
+      <p:sp>
+        <p:nvSpPr>
+          <p:cNvPr id="10" name="Isosceles Triangle 6">
+            <a:extLst>
+              <a:ext uri="{FF2B5EF4-FFF2-40B4-BE49-F238E27FC236}">
+                <a16:creationId xmlns:a16="http://schemas.microsoft.com/office/drawing/2014/main" id="{0F915FD4-513F-D900-223B-A02B8A66CC99}"/>
+              </a:ext>
+            </a:extLst>
+          </p:cNvPr>
+          <p:cNvSpPr/>
+          <p:nvPr/>
+        </p:nvSpPr>
+        <p:spPr>
+          <a:xfrm rot="5400000">
+            <a:off x="348693" y="3344587"/>
+            <a:ext cx="457812" cy="394666"/>
+          </a:xfrm>
+          <a:prstGeom prst="triangle">
+            <a:avLst/>
+          </a:prstGeom>
+          <a:solidFill>
+            <a:srgbClr val="00ACE6"/>
+          </a:solidFill>
+          <a:ln>
+            <a:noFill/>
+          </a:ln>
+        </p:spPr>
+        <p:style>
+          <a:lnRef idx="2">
+            <a:schemeClr val="accent1">
+              <a:shade val="50000"/>
+            </a:schemeClr>
+          </a:lnRef>
+          <a:fillRef idx="1">
+            <a:schemeClr val="accent1"/>
+          </a:fillRef>
+          <a:effectRef idx="0">
+            <a:schemeClr val="accent1"/>
+          </a:effectRef>
+          <a:fontRef idx="minor">
+            <a:schemeClr val="lt1"/>
+          </a:fontRef>
+        </p:style>
+        <p:txBody>
+          <a:bodyPr rtlCol="0" anchor="ctr"/>
+          <a:lstStyle/>
+          <a:p>
+            <a:pPr algn="ctr"/>
+            <a:endParaRPr lang="en-GB"/>
+          </a:p>
+        </p:txBody>
+      </p:sp>
+      <p:sp>
+        <p:nvSpPr>
+          <p:cNvPr id="8" name="Slide Number Placeholder 4"/>
+          <p:cNvSpPr>
+            <a:spLocks noGrp="1"/>
+          </p:cNvSpPr>
+          <p:nvPr>
+            <p:ph type="sldNum" sz="quarter" idx="12"/>
+          </p:nvPr>
+        </p:nvSpPr>
+        <p:spPr>
+          <a:xfrm>
+            <a:off x="11623040" y="6485550"/>
+            <a:ext cx="568960" cy="372450"/>
+          </a:xfrm>
+          <a:solidFill>
+            <a:schemeClr val="bg2"/>
+          </a:solidFill>
+        </p:spPr>
+        <p:txBody>
+          <a:bodyPr/>
+          <a:lstStyle/>
+          <a:p>
+            <a:pPr algn="ctr"/>
+            <a:r>
+              <a:rPr lang="tr-TR" sz="1000" dirty="0"/>
+              <a:t>12 / 12</a:t>
+            </a:r>
+          </a:p>
+        </p:txBody>
+      </p:sp>
+      <p:sp>
+        <p:nvSpPr>
+          <p:cNvPr id="9" name="Isosceles Triangle 6">
+            <a:extLst>
+              <a:ext uri="{FF2B5EF4-FFF2-40B4-BE49-F238E27FC236}">
+                <a16:creationId xmlns:a16="http://schemas.microsoft.com/office/drawing/2014/main" id="{9D6FAB48-F285-48BA-584F-2A4724693AAB}"/>
+              </a:ext>
+            </a:extLst>
+          </p:cNvPr>
+          <p:cNvSpPr/>
+          <p:nvPr/>
+        </p:nvSpPr>
+        <p:spPr>
+          <a:xfrm rot="5400000">
+            <a:off x="501093" y="5155833"/>
+            <a:ext cx="457812" cy="394666"/>
+          </a:xfrm>
+          <a:prstGeom prst="triangle">
+            <a:avLst/>
+          </a:prstGeom>
+          <a:solidFill>
+            <a:srgbClr val="00ACE6"/>
+          </a:solidFill>
+          <a:ln>
+            <a:noFill/>
+          </a:ln>
+        </p:spPr>
+        <p:style>
+          <a:lnRef idx="2">
+            <a:schemeClr val="accent1">
+              <a:shade val="50000"/>
+            </a:schemeClr>
+          </a:lnRef>
+          <a:fillRef idx="1">
+            <a:schemeClr val="accent1"/>
+          </a:fillRef>
+          <a:effectRef idx="0">
+            <a:schemeClr val="accent1"/>
+          </a:effectRef>
+          <a:fontRef idx="minor">
+            <a:schemeClr val="lt1"/>
+          </a:fontRef>
+        </p:style>
+        <p:txBody>
+          <a:bodyPr rtlCol="0" anchor="ctr"/>
+          <a:lstStyle/>
+          <a:p>
+            <a:pPr algn="ctr"/>
+            <a:endParaRPr lang="en-GB"/>
           </a:p>
         </p:txBody>
       </p:sp>
     </p:spTree>
     <p:extLst>
       <p:ext uri="{BB962C8B-B14F-4D97-AF65-F5344CB8AC3E}">
-        <p14:creationId xmlns:p14="http://schemas.microsoft.com/office/powerpoint/2010/main" val="3590272520"/>
+        <p14:creationId xmlns:p14="http://schemas.microsoft.com/office/powerpoint/2010/main" val="405680072"/>
       </p:ext>
     </p:extLst>
   </p:cSld>
@@ -3267,6 +5102,10 @@
           <a:lstStyle/>
           <a:p>
             <a:r>
+              <a:rPr lang="tr-TR" sz="4800" b="1"/>
+              <a:t>      </a:t>
+            </a:r>
+            <a:r>
               <a:rPr lang="en-GB" sz="4800" b="1"/>
               <a:t>Terminology</a:t>
             </a:r>
@@ -3328,6 +5167,93 @@
         <p:spPr>
           <a:xfrm>
             <a:off x="1061012" y="2132460"/>
+            <a:ext cx="9833967" cy="830997"/>
+          </a:xfrm>
+          <a:prstGeom prst="rect">
+            <a:avLst/>
+          </a:prstGeom>
+          <a:noFill/>
+        </p:spPr>
+        <p:txBody>
+          <a:bodyPr wrap="square" rtlCol="0">
+            <a:spAutoFit/>
+          </a:bodyPr>
+          <a:lstStyle/>
+          <a:p>
+            <a:r>
+              <a:rPr lang="en-GB" sz="2400"/>
+              <a:t>Through out this workshop we will be using ESM-Tools-specific terms that you’ll need to be familiar with. Those terms are defined in this power point. </a:t>
+            </a:r>
+          </a:p>
+        </p:txBody>
+      </p:sp>
+      <p:sp>
+        <p:nvSpPr>
+          <p:cNvPr id="13" name="Isosceles Triangle 6">
+            <a:extLst>
+              <a:ext uri="{FF2B5EF4-FFF2-40B4-BE49-F238E27FC236}">
+                <a16:creationId xmlns:a16="http://schemas.microsoft.com/office/drawing/2014/main" id="{466AFAFB-23EF-2AE3-96E6-3C2FB92CD07F}"/>
+              </a:ext>
+            </a:extLst>
+          </p:cNvPr>
+          <p:cNvSpPr/>
+          <p:nvPr/>
+        </p:nvSpPr>
+        <p:spPr>
+          <a:xfrm rot="5400000">
+            <a:off x="348693" y="3831125"/>
+            <a:ext cx="457812" cy="394666"/>
+          </a:xfrm>
+          <a:prstGeom prst="triangle">
+            <a:avLst/>
+          </a:prstGeom>
+          <a:solidFill>
+            <a:srgbClr val="00ACE6"/>
+          </a:solidFill>
+          <a:ln>
+            <a:noFill/>
+          </a:ln>
+        </p:spPr>
+        <p:style>
+          <a:lnRef idx="2">
+            <a:schemeClr val="accent1">
+              <a:shade val="50000"/>
+            </a:schemeClr>
+          </a:lnRef>
+          <a:fillRef idx="1">
+            <a:schemeClr val="accent1"/>
+          </a:fillRef>
+          <a:effectRef idx="0">
+            <a:schemeClr val="accent1"/>
+          </a:effectRef>
+          <a:fontRef idx="minor">
+            <a:schemeClr val="lt1"/>
+          </a:fontRef>
+        </p:style>
+        <p:txBody>
+          <a:bodyPr rtlCol="0" anchor="ctr"/>
+          <a:lstStyle/>
+          <a:p>
+            <a:pPr algn="ctr"/>
+            <a:endParaRPr lang="en-GB"/>
+          </a:p>
+        </p:txBody>
+      </p:sp>
+      <p:sp>
+        <p:nvSpPr>
+          <p:cNvPr id="16" name="TextBox 15">
+            <a:extLst>
+              <a:ext uri="{FF2B5EF4-FFF2-40B4-BE49-F238E27FC236}">
+                <a16:creationId xmlns:a16="http://schemas.microsoft.com/office/drawing/2014/main" id="{DF44E65F-1A80-D99D-C750-8C24F228A285}"/>
+              </a:ext>
+            </a:extLst>
+          </p:cNvPr>
+          <p:cNvSpPr txBox="1"/>
+          <p:nvPr/>
+        </p:nvSpPr>
+        <p:spPr>
+          <a:xfrm>
+            <a:off x="1061012" y="3762531"/>
             <a:ext cx="9833967" cy="461665"/>
           </a:xfrm>
           <a:prstGeom prst="rect">
@@ -3342,12 +5268,100 @@
           <a:lstStyle/>
           <a:p>
             <a:r>
-              <a:rPr lang="en-GB" sz="2400" dirty="0" err="1"/>
-              <a:t>Yaml</a:t>
-            </a:r>
-            <a:r>
               <a:rPr lang="en-GB" sz="2400" dirty="0"/>
-              <a:t> Hierarchy</a:t>
+              <a:t>You’ll see those terms in the other slides coloured in </a:t>
+            </a:r>
+            <a:r>
+              <a:rPr lang="en-GB" sz="2400" dirty="0">
+                <a:solidFill>
+                  <a:srgbClr val="ED7D31"/>
+                </a:solidFill>
+              </a:rPr>
+              <a:t>orange</a:t>
+            </a:r>
+          </a:p>
+        </p:txBody>
+      </p:sp>
+      <p:sp>
+        <p:nvSpPr>
+          <p:cNvPr id="8" name="Oval 7"/>
+          <p:cNvSpPr/>
+          <p:nvPr/>
+        </p:nvSpPr>
+        <p:spPr>
+          <a:xfrm>
+            <a:off x="161197" y="364604"/>
+            <a:ext cx="567159" cy="567159"/>
+          </a:xfrm>
+          <a:prstGeom prst="ellipse">
+            <a:avLst/>
+          </a:prstGeom>
+          <a:solidFill>
+            <a:schemeClr val="bg1"/>
+          </a:solidFill>
+          <a:ln>
+            <a:noFill/>
+          </a:ln>
+        </p:spPr>
+        <p:style>
+          <a:lnRef idx="2">
+            <a:schemeClr val="accent1">
+              <a:shade val="50000"/>
+            </a:schemeClr>
+          </a:lnRef>
+          <a:fillRef idx="1">
+            <a:schemeClr val="accent1"/>
+          </a:fillRef>
+          <a:effectRef idx="0">
+            <a:schemeClr val="accent1"/>
+          </a:effectRef>
+          <a:fontRef idx="minor">
+            <a:schemeClr val="lt1"/>
+          </a:fontRef>
+        </p:style>
+        <p:txBody>
+          <a:bodyPr rtlCol="0" anchor="ctr"/>
+          <a:lstStyle/>
+          <a:p>
+            <a:pPr algn="ctr"/>
+            <a:r>
+              <a:rPr lang="tr-TR" sz="3600" b="1">
+                <a:solidFill>
+                  <a:srgbClr val="00ACE6"/>
+                </a:solidFill>
+              </a:rPr>
+              <a:t>4</a:t>
+            </a:r>
+          </a:p>
+        </p:txBody>
+      </p:sp>
+      <p:sp>
+        <p:nvSpPr>
+          <p:cNvPr id="9" name="Slide Number Placeholder 4"/>
+          <p:cNvSpPr>
+            <a:spLocks noGrp="1"/>
+          </p:cNvSpPr>
+          <p:nvPr>
+            <p:ph type="sldNum" sz="quarter" idx="12"/>
+          </p:nvPr>
+        </p:nvSpPr>
+        <p:spPr>
+          <a:xfrm>
+            <a:off x="11623040" y="6485550"/>
+            <a:ext cx="568960" cy="372450"/>
+          </a:xfrm>
+          <a:solidFill>
+            <a:schemeClr val="bg2"/>
+          </a:solidFill>
+        </p:spPr>
+        <p:txBody>
+          <a:bodyPr/>
+          <a:lstStyle/>
+          <a:p>
+            <a:pPr algn="ctr"/>
+            <a:r>
+              <a:rPr lang="tr-TR" sz="1000" dirty="0"/>
+              <a:t>02 / 12</a:t>
             </a:r>
           </a:p>
         </p:txBody>
@@ -3355,7 +5369,7 @@
     </p:spTree>
     <p:extLst>
       <p:ext uri="{BB962C8B-B14F-4D97-AF65-F5344CB8AC3E}">
-        <p14:creationId xmlns:p14="http://schemas.microsoft.com/office/powerpoint/2010/main" val="237507760"/>
+        <p14:creationId xmlns:p14="http://schemas.microsoft.com/office/powerpoint/2010/main" val="3590272520"/>
       </p:ext>
     </p:extLst>
   </p:cSld>
@@ -3384,7 +5398,1254 @@
       </p:grpSpPr>
       <p:sp>
         <p:nvSpPr>
-          <p:cNvPr id="2" name="Rectangle 1"/>
+          <p:cNvPr id="14" name="Slide Number Placeholder 4"/>
+          <p:cNvSpPr>
+            <a:spLocks noGrp="1"/>
+          </p:cNvSpPr>
+          <p:nvPr>
+            <p:ph type="sldNum" sz="quarter" idx="12"/>
+          </p:nvPr>
+        </p:nvSpPr>
+        <p:spPr>
+          <a:xfrm>
+            <a:off x="11623040" y="6485550"/>
+            <a:ext cx="568960" cy="372450"/>
+          </a:xfrm>
+          <a:solidFill>
+            <a:schemeClr val="bg2"/>
+          </a:solidFill>
+        </p:spPr>
+        <p:txBody>
+          <a:bodyPr/>
+          <a:lstStyle/>
+          <a:p>
+            <a:pPr algn="ctr"/>
+            <a:r>
+              <a:rPr lang="tr-TR" sz="1000" dirty="0"/>
+              <a:t>03 /12</a:t>
+            </a:r>
+          </a:p>
+        </p:txBody>
+      </p:sp>
+      <p:grpSp>
+        <p:nvGrpSpPr>
+          <p:cNvPr id="1025" name="Group 1024"/>
+          <p:cNvGrpSpPr/>
+          <p:nvPr/>
+        </p:nvGrpSpPr>
+        <p:grpSpPr>
+          <a:xfrm>
+            <a:off x="374243" y="2003899"/>
+            <a:ext cx="6965004" cy="4685933"/>
+            <a:chOff x="276966" y="1305320"/>
+            <a:chExt cx="6965004" cy="4685933"/>
+          </a:xfrm>
+        </p:grpSpPr>
+        <p:sp>
+          <p:nvSpPr>
+            <p:cNvPr id="2" name="Rectangle 1"/>
+            <p:cNvSpPr/>
+            <p:nvPr/>
+          </p:nvSpPr>
+          <p:spPr>
+            <a:xfrm>
+              <a:off x="276966" y="1305320"/>
+              <a:ext cx="6965004" cy="4685933"/>
+            </a:xfrm>
+            <a:prstGeom prst="rect">
+              <a:avLst/>
+            </a:prstGeom>
+            <a:noFill/>
+            <a:ln>
+              <a:solidFill>
+                <a:srgbClr val="939393"/>
+              </a:solidFill>
+            </a:ln>
+          </p:spPr>
+          <p:style>
+            <a:lnRef idx="2">
+              <a:schemeClr val="accent1">
+                <a:shade val="50000"/>
+              </a:schemeClr>
+            </a:lnRef>
+            <a:fillRef idx="1">
+              <a:schemeClr val="accent1"/>
+            </a:fillRef>
+            <a:effectRef idx="0">
+              <a:schemeClr val="accent1"/>
+            </a:effectRef>
+            <a:fontRef idx="minor">
+              <a:schemeClr val="lt1"/>
+            </a:fontRef>
+          </p:style>
+          <p:txBody>
+            <a:bodyPr rtlCol="0" anchor="ctr"/>
+            <a:lstStyle/>
+            <a:p>
+              <a:pPr algn="ctr"/>
+              <a:endParaRPr lang="tr-TR"/>
+            </a:p>
+          </p:txBody>
+        </p:sp>
+        <p:grpSp>
+          <p:nvGrpSpPr>
+            <p:cNvPr id="3" name="Group 2"/>
+            <p:cNvGrpSpPr/>
+            <p:nvPr/>
+          </p:nvGrpSpPr>
+          <p:grpSpPr>
+            <a:xfrm>
+              <a:off x="459730" y="1580909"/>
+              <a:ext cx="6584401" cy="4075378"/>
+              <a:chOff x="537551" y="1999198"/>
+              <a:chExt cx="6584401" cy="4075378"/>
+            </a:xfrm>
+          </p:grpSpPr>
+          <p:sp>
+            <p:nvSpPr>
+              <p:cNvPr id="4" name="Flowchart: Document 3"/>
+              <p:cNvSpPr/>
+              <p:nvPr/>
+            </p:nvSpPr>
+            <p:spPr>
+              <a:xfrm>
+                <a:off x="613194" y="2663848"/>
+                <a:ext cx="1212630" cy="477094"/>
+              </a:xfrm>
+              <a:prstGeom prst="flowChartDocument">
+                <a:avLst/>
+              </a:prstGeom>
+              <a:solidFill>
+                <a:schemeClr val="bg1">
+                  <a:alpha val="64000"/>
+                </a:schemeClr>
+              </a:solidFill>
+              <a:ln w="3175">
+                <a:solidFill>
+                  <a:schemeClr val="tx1"/>
+                </a:solidFill>
+              </a:ln>
+            </p:spPr>
+            <p:style>
+              <a:lnRef idx="2">
+                <a:schemeClr val="accent1">
+                  <a:shade val="50000"/>
+                </a:schemeClr>
+              </a:lnRef>
+              <a:fillRef idx="1">
+                <a:schemeClr val="accent1"/>
+              </a:fillRef>
+              <a:effectRef idx="0">
+                <a:schemeClr val="accent1"/>
+              </a:effectRef>
+              <a:fontRef idx="minor">
+                <a:schemeClr val="lt1"/>
+              </a:fontRef>
+            </p:style>
+            <p:txBody>
+              <a:bodyPr rot="0" spcFirstLastPara="0" vertOverflow="overflow" horzOverflow="overflow" vert="horz" wrap="square" lIns="91440" tIns="45720" rIns="91440" bIns="45720" numCol="1" spcCol="0" rtlCol="0" fromWordArt="0" anchor="ctr" anchorCtr="0" forceAA="0" compatLnSpc="1">
+                <a:prstTxWarp prst="textNoShape">
+                  <a:avLst/>
+                </a:prstTxWarp>
+                <a:noAutofit/>
+              </a:bodyPr>
+              <a:lstStyle/>
+              <a:p>
+                <a:pPr algn="ctr"/>
+                <a:r>
+                  <a:rPr lang="tr-TR" sz="1000">
+                    <a:solidFill>
+                      <a:schemeClr val="tx1"/>
+                    </a:solidFill>
+                    <a:latin typeface="Consolas" panose="020B0609020204030204" pitchFamily="49" charset="0"/>
+                  </a:rPr>
+                  <a:t>machine.yaml</a:t>
+                </a:r>
+              </a:p>
+            </p:txBody>
+          </p:sp>
+          <p:sp>
+            <p:nvSpPr>
+              <p:cNvPr id="5" name="TextBox 4"/>
+              <p:cNvSpPr txBox="1"/>
+              <p:nvPr/>
+            </p:nvSpPr>
+            <p:spPr>
+              <a:xfrm>
+                <a:off x="2118609" y="1999198"/>
+                <a:ext cx="809389" cy="461665"/>
+              </a:xfrm>
+              <a:prstGeom prst="rect">
+                <a:avLst/>
+              </a:prstGeom>
+              <a:noFill/>
+            </p:spPr>
+            <p:txBody>
+              <a:bodyPr wrap="none" rtlCol="0">
+                <a:spAutoFit/>
+              </a:bodyPr>
+              <a:lstStyle/>
+              <a:p>
+                <a:r>
+                  <a:rPr lang="tr-TR" sz="1200" b="1">
+                    <a:solidFill>
+                      <a:srgbClr val="00B0F0"/>
+                    </a:solidFill>
+                  </a:rPr>
+                  <a:t>Order of </a:t>
+                </a:r>
+              </a:p>
+              <a:p>
+                <a:r>
+                  <a:rPr lang="tr-TR" sz="1200" b="1">
+                    <a:solidFill>
+                      <a:srgbClr val="00B0F0"/>
+                    </a:solidFill>
+                  </a:rPr>
+                  <a:t>Execution</a:t>
+                </a:r>
+              </a:p>
+            </p:txBody>
+          </p:sp>
+          <p:sp>
+            <p:nvSpPr>
+              <p:cNvPr id="6" name="TextBox 5"/>
+              <p:cNvSpPr txBox="1"/>
+              <p:nvPr/>
+            </p:nvSpPr>
+            <p:spPr>
+              <a:xfrm>
+                <a:off x="6243570" y="1999198"/>
+                <a:ext cx="878382" cy="276999"/>
+              </a:xfrm>
+              <a:prstGeom prst="rect">
+                <a:avLst/>
+              </a:prstGeom>
+              <a:noFill/>
+            </p:spPr>
+            <p:txBody>
+              <a:bodyPr wrap="none" rtlCol="0">
+                <a:spAutoFit/>
+              </a:bodyPr>
+              <a:lstStyle/>
+              <a:p>
+                <a:r>
+                  <a:rPr lang="tr-TR" sz="1200" b="1">
+                    <a:solidFill>
+                      <a:srgbClr val="00B0F0"/>
+                    </a:solidFill>
+                  </a:rPr>
+                  <a:t>Defined by</a:t>
+                </a:r>
+              </a:p>
+            </p:txBody>
+          </p:sp>
+          <p:sp>
+            <p:nvSpPr>
+              <p:cNvPr id="7" name="TextBox 6"/>
+              <p:cNvSpPr txBox="1"/>
+              <p:nvPr/>
+            </p:nvSpPr>
+            <p:spPr>
+              <a:xfrm>
+                <a:off x="537551" y="1999198"/>
+                <a:ext cx="822661" cy="276999"/>
+              </a:xfrm>
+              <a:prstGeom prst="rect">
+                <a:avLst/>
+              </a:prstGeom>
+              <a:noFill/>
+            </p:spPr>
+            <p:txBody>
+              <a:bodyPr wrap="none" rtlCol="0">
+                <a:spAutoFit/>
+              </a:bodyPr>
+              <a:lstStyle/>
+              <a:p>
+                <a:r>
+                  <a:rPr lang="tr-TR" sz="1200" b="1">
+                    <a:solidFill>
+                      <a:srgbClr val="00B0F0"/>
+                    </a:solidFill>
+                  </a:rPr>
+                  <a:t>File Name</a:t>
+                </a:r>
+              </a:p>
+            </p:txBody>
+          </p:sp>
+          <p:sp>
+            <p:nvSpPr>
+              <p:cNvPr id="8" name="Down Arrow 7"/>
+              <p:cNvSpPr/>
+              <p:nvPr/>
+            </p:nvSpPr>
+            <p:spPr>
+              <a:xfrm>
+                <a:off x="2191761" y="2846915"/>
+                <a:ext cx="289606" cy="2852845"/>
+              </a:xfrm>
+              <a:prstGeom prst="downArrow">
+                <a:avLst/>
+              </a:prstGeom>
+              <a:gradFill flip="none" rotWithShape="1">
+                <a:gsLst>
+                  <a:gs pos="40000">
+                    <a:schemeClr val="accent3">
+                      <a:lumMod val="0"/>
+                      <a:lumOff val="100000"/>
+                    </a:schemeClr>
+                  </a:gs>
+                  <a:gs pos="55000">
+                    <a:schemeClr val="accent3">
+                      <a:lumMod val="0"/>
+                      <a:lumOff val="100000"/>
+                    </a:schemeClr>
+                  </a:gs>
+                  <a:gs pos="100000">
+                    <a:srgbClr val="00B0F0"/>
+                  </a:gs>
+                </a:gsLst>
+                <a:path path="circle">
+                  <a:fillToRect l="50000" t="-80000" r="50000" b="180000"/>
+                </a:path>
+                <a:tileRect/>
+              </a:gradFill>
+              <a:ln w="3175">
+                <a:solidFill>
+                  <a:schemeClr val="tx1"/>
+                </a:solidFill>
+              </a:ln>
+            </p:spPr>
+            <p:style>
+              <a:lnRef idx="2">
+                <a:schemeClr val="accent1">
+                  <a:shade val="50000"/>
+                </a:schemeClr>
+              </a:lnRef>
+              <a:fillRef idx="1">
+                <a:schemeClr val="accent1"/>
+              </a:fillRef>
+              <a:effectRef idx="0">
+                <a:schemeClr val="accent1"/>
+              </a:effectRef>
+              <a:fontRef idx="minor">
+                <a:schemeClr val="lt1"/>
+              </a:fontRef>
+            </p:style>
+            <p:txBody>
+              <a:bodyPr rot="0" spcFirstLastPara="0" vertOverflow="overflow" horzOverflow="overflow" vert="horz" wrap="square" lIns="91440" tIns="45720" rIns="91440" bIns="45720" numCol="1" spcCol="0" rtlCol="0" fromWordArt="0" anchor="ctr" anchorCtr="0" forceAA="0" compatLnSpc="1">
+                <a:prstTxWarp prst="textNoShape">
+                  <a:avLst/>
+                </a:prstTxWarp>
+                <a:noAutofit/>
+              </a:bodyPr>
+              <a:lstStyle/>
+              <a:p>
+                <a:pPr algn="ctr"/>
+                <a:endParaRPr lang="tr-TR" sz="1200"/>
+              </a:p>
+            </p:txBody>
+          </p:sp>
+          <p:sp>
+            <p:nvSpPr>
+              <p:cNvPr id="9" name="Flowchart: Document 8"/>
+              <p:cNvSpPr/>
+              <p:nvPr/>
+            </p:nvSpPr>
+            <p:spPr>
+              <a:xfrm>
+                <a:off x="613194" y="3641726"/>
+                <a:ext cx="1191536" cy="477094"/>
+              </a:xfrm>
+              <a:prstGeom prst="flowChartDocument">
+                <a:avLst/>
+              </a:prstGeom>
+              <a:solidFill>
+                <a:srgbClr val="F9FDFF"/>
+              </a:solidFill>
+              <a:ln w="3175">
+                <a:solidFill>
+                  <a:schemeClr val="tx1"/>
+                </a:solidFill>
+              </a:ln>
+            </p:spPr>
+            <p:style>
+              <a:lnRef idx="2">
+                <a:schemeClr val="accent1">
+                  <a:shade val="50000"/>
+                </a:schemeClr>
+              </a:lnRef>
+              <a:fillRef idx="1">
+                <a:schemeClr val="accent1"/>
+              </a:fillRef>
+              <a:effectRef idx="0">
+                <a:schemeClr val="accent1"/>
+              </a:effectRef>
+              <a:fontRef idx="minor">
+                <a:schemeClr val="lt1"/>
+              </a:fontRef>
+            </p:style>
+            <p:txBody>
+              <a:bodyPr rot="0" spcFirstLastPara="0" vertOverflow="overflow" horzOverflow="overflow" vert="horz" wrap="square" lIns="91440" tIns="45720" rIns="91440" bIns="45720" numCol="1" spcCol="0" rtlCol="0" fromWordArt="0" anchor="ctr" anchorCtr="0" forceAA="0" compatLnSpc="1">
+                <a:prstTxWarp prst="textNoShape">
+                  <a:avLst/>
+                </a:prstTxWarp>
+                <a:noAutofit/>
+              </a:bodyPr>
+              <a:lstStyle/>
+              <a:p>
+                <a:pPr algn="ctr"/>
+                <a:r>
+                  <a:rPr lang="tr-TR" sz="1000">
+                    <a:solidFill>
+                      <a:schemeClr val="tx1"/>
+                    </a:solidFill>
+                    <a:latin typeface="Consolas" panose="020B0609020204030204" pitchFamily="49" charset="0"/>
+                  </a:rPr>
+                  <a:t>setup.yaml</a:t>
+                </a:r>
+              </a:p>
+            </p:txBody>
+          </p:sp>
+          <p:sp>
+            <p:nvSpPr>
+              <p:cNvPr id="10" name="Flowchart: Document 9"/>
+              <p:cNvSpPr/>
+              <p:nvPr/>
+            </p:nvSpPr>
+            <p:spPr>
+              <a:xfrm>
+                <a:off x="613194" y="4619604"/>
+                <a:ext cx="1191536" cy="477094"/>
+              </a:xfrm>
+              <a:prstGeom prst="flowChartDocument">
+                <a:avLst/>
+              </a:prstGeom>
+              <a:solidFill>
+                <a:srgbClr val="BDEBFB"/>
+              </a:solidFill>
+              <a:ln w="3175">
+                <a:solidFill>
+                  <a:schemeClr val="tx1"/>
+                </a:solidFill>
+              </a:ln>
+            </p:spPr>
+            <p:style>
+              <a:lnRef idx="2">
+                <a:schemeClr val="accent1">
+                  <a:shade val="50000"/>
+                </a:schemeClr>
+              </a:lnRef>
+              <a:fillRef idx="1">
+                <a:schemeClr val="accent1"/>
+              </a:fillRef>
+              <a:effectRef idx="0">
+                <a:schemeClr val="accent1"/>
+              </a:effectRef>
+              <a:fontRef idx="minor">
+                <a:schemeClr val="lt1"/>
+              </a:fontRef>
+            </p:style>
+            <p:txBody>
+              <a:bodyPr rot="0" spcFirstLastPara="0" vertOverflow="overflow" horzOverflow="overflow" vert="horz" wrap="square" lIns="91440" tIns="45720" rIns="91440" bIns="45720" numCol="1" spcCol="0" rtlCol="0" fromWordArt="0" anchor="ctr" anchorCtr="0" forceAA="0" compatLnSpc="1">
+                <a:prstTxWarp prst="textNoShape">
+                  <a:avLst/>
+                </a:prstTxWarp>
+                <a:noAutofit/>
+              </a:bodyPr>
+              <a:lstStyle/>
+              <a:p>
+                <a:pPr algn="ctr"/>
+                <a:r>
+                  <a:rPr lang="tr-TR" sz="1000">
+                    <a:solidFill>
+                      <a:schemeClr val="tx1"/>
+                    </a:solidFill>
+                    <a:latin typeface="Consolas" panose="020B0609020204030204" pitchFamily="49" charset="0"/>
+                  </a:rPr>
+                  <a:t>model.yaml</a:t>
+                </a:r>
+                <a:endParaRPr lang="tr-TR" sz="1050">
+                  <a:solidFill>
+                    <a:schemeClr val="tx1"/>
+                  </a:solidFill>
+                  <a:latin typeface="Consolas" panose="020B0609020204030204" pitchFamily="49" charset="0"/>
+                </a:endParaRPr>
+              </a:p>
+            </p:txBody>
+          </p:sp>
+          <p:sp>
+            <p:nvSpPr>
+              <p:cNvPr id="11" name="Flowchart: Document 10"/>
+              <p:cNvSpPr/>
+              <p:nvPr/>
+            </p:nvSpPr>
+            <p:spPr>
+              <a:xfrm>
+                <a:off x="613194" y="5597482"/>
+                <a:ext cx="1191536" cy="477094"/>
+              </a:xfrm>
+              <a:prstGeom prst="flowChartDocument">
+                <a:avLst/>
+              </a:prstGeom>
+              <a:solidFill>
+                <a:srgbClr val="00B0F0">
+                  <a:alpha val="64000"/>
+                </a:srgbClr>
+              </a:solidFill>
+              <a:ln w="3175">
+                <a:solidFill>
+                  <a:schemeClr val="tx1"/>
+                </a:solidFill>
+              </a:ln>
+            </p:spPr>
+            <p:style>
+              <a:lnRef idx="2">
+                <a:schemeClr val="accent1">
+                  <a:shade val="50000"/>
+                </a:schemeClr>
+              </a:lnRef>
+              <a:fillRef idx="1">
+                <a:schemeClr val="accent1"/>
+              </a:fillRef>
+              <a:effectRef idx="0">
+                <a:schemeClr val="accent1"/>
+              </a:effectRef>
+              <a:fontRef idx="minor">
+                <a:schemeClr val="lt1"/>
+              </a:fontRef>
+            </p:style>
+            <p:txBody>
+              <a:bodyPr rot="0" spcFirstLastPara="0" vertOverflow="overflow" horzOverflow="overflow" vert="horz" wrap="square" lIns="91440" tIns="45720" rIns="91440" bIns="45720" numCol="1" spcCol="0" rtlCol="0" fromWordArt="0" anchor="ctr" anchorCtr="0" forceAA="0" compatLnSpc="1">
+                <a:prstTxWarp prst="textNoShape">
+                  <a:avLst/>
+                </a:prstTxWarp>
+                <a:noAutofit/>
+              </a:bodyPr>
+              <a:lstStyle/>
+              <a:p>
+                <a:pPr algn="ctr"/>
+                <a:r>
+                  <a:rPr lang="tr-TR" sz="900">
+                    <a:solidFill>
+                      <a:schemeClr val="tx1"/>
+                    </a:solidFill>
+                    <a:latin typeface="Consolas" panose="020B0609020204030204" pitchFamily="49" charset="0"/>
+                  </a:rPr>
+                  <a:t>runscript.yaml</a:t>
+                </a:r>
+              </a:p>
+            </p:txBody>
+          </p:sp>
+          <p:sp>
+            <p:nvSpPr>
+              <p:cNvPr id="12" name="TextBox 11"/>
+              <p:cNvSpPr txBox="1"/>
+              <p:nvPr/>
+            </p:nvSpPr>
+            <p:spPr>
+              <a:xfrm>
+                <a:off x="6277195" y="5528289"/>
+                <a:ext cx="437940" cy="253916"/>
+              </a:xfrm>
+              <a:prstGeom prst="rect">
+                <a:avLst/>
+              </a:prstGeom>
+              <a:noFill/>
+            </p:spPr>
+            <p:txBody>
+              <a:bodyPr wrap="none" rtlCol="0">
+                <a:spAutoFit/>
+              </a:bodyPr>
+              <a:lstStyle/>
+              <a:p>
+                <a:r>
+                  <a:rPr lang="tr-TR" sz="1050"/>
+                  <a:t>User</a:t>
+                </a:r>
+              </a:p>
+            </p:txBody>
+          </p:sp>
+          <p:sp>
+            <p:nvSpPr>
+              <p:cNvPr id="13" name="TextBox 12"/>
+              <p:cNvSpPr txBox="1"/>
+              <p:nvPr/>
+            </p:nvSpPr>
+            <p:spPr>
+              <a:xfrm>
+                <a:off x="6277195" y="2654063"/>
+                <a:ext cx="784189" cy="261610"/>
+              </a:xfrm>
+              <a:prstGeom prst="rect">
+                <a:avLst/>
+              </a:prstGeom>
+              <a:noFill/>
+            </p:spPr>
+            <p:txBody>
+              <a:bodyPr wrap="none" rtlCol="0">
+                <a:spAutoFit/>
+              </a:bodyPr>
+              <a:lstStyle/>
+              <a:p>
+                <a:r>
+                  <a:rPr lang="tr-TR" sz="1050"/>
+                  <a:t>ESM-Tools</a:t>
+                </a:r>
+              </a:p>
+            </p:txBody>
+          </p:sp>
+          <p:cxnSp>
+            <p:nvCxnSpPr>
+              <p:cNvPr id="15" name="Straight Arrow Connector 14"/>
+              <p:cNvCxnSpPr>
+                <a:stCxn id="4" idx="2"/>
+                <a:endCxn id="9" idx="0"/>
+              </p:cNvCxnSpPr>
+              <p:nvPr/>
+            </p:nvCxnSpPr>
+            <p:spPr>
+              <a:xfrm flipH="1">
+                <a:off x="1208962" y="3109401"/>
+                <a:ext cx="10547" cy="532325"/>
+              </a:xfrm>
+              <a:prstGeom prst="straightConnector1">
+                <a:avLst/>
+              </a:prstGeom>
+              <a:ln w="15875">
+                <a:solidFill>
+                  <a:schemeClr val="tx1"/>
+                </a:solidFill>
+                <a:tailEnd type="triangle" w="lg" len="lg"/>
+              </a:ln>
+            </p:spPr>
+            <p:style>
+              <a:lnRef idx="1">
+                <a:schemeClr val="accent1"/>
+              </a:lnRef>
+              <a:fillRef idx="0">
+                <a:schemeClr val="accent1"/>
+              </a:fillRef>
+              <a:effectRef idx="0">
+                <a:schemeClr val="accent1"/>
+              </a:effectRef>
+              <a:fontRef idx="minor">
+                <a:schemeClr val="tx1"/>
+              </a:fontRef>
+            </p:style>
+          </p:cxnSp>
+          <p:cxnSp>
+            <p:nvCxnSpPr>
+              <p:cNvPr id="16" name="Straight Arrow Connector 15"/>
+              <p:cNvCxnSpPr>
+                <a:stCxn id="9" idx="2"/>
+                <a:endCxn id="10" idx="0"/>
+              </p:cNvCxnSpPr>
+              <p:nvPr/>
+            </p:nvCxnSpPr>
+            <p:spPr>
+              <a:xfrm>
+                <a:off x="1208962" y="4087279"/>
+                <a:ext cx="0" cy="532325"/>
+              </a:xfrm>
+              <a:prstGeom prst="straightConnector1">
+                <a:avLst/>
+              </a:prstGeom>
+              <a:ln w="15875">
+                <a:solidFill>
+                  <a:schemeClr val="tx1"/>
+                </a:solidFill>
+                <a:tailEnd type="triangle" w="lg" len="lg"/>
+              </a:ln>
+            </p:spPr>
+            <p:style>
+              <a:lnRef idx="1">
+                <a:schemeClr val="accent1"/>
+              </a:lnRef>
+              <a:fillRef idx="0">
+                <a:schemeClr val="accent1"/>
+              </a:fillRef>
+              <a:effectRef idx="0">
+                <a:schemeClr val="accent1"/>
+              </a:effectRef>
+              <a:fontRef idx="minor">
+                <a:schemeClr val="tx1"/>
+              </a:fontRef>
+            </p:style>
+          </p:cxnSp>
+          <p:cxnSp>
+            <p:nvCxnSpPr>
+              <p:cNvPr id="17" name="Straight Arrow Connector 16"/>
+              <p:cNvCxnSpPr>
+                <a:stCxn id="10" idx="2"/>
+                <a:endCxn id="11" idx="0"/>
+              </p:cNvCxnSpPr>
+              <p:nvPr/>
+            </p:nvCxnSpPr>
+            <p:spPr>
+              <a:xfrm>
+                <a:off x="1208962" y="5065157"/>
+                <a:ext cx="0" cy="532325"/>
+              </a:xfrm>
+              <a:prstGeom prst="straightConnector1">
+                <a:avLst/>
+              </a:prstGeom>
+              <a:ln w="15875">
+                <a:solidFill>
+                  <a:schemeClr val="tx1"/>
+                </a:solidFill>
+                <a:tailEnd type="triangle" w="lg" len="lg"/>
+              </a:ln>
+            </p:spPr>
+            <p:style>
+              <a:lnRef idx="1">
+                <a:schemeClr val="accent1"/>
+              </a:lnRef>
+              <a:fillRef idx="0">
+                <a:schemeClr val="accent1"/>
+              </a:fillRef>
+              <a:effectRef idx="0">
+                <a:schemeClr val="accent1"/>
+              </a:effectRef>
+              <a:fontRef idx="minor">
+                <a:schemeClr val="tx1"/>
+              </a:fontRef>
+            </p:style>
+          </p:cxnSp>
+          <p:sp>
+            <p:nvSpPr>
+              <p:cNvPr id="18" name="TextBox 17"/>
+              <p:cNvSpPr txBox="1"/>
+              <p:nvPr/>
+            </p:nvSpPr>
+            <p:spPr>
+              <a:xfrm>
+                <a:off x="4106720" y="1999198"/>
+                <a:ext cx="728982" cy="276999"/>
+              </a:xfrm>
+              <a:prstGeom prst="rect">
+                <a:avLst/>
+              </a:prstGeom>
+              <a:noFill/>
+            </p:spPr>
+            <p:txBody>
+              <a:bodyPr wrap="none" rtlCol="0">
+                <a:spAutoFit/>
+              </a:bodyPr>
+              <a:lstStyle/>
+              <a:p>
+                <a:r>
+                  <a:rPr lang="tr-TR" sz="1200" b="1">
+                    <a:solidFill>
+                      <a:srgbClr val="00B0F0"/>
+                    </a:solidFill>
+                  </a:rPr>
+                  <a:t>Location</a:t>
+                </a:r>
+              </a:p>
+            </p:txBody>
+          </p:sp>
+          <p:sp>
+            <p:nvSpPr>
+              <p:cNvPr id="19" name="TextBox 18"/>
+              <p:cNvSpPr txBox="1"/>
+              <p:nvPr/>
+            </p:nvSpPr>
+            <p:spPr>
+              <a:xfrm>
+                <a:off x="3019463" y="1999198"/>
+                <a:ext cx="921919" cy="276999"/>
+              </a:xfrm>
+              <a:prstGeom prst="rect">
+                <a:avLst/>
+              </a:prstGeom>
+              <a:noFill/>
+            </p:spPr>
+            <p:txBody>
+              <a:bodyPr wrap="none" rtlCol="0">
+                <a:spAutoFit/>
+              </a:bodyPr>
+              <a:lstStyle/>
+              <a:p>
+                <a:r>
+                  <a:rPr lang="tr-TR" sz="1200" b="1">
+                    <a:solidFill>
+                      <a:srgbClr val="00B0F0"/>
+                    </a:solidFill>
+                  </a:rPr>
+                  <a:t>Precedence</a:t>
+                </a:r>
+              </a:p>
+            </p:txBody>
+          </p:sp>
+          <p:sp>
+            <p:nvSpPr>
+              <p:cNvPr id="20" name="TextBox 19"/>
+              <p:cNvSpPr txBox="1"/>
+              <p:nvPr/>
+            </p:nvSpPr>
+            <p:spPr>
+              <a:xfrm>
+                <a:off x="2158709" y="2565510"/>
+                <a:ext cx="431528" cy="261610"/>
+              </a:xfrm>
+              <a:prstGeom prst="rect">
+                <a:avLst/>
+              </a:prstGeom>
+              <a:noFill/>
+            </p:spPr>
+            <p:txBody>
+              <a:bodyPr wrap="none" rtlCol="0">
+                <a:spAutoFit/>
+              </a:bodyPr>
+              <a:lstStyle/>
+              <a:p>
+                <a:r>
+                  <a:rPr lang="tr-TR" sz="1050"/>
+                  <a:t>First</a:t>
+                </a:r>
+              </a:p>
+            </p:txBody>
+          </p:sp>
+          <p:sp>
+            <p:nvSpPr>
+              <p:cNvPr id="21" name="TextBox 20"/>
+              <p:cNvSpPr txBox="1"/>
+              <p:nvPr/>
+            </p:nvSpPr>
+            <p:spPr>
+              <a:xfrm>
+                <a:off x="2130418" y="5812966"/>
+                <a:ext cx="412292" cy="261610"/>
+              </a:xfrm>
+              <a:prstGeom prst="rect">
+                <a:avLst/>
+              </a:prstGeom>
+              <a:noFill/>
+            </p:spPr>
+            <p:txBody>
+              <a:bodyPr wrap="none" rtlCol="0">
+                <a:spAutoFit/>
+              </a:bodyPr>
+              <a:lstStyle/>
+              <a:p>
+                <a:r>
+                  <a:rPr lang="tr-TR" sz="1050"/>
+                  <a:t>Last</a:t>
+                </a:r>
+              </a:p>
+            </p:txBody>
+          </p:sp>
+          <p:sp>
+            <p:nvSpPr>
+              <p:cNvPr id="22" name="TextBox 21"/>
+              <p:cNvSpPr txBox="1"/>
+              <p:nvPr/>
+            </p:nvSpPr>
+            <p:spPr>
+              <a:xfrm>
+                <a:off x="3185309" y="2565510"/>
+                <a:ext cx="590226" cy="261610"/>
+              </a:xfrm>
+              <a:prstGeom prst="rect">
+                <a:avLst/>
+              </a:prstGeom>
+              <a:noFill/>
+            </p:spPr>
+            <p:txBody>
+              <a:bodyPr wrap="none" rtlCol="0">
+                <a:spAutoFit/>
+              </a:bodyPr>
+              <a:lstStyle/>
+              <a:p>
+                <a:r>
+                  <a:rPr lang="tr-TR" sz="1050"/>
+                  <a:t>Lowest</a:t>
+                </a:r>
+              </a:p>
+            </p:txBody>
+          </p:sp>
+          <p:sp>
+            <p:nvSpPr>
+              <p:cNvPr id="23" name="TextBox 22"/>
+              <p:cNvSpPr txBox="1"/>
+              <p:nvPr/>
+            </p:nvSpPr>
+            <p:spPr>
+              <a:xfrm>
+                <a:off x="3172485" y="5812966"/>
+                <a:ext cx="615874" cy="261610"/>
+              </a:xfrm>
+              <a:prstGeom prst="rect">
+                <a:avLst/>
+              </a:prstGeom>
+              <a:noFill/>
+            </p:spPr>
+            <p:txBody>
+              <a:bodyPr wrap="none" rtlCol="0">
+                <a:spAutoFit/>
+              </a:bodyPr>
+              <a:lstStyle/>
+              <a:p>
+                <a:r>
+                  <a:rPr lang="tr-TR" sz="1050"/>
+                  <a:t>Highest</a:t>
+                </a:r>
+              </a:p>
+            </p:txBody>
+          </p:sp>
+          <p:sp>
+            <p:nvSpPr>
+              <p:cNvPr id="24" name="TextBox 23"/>
+              <p:cNvSpPr txBox="1"/>
+              <p:nvPr/>
+            </p:nvSpPr>
+            <p:spPr>
+              <a:xfrm>
+                <a:off x="4106720" y="2654064"/>
+                <a:ext cx="2018501" cy="246221"/>
+              </a:xfrm>
+              <a:prstGeom prst="rect">
+                <a:avLst/>
+              </a:prstGeom>
+              <a:noFill/>
+            </p:spPr>
+            <p:txBody>
+              <a:bodyPr wrap="none" rtlCol="0">
+                <a:spAutoFit/>
+              </a:bodyPr>
+              <a:lstStyle/>
+              <a:p>
+                <a:r>
+                  <a:rPr lang="tr-TR" sz="1000">
+                    <a:latin typeface="Consolas" panose="020B0609020204030204" pitchFamily="49" charset="0"/>
+                  </a:rPr>
+                  <a:t>esm_tools/configs/machines</a:t>
+                </a:r>
+              </a:p>
+            </p:txBody>
+          </p:sp>
+          <p:sp>
+            <p:nvSpPr>
+              <p:cNvPr id="25" name="TextBox 24"/>
+              <p:cNvSpPr txBox="1"/>
+              <p:nvPr/>
+            </p:nvSpPr>
+            <p:spPr>
+              <a:xfrm>
+                <a:off x="4106720" y="3574133"/>
+                <a:ext cx="2092239" cy="492443"/>
+              </a:xfrm>
+              <a:prstGeom prst="rect">
+                <a:avLst/>
+              </a:prstGeom>
+              <a:noFill/>
+            </p:spPr>
+            <p:txBody>
+              <a:bodyPr wrap="none" rtlCol="0">
+                <a:spAutoFit/>
+              </a:bodyPr>
+              <a:lstStyle/>
+              <a:p>
+                <a:r>
+                  <a:rPr lang="tr-TR" sz="1000">
+                    <a:latin typeface="Consolas" panose="020B0609020204030204" pitchFamily="49" charset="0"/>
+                  </a:rPr>
+                  <a:t>esm_tools/configs/setups</a:t>
+                </a:r>
+              </a:p>
+              <a:p>
+                <a:endParaRPr lang="tr-TR" sz="800">
+                  <a:latin typeface="Consolas" panose="020B0609020204030204" pitchFamily="49" charset="0"/>
+                </a:endParaRPr>
+              </a:p>
+              <a:p>
+                <a:r>
+                  <a:rPr lang="tr-TR" sz="800">
+                    <a:latin typeface="Consolas" panose="020B0609020204030204" pitchFamily="49" charset="0"/>
+                  </a:rPr>
+                  <a:t>(Note: when using a coupled setup)</a:t>
+                </a:r>
+              </a:p>
+            </p:txBody>
+          </p:sp>
+          <p:sp>
+            <p:nvSpPr>
+              <p:cNvPr id="26" name="TextBox 25"/>
+              <p:cNvSpPr txBox="1"/>
+              <p:nvPr/>
+            </p:nvSpPr>
+            <p:spPr>
+              <a:xfrm>
+                <a:off x="4106720" y="4576425"/>
+                <a:ext cx="2159566" cy="246221"/>
+              </a:xfrm>
+              <a:prstGeom prst="rect">
+                <a:avLst/>
+              </a:prstGeom>
+              <a:noFill/>
+            </p:spPr>
+            <p:txBody>
+              <a:bodyPr wrap="none" rtlCol="0">
+                <a:spAutoFit/>
+              </a:bodyPr>
+              <a:lstStyle/>
+              <a:p>
+                <a:r>
+                  <a:rPr lang="tr-TR" sz="1000">
+                    <a:latin typeface="Consolas" panose="020B0609020204030204" pitchFamily="49" charset="0"/>
+                  </a:rPr>
+                  <a:t>esm_tools/configs/components</a:t>
+                </a:r>
+              </a:p>
+            </p:txBody>
+          </p:sp>
+          <p:sp>
+            <p:nvSpPr>
+              <p:cNvPr id="27" name="TextBox 26"/>
+              <p:cNvSpPr txBox="1"/>
+              <p:nvPr/>
+            </p:nvSpPr>
+            <p:spPr>
+              <a:xfrm>
+                <a:off x="4120075" y="5528289"/>
+                <a:ext cx="1736373" cy="246221"/>
+              </a:xfrm>
+              <a:prstGeom prst="rect">
+                <a:avLst/>
+              </a:prstGeom>
+              <a:noFill/>
+            </p:spPr>
+            <p:txBody>
+              <a:bodyPr wrap="none" rtlCol="0">
+                <a:spAutoFit/>
+              </a:bodyPr>
+              <a:lstStyle/>
+              <a:p>
+                <a:r>
+                  <a:rPr lang="tr-TR" sz="1000">
+                    <a:latin typeface="Consolas" panose="020B0609020204030204" pitchFamily="49" charset="0"/>
+                  </a:rPr>
+                  <a:t>user defined directory</a:t>
+                </a:r>
+              </a:p>
+            </p:txBody>
+          </p:sp>
+          <p:sp>
+            <p:nvSpPr>
+              <p:cNvPr id="28" name="TextBox 27"/>
+              <p:cNvSpPr txBox="1"/>
+              <p:nvPr/>
+            </p:nvSpPr>
+            <p:spPr>
+              <a:xfrm>
+                <a:off x="6277195" y="3574132"/>
+                <a:ext cx="784189" cy="261610"/>
+              </a:xfrm>
+              <a:prstGeom prst="rect">
+                <a:avLst/>
+              </a:prstGeom>
+              <a:noFill/>
+            </p:spPr>
+            <p:txBody>
+              <a:bodyPr wrap="none" rtlCol="0">
+                <a:spAutoFit/>
+              </a:bodyPr>
+              <a:lstStyle/>
+              <a:p>
+                <a:r>
+                  <a:rPr lang="tr-TR" sz="1050"/>
+                  <a:t>ESM-Tools</a:t>
+                </a:r>
+              </a:p>
+            </p:txBody>
+          </p:sp>
+          <p:sp>
+            <p:nvSpPr>
+              <p:cNvPr id="29" name="TextBox 28"/>
+              <p:cNvSpPr txBox="1"/>
+              <p:nvPr/>
+            </p:nvSpPr>
+            <p:spPr>
+              <a:xfrm>
+                <a:off x="6277195" y="4567286"/>
+                <a:ext cx="784189" cy="261610"/>
+              </a:xfrm>
+              <a:prstGeom prst="rect">
+                <a:avLst/>
+              </a:prstGeom>
+              <a:noFill/>
+            </p:spPr>
+            <p:txBody>
+              <a:bodyPr wrap="none" rtlCol="0">
+                <a:spAutoFit/>
+              </a:bodyPr>
+              <a:lstStyle/>
+              <a:p>
+                <a:r>
+                  <a:rPr lang="tr-TR" sz="1050"/>
+                  <a:t>ESM-Tools</a:t>
+                </a:r>
+              </a:p>
+            </p:txBody>
+          </p:sp>
+          <p:cxnSp>
+            <p:nvCxnSpPr>
+              <p:cNvPr id="30" name="Straight Connector 29"/>
+              <p:cNvCxnSpPr/>
+              <p:nvPr/>
+            </p:nvCxnSpPr>
+            <p:spPr>
+              <a:xfrm>
+                <a:off x="613194" y="2470871"/>
+                <a:ext cx="6448190" cy="0"/>
+              </a:xfrm>
+              <a:prstGeom prst="line">
+                <a:avLst/>
+              </a:prstGeom>
+              <a:ln w="9525"/>
+            </p:spPr>
+            <p:style>
+              <a:lnRef idx="1">
+                <a:schemeClr val="accent1"/>
+              </a:lnRef>
+              <a:fillRef idx="0">
+                <a:schemeClr val="accent1"/>
+              </a:fillRef>
+              <a:effectRef idx="0">
+                <a:schemeClr val="accent1"/>
+              </a:effectRef>
+              <a:fontRef idx="minor">
+                <a:schemeClr val="tx1"/>
+              </a:fontRef>
+            </p:style>
+          </p:cxnSp>
+          <p:sp>
+            <p:nvSpPr>
+              <p:cNvPr id="31" name="Down Arrow 30"/>
+              <p:cNvSpPr/>
+              <p:nvPr/>
+            </p:nvSpPr>
+            <p:spPr>
+              <a:xfrm>
+                <a:off x="3310691" y="2846915"/>
+                <a:ext cx="289606" cy="2852845"/>
+              </a:xfrm>
+              <a:prstGeom prst="downArrow">
+                <a:avLst/>
+              </a:prstGeom>
+              <a:gradFill flip="none" rotWithShape="1">
+                <a:gsLst>
+                  <a:gs pos="40000">
+                    <a:schemeClr val="accent3">
+                      <a:lumMod val="0"/>
+                      <a:lumOff val="100000"/>
+                    </a:schemeClr>
+                  </a:gs>
+                  <a:gs pos="55000">
+                    <a:schemeClr val="accent3">
+                      <a:lumMod val="0"/>
+                      <a:lumOff val="100000"/>
+                    </a:schemeClr>
+                  </a:gs>
+                  <a:gs pos="100000">
+                    <a:srgbClr val="00B0F0"/>
+                  </a:gs>
+                </a:gsLst>
+                <a:path path="circle">
+                  <a:fillToRect l="50000" t="-80000" r="50000" b="180000"/>
+                </a:path>
+                <a:tileRect/>
+              </a:gradFill>
+              <a:ln w="3175">
+                <a:solidFill>
+                  <a:schemeClr val="tx1"/>
+                </a:solidFill>
+              </a:ln>
+            </p:spPr>
+            <p:style>
+              <a:lnRef idx="2">
+                <a:schemeClr val="accent1">
+                  <a:shade val="50000"/>
+                </a:schemeClr>
+              </a:lnRef>
+              <a:fillRef idx="1">
+                <a:schemeClr val="accent1"/>
+              </a:fillRef>
+              <a:effectRef idx="0">
+                <a:schemeClr val="accent1"/>
+              </a:effectRef>
+              <a:fontRef idx="minor">
+                <a:schemeClr val="lt1"/>
+              </a:fontRef>
+            </p:style>
+            <p:txBody>
+              <a:bodyPr rot="0" spcFirstLastPara="0" vertOverflow="overflow" horzOverflow="overflow" vert="horz" wrap="square" lIns="91440" tIns="45720" rIns="91440" bIns="45720" numCol="1" spcCol="0" rtlCol="0" fromWordArt="0" anchor="ctr" anchorCtr="0" forceAA="0" compatLnSpc="1">
+                <a:prstTxWarp prst="textNoShape">
+                  <a:avLst/>
+                </a:prstTxWarp>
+                <a:noAutofit/>
+              </a:bodyPr>
+              <a:lstStyle/>
+              <a:p>
+                <a:pPr algn="ctr"/>
+                <a:endParaRPr lang="tr-TR" sz="1200"/>
+              </a:p>
+            </p:txBody>
+          </p:sp>
+        </p:grpSp>
+      </p:grpSp>
+      <p:pic>
+        <p:nvPicPr>
+          <p:cNvPr id="1026" name="Picture 2" descr="ESM-Tools configuration files hierarchy"/>
+          <p:cNvPicPr>
+            <a:picLocks noChangeAspect="1" noChangeArrowheads="1"/>
+          </p:cNvPicPr>
+          <p:nvPr/>
+        </p:nvPicPr>
+        <p:blipFill>
+          <a:blip r:embed="rId2">
+            <a:extLst>
+              <a:ext uri="{28A0092B-C50C-407E-A947-70E740481C1C}">
+                <a14:useLocalDpi xmlns:a14="http://schemas.microsoft.com/office/drawing/2010/main" val="0"/>
+              </a:ext>
+            </a:extLst>
+          </a:blip>
+          <a:srcRect/>
+          <a:stretch>
+            <a:fillRect/>
+          </a:stretch>
+        </p:blipFill>
+        <p:spPr bwMode="auto">
+          <a:xfrm>
+            <a:off x="7661160" y="2003899"/>
+            <a:ext cx="2762250" cy="3657600"/>
+          </a:xfrm>
+          <a:prstGeom prst="rect">
+            <a:avLst/>
+          </a:prstGeom>
+          <a:noFill/>
+          <a:ln>
+            <a:solidFill>
+              <a:schemeClr val="bg2">
+                <a:lumMod val="75000"/>
+              </a:schemeClr>
+            </a:solidFill>
+          </a:ln>
+          <a:extLst>
+            <a:ext uri="{909E8E84-426E-40DD-AFC4-6F175D3DCCD1}">
+              <a14:hiddenFill xmlns:a14="http://schemas.microsoft.com/office/drawing/2010/main">
+                <a:solidFill>
+                  <a:srgbClr val="FFFFFF"/>
+                </a:solidFill>
+              </a14:hiddenFill>
+            </a:ext>
+          </a:extLst>
+        </p:spPr>
+      </p:pic>
+      <p:sp>
+        <p:nvSpPr>
+          <p:cNvPr id="35" name="Rectangle 34"/>
           <p:cNvSpPr/>
           <p:nvPr/>
         </p:nvSpPr>
@@ -3424,12 +6685,205 @@
           <a:lstStyle/>
           <a:p>
             <a:r>
-              <a:rPr lang="en-GB" sz="4800" b="1"/>
-              <a:t>Terminology - configuration files</a:t>
+              <a:rPr lang="tr-TR" sz="4800" b="1"/>
+              <a:t>      YAML Hierarchy</a:t>
             </a:r>
           </a:p>
         </p:txBody>
       </p:sp>
+      <p:sp>
+        <p:nvSpPr>
+          <p:cNvPr id="36" name="Oval 35"/>
+          <p:cNvSpPr/>
+          <p:nvPr/>
+        </p:nvSpPr>
+        <p:spPr>
+          <a:xfrm>
+            <a:off x="161197" y="364604"/>
+            <a:ext cx="567159" cy="567159"/>
+          </a:xfrm>
+          <a:prstGeom prst="ellipse">
+            <a:avLst/>
+          </a:prstGeom>
+          <a:solidFill>
+            <a:schemeClr val="bg1"/>
+          </a:solidFill>
+          <a:ln>
+            <a:noFill/>
+          </a:ln>
+        </p:spPr>
+        <p:style>
+          <a:lnRef idx="2">
+            <a:schemeClr val="accent1">
+              <a:shade val="50000"/>
+            </a:schemeClr>
+          </a:lnRef>
+          <a:fillRef idx="1">
+            <a:schemeClr val="accent1"/>
+          </a:fillRef>
+          <a:effectRef idx="0">
+            <a:schemeClr val="accent1"/>
+          </a:effectRef>
+          <a:fontRef idx="minor">
+            <a:schemeClr val="lt1"/>
+          </a:fontRef>
+        </p:style>
+        <p:txBody>
+          <a:bodyPr rtlCol="0" anchor="ctr"/>
+          <a:lstStyle/>
+          <a:p>
+            <a:pPr algn="ctr"/>
+            <a:r>
+              <a:rPr lang="tr-TR" sz="3600" b="1">
+                <a:solidFill>
+                  <a:srgbClr val="00ACE6"/>
+                </a:solidFill>
+              </a:rPr>
+              <a:t>4</a:t>
+            </a:r>
+          </a:p>
+        </p:txBody>
+      </p:sp>
+      <p:pic>
+        <p:nvPicPr>
+          <p:cNvPr id="1027" name="Picture 1026"/>
+          <p:cNvPicPr>
+            <a:picLocks noChangeAspect="1"/>
+          </p:cNvPicPr>
+          <p:nvPr/>
+        </p:nvPicPr>
+        <p:blipFill>
+          <a:blip r:embed="rId3" cstate="print">
+            <a:extLst>
+              <a:ext uri="{28A0092B-C50C-407E-A947-70E740481C1C}">
+                <a14:useLocalDpi xmlns:a14="http://schemas.microsoft.com/office/drawing/2010/main" val="0"/>
+              </a:ext>
+            </a:extLst>
+          </a:blip>
+          <a:stretch>
+            <a:fillRect/>
+          </a:stretch>
+        </p:blipFill>
+        <p:spPr>
+          <a:xfrm>
+            <a:off x="11202313" y="259618"/>
+            <a:ext cx="548701" cy="777130"/>
+          </a:xfrm>
+          <a:prstGeom prst="rect">
+            <a:avLst/>
+          </a:prstGeom>
+        </p:spPr>
+      </p:pic>
+      <p:sp>
+        <p:nvSpPr>
+          <p:cNvPr id="40" name="TextBox 39"/>
+          <p:cNvSpPr txBox="1"/>
+          <p:nvPr/>
+        </p:nvSpPr>
+        <p:spPr>
+          <a:xfrm>
+            <a:off x="770877" y="1272355"/>
+            <a:ext cx="9713557" cy="646331"/>
+          </a:xfrm>
+          <a:prstGeom prst="rect">
+            <a:avLst/>
+          </a:prstGeom>
+          <a:noFill/>
+        </p:spPr>
+        <p:txBody>
+          <a:bodyPr wrap="none" rtlCol="0">
+            <a:spAutoFit/>
+          </a:bodyPr>
+          <a:lstStyle/>
+          <a:p>
+            <a:pPr>
+              <a:lnSpc>
+                <a:spcPct val="200000"/>
+              </a:lnSpc>
+            </a:pPr>
+            <a:r>
+              <a:rPr lang="tr-TR"/>
+              <a:t>YAML files are always inherited from more general to more specific. Last one wins (eg. user runscript).</a:t>
+            </a:r>
+          </a:p>
+        </p:txBody>
+      </p:sp>
+      <p:sp>
+        <p:nvSpPr>
+          <p:cNvPr id="41" name="Isosceles Triangle 40"/>
+          <p:cNvSpPr/>
+          <p:nvPr/>
+        </p:nvSpPr>
+        <p:spPr>
+          <a:xfrm rot="5400000">
+            <a:off x="354802" y="1516540"/>
+            <a:ext cx="325949" cy="280991"/>
+          </a:xfrm>
+          <a:prstGeom prst="triangle">
+            <a:avLst/>
+          </a:prstGeom>
+          <a:solidFill>
+            <a:srgbClr val="00ACE6"/>
+          </a:solidFill>
+          <a:ln>
+            <a:noFill/>
+          </a:ln>
+        </p:spPr>
+        <p:style>
+          <a:lnRef idx="2">
+            <a:schemeClr val="accent1">
+              <a:shade val="50000"/>
+            </a:schemeClr>
+          </a:lnRef>
+          <a:fillRef idx="1">
+            <a:schemeClr val="accent1"/>
+          </a:fillRef>
+          <a:effectRef idx="0">
+            <a:schemeClr val="accent1"/>
+          </a:effectRef>
+          <a:fontRef idx="minor">
+            <a:schemeClr val="lt1"/>
+          </a:fontRef>
+        </p:style>
+        <p:txBody>
+          <a:bodyPr rtlCol="0" anchor="ctr"/>
+          <a:lstStyle/>
+          <a:p>
+            <a:pPr algn="ctr"/>
+            <a:endParaRPr lang="tr-TR"/>
+          </a:p>
+        </p:txBody>
+      </p:sp>
+    </p:spTree>
+    <p:extLst>
+      <p:ext uri="{BB962C8B-B14F-4D97-AF65-F5344CB8AC3E}">
+        <p14:creationId xmlns:p14="http://schemas.microsoft.com/office/powerpoint/2010/main" val="3721487867"/>
+      </p:ext>
+    </p:extLst>
+  </p:cSld>
+  <p:clrMapOvr>
+    <a:masterClrMapping/>
+  </p:clrMapOvr>
+</p:sld>
+</file>
+
+<file path=ppt/slides/slide4.xml><?xml version="1.0" encoding="utf-8"?>
+<p:sld xmlns:a="http://schemas.openxmlformats.org/drawingml/2006/main" xmlns:r="http://schemas.openxmlformats.org/officeDocument/2006/relationships" xmlns:p="http://schemas.openxmlformats.org/presentationml/2006/main">
+  <p:cSld>
+    <p:spTree>
+      <p:nvGrpSpPr>
+        <p:cNvPr id="1" name=""/>
+        <p:cNvGrpSpPr/>
+        <p:nvPr/>
+      </p:nvGrpSpPr>
+      <p:grpSpPr>
+        <a:xfrm>
+          <a:off x="0" y="0"/>
+          <a:ext cx="0" cy="0"/>
+          <a:chOff x="0" y="0"/>
+          <a:chExt cx="0" cy="0"/>
+        </a:xfrm>
+      </p:grpSpPr>
       <p:sp>
         <p:nvSpPr>
           <p:cNvPr id="7" name="Isosceles Triangle 6"/>
@@ -4036,39 +7490,9 @@
           </a:fontRef>
         </p:style>
       </p:cxnSp>
-    </p:spTree>
-    <p:extLst>
-      <p:ext uri="{BB962C8B-B14F-4D97-AF65-F5344CB8AC3E}">
-        <p14:creationId xmlns:p14="http://schemas.microsoft.com/office/powerpoint/2010/main" val="278643354"/>
-      </p:ext>
-    </p:extLst>
-  </p:cSld>
-  <p:clrMapOvr>
-    <a:masterClrMapping/>
-  </p:clrMapOvr>
-</p:sld>
-</file>
-
-<file path=ppt/slides/slide4.xml><?xml version="1.0" encoding="utf-8"?>
-<p:sld xmlns:a="http://schemas.openxmlformats.org/drawingml/2006/main" xmlns:r="http://schemas.openxmlformats.org/officeDocument/2006/relationships" xmlns:p="http://schemas.openxmlformats.org/presentationml/2006/main">
-  <p:cSld>
-    <p:spTree>
-      <p:nvGrpSpPr>
-        <p:cNvPr id="1" name=""/>
-        <p:cNvGrpSpPr/>
-        <p:nvPr/>
-      </p:nvGrpSpPr>
-      <p:grpSpPr>
-        <a:xfrm>
-          <a:off x="0" y="0"/>
-          <a:ext cx="0" cy="0"/>
-          <a:chOff x="0" y="0"/>
-          <a:chExt cx="0" cy="0"/>
-        </a:xfrm>
-      </p:grpSpPr>
       <p:sp>
         <p:nvSpPr>
-          <p:cNvPr id="2" name="Rectangle 1"/>
+          <p:cNvPr id="13" name="Rectangle 12"/>
           <p:cNvSpPr/>
           <p:nvPr/>
         </p:nvSpPr>
@@ -4108,17 +7532,130 @@
           <a:lstStyle/>
           <a:p>
             <a:r>
-              <a:rPr lang="en-GB" sz="4800" b="1" dirty="0"/>
-              <a:t>Terminology – </a:t>
-            </a:r>
-            <a:r>
-              <a:rPr lang="en-GB" sz="4800" b="1" dirty="0" err="1"/>
-              <a:t>runscript</a:t>
-            </a:r>
-            <a:endParaRPr lang="en-GB" sz="4800" b="1" dirty="0"/>
+              <a:rPr lang="tr-TR" sz="4800" b="1"/>
+              <a:t>      </a:t>
+            </a:r>
+            <a:r>
+              <a:rPr lang="en-GB" sz="4800" b="1"/>
+              <a:t>Terminology – configuration files</a:t>
+            </a:r>
           </a:p>
         </p:txBody>
       </p:sp>
+      <p:sp>
+        <p:nvSpPr>
+          <p:cNvPr id="16" name="Oval 15"/>
+          <p:cNvSpPr/>
+          <p:nvPr/>
+        </p:nvSpPr>
+        <p:spPr>
+          <a:xfrm>
+            <a:off x="161197" y="364604"/>
+            <a:ext cx="567159" cy="567159"/>
+          </a:xfrm>
+          <a:prstGeom prst="ellipse">
+            <a:avLst/>
+          </a:prstGeom>
+          <a:solidFill>
+            <a:schemeClr val="bg1"/>
+          </a:solidFill>
+          <a:ln>
+            <a:noFill/>
+          </a:ln>
+        </p:spPr>
+        <p:style>
+          <a:lnRef idx="2">
+            <a:schemeClr val="accent1">
+              <a:shade val="50000"/>
+            </a:schemeClr>
+          </a:lnRef>
+          <a:fillRef idx="1">
+            <a:schemeClr val="accent1"/>
+          </a:fillRef>
+          <a:effectRef idx="0">
+            <a:schemeClr val="accent1"/>
+          </a:effectRef>
+          <a:fontRef idx="minor">
+            <a:schemeClr val="lt1"/>
+          </a:fontRef>
+        </p:style>
+        <p:txBody>
+          <a:bodyPr rtlCol="0" anchor="ctr"/>
+          <a:lstStyle/>
+          <a:p>
+            <a:pPr algn="ctr"/>
+            <a:r>
+              <a:rPr lang="tr-TR" sz="3600" b="1">
+                <a:solidFill>
+                  <a:srgbClr val="00ACE6"/>
+                </a:solidFill>
+              </a:rPr>
+              <a:t>4</a:t>
+            </a:r>
+          </a:p>
+        </p:txBody>
+      </p:sp>
+      <p:sp>
+        <p:nvSpPr>
+          <p:cNvPr id="17" name="Slide Number Placeholder 4"/>
+          <p:cNvSpPr>
+            <a:spLocks noGrp="1"/>
+          </p:cNvSpPr>
+          <p:nvPr>
+            <p:ph type="sldNum" sz="quarter" idx="12"/>
+          </p:nvPr>
+        </p:nvSpPr>
+        <p:spPr>
+          <a:xfrm>
+            <a:off x="11623040" y="6485550"/>
+            <a:ext cx="568960" cy="372450"/>
+          </a:xfrm>
+          <a:solidFill>
+            <a:schemeClr val="bg2"/>
+          </a:solidFill>
+        </p:spPr>
+        <p:txBody>
+          <a:bodyPr/>
+          <a:lstStyle/>
+          <a:p>
+            <a:pPr algn="ctr"/>
+            <a:r>
+              <a:rPr lang="tr-TR" sz="1000" dirty="0"/>
+              <a:t>04 / 12</a:t>
+            </a:r>
+          </a:p>
+        </p:txBody>
+      </p:sp>
+    </p:spTree>
+    <p:extLst>
+      <p:ext uri="{BB962C8B-B14F-4D97-AF65-F5344CB8AC3E}">
+        <p14:creationId xmlns:p14="http://schemas.microsoft.com/office/powerpoint/2010/main" val="278643354"/>
+      </p:ext>
+    </p:extLst>
+  </p:cSld>
+  <p:clrMapOvr>
+    <a:masterClrMapping/>
+  </p:clrMapOvr>
+</p:sld>
+</file>
+
+<file path=ppt/slides/slide5.xml><?xml version="1.0" encoding="utf-8"?>
+<p:sld xmlns:a="http://schemas.openxmlformats.org/drawingml/2006/main" xmlns:r="http://schemas.openxmlformats.org/officeDocument/2006/relationships" xmlns:p="http://schemas.openxmlformats.org/presentationml/2006/main">
+  <p:cSld>
+    <p:spTree>
+      <p:nvGrpSpPr>
+        <p:cNvPr id="1" name=""/>
+        <p:cNvGrpSpPr/>
+        <p:nvPr/>
+      </p:nvGrpSpPr>
+      <p:grpSpPr>
+        <a:xfrm>
+          <a:off x="0" y="0"/>
+          <a:ext cx="0" cy="0"/>
+          <a:chOff x="0" y="0"/>
+          <a:chExt cx="0" cy="0"/>
+        </a:xfrm>
+      </p:grpSpPr>
       <p:sp>
         <p:nvSpPr>
           <p:cNvPr id="7" name="Isosceles Triangle 6"/>
@@ -4434,16 +7971,19 @@
         </p:nvSpPr>
         <p:spPr>
           <a:xfrm>
-            <a:off x="7982280" y="2474713"/>
+            <a:off x="8215200" y="1558800"/>
             <a:ext cx="3476904" cy="3847207"/>
           </a:xfrm>
           <a:prstGeom prst="rect">
             <a:avLst/>
           </a:prstGeom>
+          <a:solidFill>
+            <a:schemeClr val="bg1">
+              <a:lumMod val="95000"/>
+            </a:schemeClr>
+          </a:solidFill>
           <a:ln w="12700">
-            <a:solidFill>
-              <a:schemeClr val="tx1"/>
-            </a:solidFill>
+            <a:noFill/>
           </a:ln>
         </p:spPr>
         <p:txBody>
@@ -4461,13 +8001,12 @@
               <a:t>your_fesom_runscript</a:t>
             </a:r>
             <a:r>
-              <a:rPr lang="en-GB" sz="1600" b="1" dirty="0"/>
-              <a:t>&gt;.</a:t>
-            </a:r>
-            <a:r>
-              <a:rPr lang="en-GB" sz="1600" b="1" dirty="0" err="1"/>
-              <a:t>yaml</a:t>
-            </a:r>
+              <a:rPr lang="en-GB" sz="1600" b="1"/>
+              <a:t>&gt;.yaml</a:t>
+            </a:r>
+            <a:endParaRPr lang="tr-TR" sz="1600" b="1"/>
+          </a:p>
+          <a:p>
             <a:br>
               <a:rPr lang="en-GB" sz="1200" dirty="0">
                 <a:solidFill>
@@ -4477,7 +8016,7 @@
               </a:rPr>
             </a:br>
             <a:r>
-              <a:rPr lang="en-GB" sz="1200" dirty="0">
+              <a:rPr lang="en-GB" sz="1200" b="1" dirty="0">
                 <a:solidFill>
                   <a:srgbClr val="0E6E35"/>
                 </a:solidFill>
@@ -4486,7 +8025,7 @@
               <a:t>general</a:t>
             </a:r>
             <a:r>
-              <a:rPr lang="en-GB" sz="1200" dirty="0">
+              <a:rPr lang="en-GB" sz="1200" b="1" dirty="0">
                 <a:solidFill>
                   <a:srgbClr val="000000"/>
                 </a:solidFill>
@@ -4910,13 +8449,80 @@
           </a:p>
           <a:p>
             <a:r>
+              <a:rPr lang="en-GB" sz="1200" b="1" dirty="0" err="1">
+                <a:solidFill>
+                  <a:srgbClr val="0E6E35"/>
+                </a:solidFill>
+                <a:latin typeface="Courier" pitchFamily="2" charset="0"/>
+              </a:rPr>
+              <a:t>fesom</a:t>
+            </a:r>
+            <a:r>
+              <a:rPr lang="en-GB" sz="1200" b="1" dirty="0">
+                <a:solidFill>
+                  <a:srgbClr val="000000"/>
+                </a:solidFill>
+                <a:latin typeface="Courier" pitchFamily="2" charset="0"/>
+              </a:rPr>
+              <a:t>:</a:t>
+            </a:r>
+          </a:p>
+          <a:p>
+            <a:r>
+              <a:rPr lang="en-GB" sz="1200" dirty="0">
+                <a:solidFill>
+                  <a:srgbClr val="0F7001"/>
+                </a:solidFill>
+                <a:latin typeface="Courier" pitchFamily="2" charset="0"/>
+              </a:rPr>
+              <a:t>        version</a:t>
+            </a:r>
+            <a:r>
+              <a:rPr lang="en-GB" sz="1200" b="1" dirty="0">
+                <a:solidFill>
+                  <a:srgbClr val="921A20"/>
+                </a:solidFill>
+                <a:latin typeface="Courier-Bold" pitchFamily="2" charset="0"/>
+              </a:rPr>
+              <a:t>: </a:t>
+            </a:r>
+            <a:r>
+              <a:rPr lang="en-GB" sz="1200" dirty="0">
+                <a:solidFill>
+                  <a:srgbClr val="000000"/>
+                </a:solidFill>
+                <a:latin typeface="Courier" pitchFamily="2" charset="0"/>
+              </a:rPr>
+              <a:t>2.1</a:t>
+            </a:r>
+          </a:p>
+          <a:p>
+            <a:r>
+              <a:rPr lang="en-GB" sz="1200" dirty="0">
+                <a:solidFill>
+                  <a:srgbClr val="0F7001"/>
+                </a:solidFill>
+                <a:latin typeface="Courier" pitchFamily="2" charset="0"/>
+              </a:rPr>
+              <a:t>        </a:t>
+            </a:r>
+            <a:r>
               <a:rPr lang="en-GB" sz="1200" dirty="0" err="1">
                 <a:solidFill>
-                  <a:srgbClr val="0E6E35"/>
-                </a:solidFill>
-                <a:latin typeface="Courier" pitchFamily="2" charset="0"/>
-              </a:rPr>
-              <a:t>fesom</a:t>
+                  <a:srgbClr val="0F7001"/>
+                </a:solidFill>
+                <a:latin typeface="Courier" pitchFamily="2" charset="0"/>
+              </a:rPr>
+              <a:t>model_dir</a:t>
+            </a:r>
+            <a:r>
+              <a:rPr lang="en-GB" sz="1200" b="1" dirty="0">
+                <a:solidFill>
+                  <a:srgbClr val="921A20"/>
+                </a:solidFill>
+                <a:latin typeface="Courier-Bold" pitchFamily="2" charset="0"/>
+              </a:rPr>
+              <a:t>: </a:t>
             </a:r>
             <a:r>
               <a:rPr lang="en-GB" sz="1200" dirty="0">
@@ -4925,18 +8531,45 @@
                 </a:solidFill>
                 <a:latin typeface="Courier" pitchFamily="2" charset="0"/>
               </a:rPr>
-              <a:t>:</a:t>
-            </a:r>
-          </a:p>
-          <a:p>
+              <a:t>&lt;</a:t>
+            </a:r>
+            <a:r>
+              <a:rPr lang="en-GB" sz="1200" dirty="0" err="1">
+                <a:solidFill>
+                  <a:srgbClr val="000000"/>
+                </a:solidFill>
+                <a:latin typeface="Courier" pitchFamily="2" charset="0"/>
+              </a:rPr>
+              <a:t>your_model_dir</a:t>
+            </a:r>
             <a:r>
               <a:rPr lang="en-GB" sz="1200" dirty="0">
                 <a:solidFill>
+                  <a:srgbClr val="000000"/>
+                </a:solidFill>
+                <a:latin typeface="Courier" pitchFamily="2" charset="0"/>
+              </a:rPr>
+              <a:t>&gt;</a:t>
+            </a:r>
+          </a:p>
+          <a:p>
+            <a:r>
+              <a:rPr lang="en-GB" sz="1200" dirty="0">
+                <a:solidFill>
                   <a:srgbClr val="0F7001"/>
                 </a:solidFill>
                 <a:latin typeface="Courier" pitchFamily="2" charset="0"/>
               </a:rPr>
-              <a:t>        version</a:t>
+              <a:t>        </a:t>
+            </a:r>
+            <a:r>
+              <a:rPr lang="en-GB" sz="1200" dirty="0" err="1">
+                <a:solidFill>
+                  <a:srgbClr val="0F7001"/>
+                </a:solidFill>
+                <a:latin typeface="Courier" pitchFamily="2" charset="0"/>
+              </a:rPr>
+              <a:t>lresume</a:t>
             </a:r>
             <a:r>
               <a:rPr lang="en-GB" sz="1200" b="1" dirty="0">
@@ -4954,7 +8587,7 @@
                 </a:solidFill>
                 <a:latin typeface="Courier" pitchFamily="2" charset="0"/>
               </a:rPr>
-              <a:t>2.1</a:t>
+              <a:t>0</a:t>
             </a:r>
           </a:p>
           <a:p>
@@ -4974,7 +8607,7 @@
                 </a:solidFill>
                 <a:latin typeface="Courier" pitchFamily="2" charset="0"/>
               </a:rPr>
-              <a:t>model_dir</a:t>
+              <a:t>restart_rate</a:t>
             </a:r>
             <a:r>
               <a:rPr lang="en-GB" sz="1200" b="1" dirty="0">
@@ -4992,30 +8625,12 @@
                 </a:solidFill>
                 <a:latin typeface="Courier" pitchFamily="2" charset="0"/>
               </a:rPr>
-              <a:t>&lt;</a:t>
-            </a:r>
-            <a:r>
-              <a:rPr lang="en-GB" sz="1200" dirty="0" err="1">
-                <a:solidFill>
-                  <a:srgbClr val="000000"/>
-                </a:solidFill>
-                <a:latin typeface="Courier" pitchFamily="2" charset="0"/>
-              </a:rPr>
-              <a:t>your_model_dir</a:t>
-            </a:r>
-            <a:r>
-              <a:rPr lang="en-GB" sz="1200" dirty="0">
-                <a:solidFill>
-                  <a:srgbClr val="000000"/>
-                </a:solidFill>
-                <a:latin typeface="Courier" pitchFamily="2" charset="0"/>
-              </a:rPr>
-              <a:t>&gt;</a:t>
-            </a:r>
-          </a:p>
-          <a:p>
-            <a:r>
-              <a:rPr lang="en-GB" sz="1200" dirty="0">
+              <a:t>1</a:t>
+            </a:r>
+          </a:p>
+          <a:p>
+            <a:r>
+              <a:rPr lang="tr-TR" sz="1200">
                 <a:solidFill>
                   <a:srgbClr val="0F7001"/>
                 </a:solidFill>
@@ -5024,121 +8639,7 @@
               <a:t>        </a:t>
             </a:r>
             <a:r>
-              <a:rPr lang="en-GB" sz="1200" dirty="0" err="1">
-                <a:solidFill>
-                  <a:srgbClr val="0F7001"/>
-                </a:solidFill>
-                <a:latin typeface="Courier" pitchFamily="2" charset="0"/>
-              </a:rPr>
-              <a:t>lresume</a:t>
-            </a:r>
-            <a:r>
-              <a:rPr lang="en-GB" sz="1200" b="1" dirty="0">
-                <a:solidFill>
-                  <a:srgbClr val="921A20"/>
-                </a:solidFill>
-                <a:latin typeface="Courier-Bold" pitchFamily="2" charset="0"/>
-              </a:rPr>
-              <a:t>: </a:t>
-            </a:r>
-            <a:r>
-              <a:rPr lang="en-GB" sz="1200" dirty="0">
-                <a:solidFill>
-                  <a:srgbClr val="000000"/>
-                </a:solidFill>
-                <a:latin typeface="Courier" pitchFamily="2" charset="0"/>
-              </a:rPr>
-              <a:t>0</a:t>
-            </a:r>
-          </a:p>
-          <a:p>
-            <a:r>
-              <a:rPr lang="en-GB" sz="1200" dirty="0">
-                <a:solidFill>
-                  <a:srgbClr val="0F7001"/>
-                </a:solidFill>
-                <a:latin typeface="Courier" pitchFamily="2" charset="0"/>
-              </a:rPr>
-              <a:t>        </a:t>
-            </a:r>
-            <a:r>
-              <a:rPr lang="en-GB" sz="1200" dirty="0" err="1">
-                <a:solidFill>
-                  <a:srgbClr val="0F7001"/>
-                </a:solidFill>
-                <a:latin typeface="Courier" pitchFamily="2" charset="0"/>
-              </a:rPr>
-              <a:t>restart_rate</a:t>
-            </a:r>
-            <a:r>
-              <a:rPr lang="en-GB" sz="1200" b="1" dirty="0">
-                <a:solidFill>
-                  <a:srgbClr val="921A20"/>
-                </a:solidFill>
-                <a:latin typeface="Courier-Bold" pitchFamily="2" charset="0"/>
-              </a:rPr>
-              <a:t>: </a:t>
-            </a:r>
-            <a:r>
-              <a:rPr lang="en-GB" sz="1200" dirty="0">
-                <a:solidFill>
-                  <a:srgbClr val="000000"/>
-                </a:solidFill>
-                <a:latin typeface="Courier" pitchFamily="2" charset="0"/>
-              </a:rPr>
-              <a:t>1</a:t>
-            </a:r>
-          </a:p>
-          <a:p>
-            <a:r>
-              <a:rPr lang="en-GB" sz="1200" dirty="0">
-                <a:solidFill>
-                  <a:srgbClr val="0F7001"/>
-                </a:solidFill>
-                <a:latin typeface="Courier" pitchFamily="2" charset="0"/>
-              </a:rPr>
-              <a:t>        </a:t>
-            </a:r>
-            <a:r>
-              <a:rPr lang="en-GB" sz="1200" dirty="0" err="1">
-                <a:solidFill>
-                  <a:srgbClr val="0F7001"/>
-                </a:solidFill>
-                <a:latin typeface="Courier" pitchFamily="2" charset="0"/>
-              </a:rPr>
-              <a:t>restart_first</a:t>
-            </a:r>
-            <a:r>
-              <a:rPr lang="en-GB" sz="1200" b="1" dirty="0">
-                <a:solidFill>
-                  <a:srgbClr val="921A20"/>
-                </a:solidFill>
-                <a:latin typeface="Courier-Bold" pitchFamily="2" charset="0"/>
-              </a:rPr>
-              <a:t>: </a:t>
-            </a:r>
-            <a:r>
-              <a:rPr lang="en-GB" sz="1200" dirty="0">
-                <a:solidFill>
-                  <a:srgbClr val="000000"/>
-                </a:solidFill>
-                <a:latin typeface="Courier" pitchFamily="2" charset="0"/>
-              </a:rPr>
-              <a:t>1</a:t>
-            </a:r>
-          </a:p>
-          <a:p>
-            <a:r>
-              <a:rPr lang="en-GB" sz="1200" dirty="0">
-                <a:solidFill>
-                  <a:srgbClr val="0F7001"/>
-                </a:solidFill>
-                <a:latin typeface="Courier" pitchFamily="2" charset="0"/>
-              </a:rPr>
-              <a:t>        </a:t>
-            </a:r>
-            <a:r>
-              <a:rPr lang="en-GB" sz="1200" dirty="0" err="1">
+              <a:rPr lang="en-GB" sz="1200">
                 <a:solidFill>
                   <a:srgbClr val="0F7001"/>
                 </a:solidFill>
@@ -5206,39 +8707,40 @@
           </a:p>
         </p:txBody>
       </p:sp>
-    </p:spTree>
-    <p:extLst>
-      <p:ext uri="{BB962C8B-B14F-4D97-AF65-F5344CB8AC3E}">
-        <p14:creationId xmlns:p14="http://schemas.microsoft.com/office/powerpoint/2010/main" val="639960922"/>
-      </p:ext>
-    </p:extLst>
-  </p:cSld>
-  <p:clrMapOvr>
-    <a:masterClrMapping/>
-  </p:clrMapOvr>
-</p:sld>
-</file>
-
-<file path=ppt/slides/slide5.xml><?xml version="1.0" encoding="utf-8"?>
-<p:sld xmlns:a="http://schemas.openxmlformats.org/drawingml/2006/main" xmlns:r="http://schemas.openxmlformats.org/officeDocument/2006/relationships" xmlns:p="http://schemas.openxmlformats.org/presentationml/2006/main">
-  <p:cSld>
-    <p:spTree>
-      <p:nvGrpSpPr>
-        <p:cNvPr id="1" name=""/>
-        <p:cNvGrpSpPr/>
-        <p:nvPr/>
-      </p:nvGrpSpPr>
-      <p:grpSpPr>
-        <a:xfrm>
-          <a:off x="0" y="0"/>
-          <a:ext cx="0" cy="0"/>
-          <a:chOff x="0" y="0"/>
-          <a:chExt cx="0" cy="0"/>
-        </a:xfrm>
-      </p:grpSpPr>
       <p:sp>
         <p:nvSpPr>
-          <p:cNvPr id="2" name="Rectangle 1"/>
+          <p:cNvPr id="9" name="Slide Number Placeholder 4"/>
+          <p:cNvSpPr>
+            <a:spLocks noGrp="1"/>
+          </p:cNvSpPr>
+          <p:nvPr>
+            <p:ph type="sldNum" sz="quarter" idx="12"/>
+          </p:nvPr>
+        </p:nvSpPr>
+        <p:spPr>
+          <a:xfrm>
+            <a:off x="11623040" y="6485550"/>
+            <a:ext cx="568960" cy="372450"/>
+          </a:xfrm>
+          <a:solidFill>
+            <a:schemeClr val="bg2"/>
+          </a:solidFill>
+        </p:spPr>
+        <p:txBody>
+          <a:bodyPr/>
+          <a:lstStyle/>
+          <a:p>
+            <a:pPr algn="ctr"/>
+            <a:r>
+              <a:rPr lang="tr-TR" sz="1000" dirty="0"/>
+              <a:t>05 / 12</a:t>
+            </a:r>
+          </a:p>
+        </p:txBody>
+      </p:sp>
+      <p:sp>
+        <p:nvSpPr>
+          <p:cNvPr id="13" name="Rectangle 12"/>
           <p:cNvSpPr/>
           <p:nvPr/>
         </p:nvSpPr>
@@ -5278,20 +8780,104 @@
           <a:lstStyle/>
           <a:p>
             <a:r>
-              <a:rPr lang="en-GB" sz="4800" b="1" dirty="0"/>
-              <a:t>Terminology – </a:t>
-            </a:r>
-            <a:r>
-              <a:rPr lang="en-GB" sz="4800" b="1" dirty="0" err="1"/>
-              <a:t>yaml</a:t>
-            </a:r>
-            <a:r>
-              <a:rPr lang="en-GB" sz="4800" b="1" dirty="0"/>
-              <a:t> sections</a:t>
-            </a:r>
+              <a:rPr lang="tr-TR" sz="4800" b="1"/>
+              <a:t>      </a:t>
+            </a:r>
+            <a:r>
+              <a:rPr lang="en-GB" sz="4800" b="1"/>
+              <a:t>Terminology –</a:t>
+            </a:r>
+            <a:r>
+              <a:rPr lang="tr-TR" sz="4800" b="1"/>
+              <a:t> runscripts</a:t>
+            </a:r>
+            <a:endParaRPr lang="en-GB" sz="4800" b="1"/>
           </a:p>
         </p:txBody>
       </p:sp>
+      <p:sp>
+        <p:nvSpPr>
+          <p:cNvPr id="15" name="Oval 14"/>
+          <p:cNvSpPr/>
+          <p:nvPr/>
+        </p:nvSpPr>
+        <p:spPr>
+          <a:xfrm>
+            <a:off x="161197" y="364604"/>
+            <a:ext cx="567159" cy="567159"/>
+          </a:xfrm>
+          <a:prstGeom prst="ellipse">
+            <a:avLst/>
+          </a:prstGeom>
+          <a:solidFill>
+            <a:schemeClr val="bg1"/>
+          </a:solidFill>
+          <a:ln>
+            <a:noFill/>
+          </a:ln>
+        </p:spPr>
+        <p:style>
+          <a:lnRef idx="2">
+            <a:schemeClr val="accent1">
+              <a:shade val="50000"/>
+            </a:schemeClr>
+          </a:lnRef>
+          <a:fillRef idx="1">
+            <a:schemeClr val="accent1"/>
+          </a:fillRef>
+          <a:effectRef idx="0">
+            <a:schemeClr val="accent1"/>
+          </a:effectRef>
+          <a:fontRef idx="minor">
+            <a:schemeClr val="lt1"/>
+          </a:fontRef>
+        </p:style>
+        <p:txBody>
+          <a:bodyPr rtlCol="0" anchor="ctr"/>
+          <a:lstStyle/>
+          <a:p>
+            <a:pPr algn="ctr"/>
+            <a:r>
+              <a:rPr lang="tr-TR" sz="3600" b="1">
+                <a:solidFill>
+                  <a:srgbClr val="00ACE6"/>
+                </a:solidFill>
+              </a:rPr>
+              <a:t>4</a:t>
+            </a:r>
+          </a:p>
+        </p:txBody>
+      </p:sp>
+    </p:spTree>
+    <p:extLst>
+      <p:ext uri="{BB962C8B-B14F-4D97-AF65-F5344CB8AC3E}">
+        <p14:creationId xmlns:p14="http://schemas.microsoft.com/office/powerpoint/2010/main" val="639960922"/>
+      </p:ext>
+    </p:extLst>
+  </p:cSld>
+  <p:clrMapOvr>
+    <a:masterClrMapping/>
+  </p:clrMapOvr>
+</p:sld>
+</file>
+
+<file path=ppt/slides/slide6.xml><?xml version="1.0" encoding="utf-8"?>
+<p:sld xmlns:a="http://schemas.openxmlformats.org/drawingml/2006/main" xmlns:r="http://schemas.openxmlformats.org/officeDocument/2006/relationships" xmlns:p="http://schemas.openxmlformats.org/presentationml/2006/main">
+  <p:cSld>
+    <p:spTree>
+      <p:nvGrpSpPr>
+        <p:cNvPr id="1" name=""/>
+        <p:cNvGrpSpPr/>
+        <p:nvPr/>
+      </p:nvGrpSpPr>
+      <p:grpSpPr>
+        <a:xfrm>
+          <a:off x="0" y="0"/>
+          <a:ext cx="0" cy="0"/>
+          <a:chOff x="0" y="0"/>
+          <a:chExt cx="0" cy="0"/>
+        </a:xfrm>
+      </p:grpSpPr>
       <p:sp>
         <p:nvSpPr>
           <p:cNvPr id="7" name="Isosceles Triangle 6"/>
@@ -5546,16 +9132,19 @@
         </p:nvSpPr>
         <p:spPr>
           <a:xfrm>
-            <a:off x="7982280" y="2474713"/>
-            <a:ext cx="3476904" cy="3662541"/>
+            <a:off x="8215544" y="1560315"/>
+            <a:ext cx="3476904" cy="3847207"/>
           </a:xfrm>
           <a:prstGeom prst="rect">
             <a:avLst/>
           </a:prstGeom>
+          <a:solidFill>
+            <a:schemeClr val="bg1">
+              <a:lumMod val="95000"/>
+            </a:schemeClr>
+          </a:solidFill>
           <a:ln w="12700">
-            <a:solidFill>
-              <a:schemeClr val="tx1"/>
-            </a:solidFill>
+            <a:noFill/>
           </a:ln>
         </p:spPr>
         <p:txBody>
@@ -5573,13 +9162,12 @@
               <a:t>your_fesom_runscript</a:t>
             </a:r>
             <a:r>
-              <a:rPr lang="en-GB" sz="1600" b="1" dirty="0"/>
-              <a:t>&gt;.</a:t>
-            </a:r>
-            <a:r>
-              <a:rPr lang="en-GB" sz="1600" b="1" dirty="0" err="1"/>
-              <a:t>yaml</a:t>
-            </a:r>
+              <a:rPr lang="en-GB" sz="1600" b="1"/>
+              <a:t>&gt;.yaml</a:t>
+            </a:r>
+            <a:endParaRPr lang="tr-TR" sz="1600" b="1"/>
+          </a:p>
+          <a:p>
             <a:br>
               <a:rPr lang="en-GB" sz="1200" dirty="0">
                 <a:solidFill>
@@ -6486,8 +10074,8 @@
         </p:nvSpPr>
         <p:spPr>
           <a:xfrm>
-            <a:off x="8054502" y="2752928"/>
-            <a:ext cx="758758" cy="204281"/>
+            <a:off x="8225272" y="2022656"/>
+            <a:ext cx="837448" cy="204281"/>
           </a:xfrm>
           <a:prstGeom prst="rect">
             <a:avLst/>
@@ -6538,8 +10126,8 @@
         </p:nvSpPr>
         <p:spPr>
           <a:xfrm>
-            <a:off x="7992008" y="4783288"/>
-            <a:ext cx="758758" cy="204281"/>
+            <a:off x="8225272" y="4038500"/>
+            <a:ext cx="679968" cy="204281"/>
           </a:xfrm>
           <a:prstGeom prst="rect">
             <a:avLst/>
@@ -6573,6 +10161,147 @@
           <a:p>
             <a:pPr algn="ctr"/>
             <a:endParaRPr lang="en-GB"/>
+          </a:p>
+        </p:txBody>
+      </p:sp>
+      <p:sp>
+        <p:nvSpPr>
+          <p:cNvPr id="10" name="Slide Number Placeholder 4"/>
+          <p:cNvSpPr>
+            <a:spLocks noGrp="1"/>
+          </p:cNvSpPr>
+          <p:nvPr>
+            <p:ph type="sldNum" sz="quarter" idx="12"/>
+          </p:nvPr>
+        </p:nvSpPr>
+        <p:spPr>
+          <a:xfrm>
+            <a:off x="11623040" y="6485550"/>
+            <a:ext cx="568960" cy="372450"/>
+          </a:xfrm>
+          <a:solidFill>
+            <a:schemeClr val="bg2"/>
+          </a:solidFill>
+        </p:spPr>
+        <p:txBody>
+          <a:bodyPr/>
+          <a:lstStyle/>
+          <a:p>
+            <a:pPr algn="ctr"/>
+            <a:r>
+              <a:rPr lang="tr-TR" sz="1000" dirty="0"/>
+              <a:t>06 / 12</a:t>
+            </a:r>
+          </a:p>
+        </p:txBody>
+      </p:sp>
+      <p:sp>
+        <p:nvSpPr>
+          <p:cNvPr id="13" name="Rectangle 12"/>
+          <p:cNvSpPr/>
+          <p:nvPr/>
+        </p:nvSpPr>
+        <p:spPr>
+          <a:xfrm>
+            <a:off x="0" y="2"/>
+            <a:ext cx="12192000" cy="1296364"/>
+          </a:xfrm>
+          <a:prstGeom prst="rect">
+            <a:avLst/>
+          </a:prstGeom>
+          <a:solidFill>
+            <a:srgbClr val="00ACE6"/>
+          </a:solidFill>
+          <a:ln>
+            <a:noFill/>
+          </a:ln>
+        </p:spPr>
+        <p:style>
+          <a:lnRef idx="2">
+            <a:schemeClr val="accent1">
+              <a:shade val="50000"/>
+            </a:schemeClr>
+          </a:lnRef>
+          <a:fillRef idx="1">
+            <a:schemeClr val="accent1"/>
+          </a:fillRef>
+          <a:effectRef idx="0">
+            <a:schemeClr val="accent1"/>
+          </a:effectRef>
+          <a:fontRef idx="minor">
+            <a:schemeClr val="lt1"/>
+          </a:fontRef>
+        </p:style>
+        <p:txBody>
+          <a:bodyPr rtlCol="0" anchor="ctr"/>
+          <a:lstStyle/>
+          <a:p>
+            <a:r>
+              <a:rPr lang="tr-TR" sz="4800" b="1"/>
+              <a:t>      </a:t>
+            </a:r>
+            <a:r>
+              <a:rPr lang="en-GB" sz="4800" b="1"/>
+              <a:t>Terminology –</a:t>
+            </a:r>
+            <a:r>
+              <a:rPr lang="tr-TR" sz="4800" b="1"/>
+              <a:t> YAML sections</a:t>
+            </a:r>
+            <a:endParaRPr lang="en-GB" sz="4800" b="1"/>
+          </a:p>
+        </p:txBody>
+      </p:sp>
+      <p:sp>
+        <p:nvSpPr>
+          <p:cNvPr id="15" name="Oval 14"/>
+          <p:cNvSpPr/>
+          <p:nvPr/>
+        </p:nvSpPr>
+        <p:spPr>
+          <a:xfrm>
+            <a:off x="161197" y="364604"/>
+            <a:ext cx="567159" cy="567159"/>
+          </a:xfrm>
+          <a:prstGeom prst="ellipse">
+            <a:avLst/>
+          </a:prstGeom>
+          <a:solidFill>
+            <a:schemeClr val="bg1"/>
+          </a:solidFill>
+          <a:ln>
+            <a:noFill/>
+          </a:ln>
+        </p:spPr>
+        <p:style>
+          <a:lnRef idx="2">
+            <a:schemeClr val="accent1">
+              <a:shade val="50000"/>
+            </a:schemeClr>
+          </a:lnRef>
+          <a:fillRef idx="1">
+            <a:schemeClr val="accent1"/>
+          </a:fillRef>
+          <a:effectRef idx="0">
+            <a:schemeClr val="accent1"/>
+          </a:effectRef>
+          <a:fontRef idx="minor">
+            <a:schemeClr val="lt1"/>
+          </a:fontRef>
+        </p:style>
+        <p:txBody>
+          <a:bodyPr rtlCol="0" anchor="ctr"/>
+          <a:lstStyle/>
+          <a:p>
+            <a:pPr algn="ctr"/>
+            <a:r>
+              <a:rPr lang="tr-TR" sz="3600" b="1">
+                <a:solidFill>
+                  <a:srgbClr val="00ACE6"/>
+                </a:solidFill>
+              </a:rPr>
+              <a:t>4</a:t>
+            </a:r>
           </a:p>
         </p:txBody>
       </p:sp>
@@ -6695,7 +10424,7 @@
 </p:sld>
 </file>
 
-<file path=ppt/slides/slide6.xml><?xml version="1.0" encoding="utf-8"?>
+<file path=ppt/slides/slide7.xml><?xml version="1.0" encoding="utf-8"?>
 <p:sld xmlns:a="http://schemas.openxmlformats.org/drawingml/2006/main" xmlns:r="http://schemas.openxmlformats.org/officeDocument/2006/relationships" xmlns:p="http://schemas.openxmlformats.org/presentationml/2006/main">
   <p:cSld>
     <p:spTree>
@@ -6712,54 +10441,6 @@
           <a:chExt cx="0" cy="0"/>
         </a:xfrm>
       </p:grpSpPr>
-      <p:sp>
-        <p:nvSpPr>
-          <p:cNvPr id="2" name="Rectangle 1"/>
-          <p:cNvSpPr/>
-          <p:nvPr/>
-        </p:nvSpPr>
-        <p:spPr>
-          <a:xfrm>
-            <a:off x="0" y="2"/>
-            <a:ext cx="12192000" cy="1296364"/>
-          </a:xfrm>
-          <a:prstGeom prst="rect">
-            <a:avLst/>
-          </a:prstGeom>
-          <a:solidFill>
-            <a:srgbClr val="00ACE6"/>
-          </a:solidFill>
-          <a:ln>
-            <a:noFill/>
-          </a:ln>
-        </p:spPr>
-        <p:style>
-          <a:lnRef idx="2">
-            <a:schemeClr val="accent1">
-              <a:shade val="50000"/>
-            </a:schemeClr>
-          </a:lnRef>
-          <a:fillRef idx="1">
-            <a:schemeClr val="accent1"/>
-          </a:fillRef>
-          <a:effectRef idx="0">
-            <a:schemeClr val="accent1"/>
-          </a:effectRef>
-          <a:fontRef idx="minor">
-            <a:schemeClr val="lt1"/>
-          </a:fontRef>
-        </p:style>
-        <p:txBody>
-          <a:bodyPr rtlCol="0" anchor="ctr"/>
-          <a:lstStyle/>
-          <a:p>
-            <a:r>
-              <a:rPr lang="en-GB" sz="4800" b="1" dirty="0"/>
-              <a:t>Terminology – feature variables</a:t>
-            </a:r>
-          </a:p>
-        </p:txBody>
-      </p:sp>
       <p:sp>
         <p:nvSpPr>
           <p:cNvPr id="7" name="Isosceles Triangle 6"/>
@@ -8565,39 +12246,9 @@
           </a:p>
         </p:txBody>
       </p:sp>
-    </p:spTree>
-    <p:extLst>
-      <p:ext uri="{BB962C8B-B14F-4D97-AF65-F5344CB8AC3E}">
-        <p14:creationId xmlns:p14="http://schemas.microsoft.com/office/powerpoint/2010/main" val="2496045919"/>
-      </p:ext>
-    </p:extLst>
-  </p:cSld>
-  <p:clrMapOvr>
-    <a:masterClrMapping/>
-  </p:clrMapOvr>
-</p:sld>
-</file>
-
-<file path=ppt/slides/slide7.xml><?xml version="1.0" encoding="utf-8"?>
-<p:sld xmlns:a="http://schemas.openxmlformats.org/drawingml/2006/main" xmlns:r="http://schemas.openxmlformats.org/officeDocument/2006/relationships" xmlns:p="http://schemas.openxmlformats.org/presentationml/2006/main">
-  <p:cSld>
-    <p:spTree>
-      <p:nvGrpSpPr>
-        <p:cNvPr id="1" name=""/>
-        <p:cNvGrpSpPr/>
-        <p:nvPr/>
-      </p:nvGrpSpPr>
-      <p:grpSpPr>
-        <a:xfrm>
-          <a:off x="0" y="0"/>
-          <a:ext cx="0" cy="0"/>
-          <a:chOff x="0" y="0"/>
-          <a:chExt cx="0" cy="0"/>
-        </a:xfrm>
-      </p:grpSpPr>
       <p:sp>
         <p:nvSpPr>
-          <p:cNvPr id="2" name="Rectangle 1"/>
+          <p:cNvPr id="10" name="Rectangle 9"/>
           <p:cNvSpPr/>
           <p:nvPr/>
         </p:nvSpPr>
@@ -8637,36 +12288,37 @@
           <a:lstStyle/>
           <a:p>
             <a:r>
-              <a:rPr lang="en-GB" sz="4800" b="1" dirty="0"/>
-              <a:t>Terminology – comp-*.</a:t>
-            </a:r>
-            <a:r>
-              <a:rPr lang="en-GB" sz="4800" b="1" dirty="0" err="1"/>
-              <a:t>sh</a:t>
-            </a:r>
-            <a:r>
-              <a:rPr lang="en-GB" sz="4800" b="1" dirty="0"/>
-              <a:t>/compilation scripts</a:t>
-            </a:r>
+              <a:rPr lang="tr-TR" sz="4800" b="1"/>
+              <a:t>      </a:t>
+            </a:r>
+            <a:r>
+              <a:rPr lang="en-GB" sz="4800" b="1"/>
+              <a:t>Terminology –</a:t>
+            </a:r>
+            <a:r>
+              <a:rPr lang="tr-TR" sz="4800" b="1"/>
+              <a:t> feature variables</a:t>
+            </a:r>
+            <a:endParaRPr lang="en-GB" sz="4800" b="1"/>
           </a:p>
         </p:txBody>
       </p:sp>
       <p:sp>
         <p:nvSpPr>
-          <p:cNvPr id="7" name="Isosceles Triangle 6"/>
+          <p:cNvPr id="11" name="Oval 10"/>
           <p:cNvSpPr/>
           <p:nvPr/>
         </p:nvSpPr>
         <p:spPr>
-          <a:xfrm rot="5400000">
-            <a:off x="348693" y="1536407"/>
-            <a:ext cx="457812" cy="394666"/>
+          <a:xfrm>
+            <a:off x="161197" y="364604"/>
+            <a:ext cx="567159" cy="567159"/>
           </a:xfrm>
-          <a:prstGeom prst="triangle">
+          <a:prstGeom prst="ellipse">
             <a:avLst/>
           </a:prstGeom>
           <a:solidFill>
-            <a:srgbClr val="00ACE6"/>
+            <a:schemeClr val="bg1"/>
           </a:solidFill>
           <a:ln>
             <a:noFill/>
@@ -8693,1555 +12345,21 @@
           <a:lstStyle/>
           <a:p>
             <a:pPr algn="ctr"/>
-            <a:endParaRPr lang="en-GB"/>
-          </a:p>
-        </p:txBody>
-      </p:sp>
-      <p:sp>
-        <p:nvSpPr>
-          <p:cNvPr id="14" name="TextBox 13"/>
-          <p:cNvSpPr txBox="1"/>
-          <p:nvPr/>
-        </p:nvSpPr>
-        <p:spPr>
-          <a:xfrm>
-            <a:off x="1061012" y="1467813"/>
-            <a:ext cx="11020741" cy="6001643"/>
-          </a:xfrm>
-          <a:prstGeom prst="rect">
-            <a:avLst/>
-          </a:prstGeom>
-          <a:noFill/>
-        </p:spPr>
-        <p:txBody>
-          <a:bodyPr wrap="square" rtlCol="0">
-            <a:spAutoFit/>
-          </a:bodyPr>
-          <a:lstStyle/>
-          <a:p>
-            <a:r>
-              <a:rPr lang="en-GB" sz="2400" dirty="0"/>
-              <a:t>For each component that </a:t>
-            </a:r>
-            <a:br>
-              <a:rPr lang="en-GB" sz="2400" dirty="0"/>
-            </a:br>
-            <a:r>
-              <a:rPr lang="en-GB" sz="2400" b="1" dirty="0" err="1">
-                <a:solidFill>
-                  <a:srgbClr val="ED7D31"/>
-                </a:solidFill>
-              </a:rPr>
-              <a:t>esm_master</a:t>
-            </a:r>
-            <a:r>
-              <a:rPr lang="en-GB" sz="2400" b="1" dirty="0">
-                <a:solidFill>
-                  <a:srgbClr val="ED7D31"/>
-                </a:solidFill>
-              </a:rPr>
-              <a:t> </a:t>
-            </a:r>
-            <a:r>
-              <a:rPr lang="en-GB" sz="2400" dirty="0"/>
-              <a:t>builds, it produces a </a:t>
-            </a:r>
-            <a:br>
-              <a:rPr lang="en-GB" sz="2400" dirty="0"/>
-            </a:br>
-            <a:r>
-              <a:rPr lang="en-GB" sz="2400" dirty="0"/>
-              <a:t>compilation script </a:t>
-            </a:r>
-            <a:r>
-              <a:rPr lang="en-GB" sz="2400" b="1" dirty="0">
-                <a:solidFill>
-                  <a:schemeClr val="accent2"/>
-                </a:solidFill>
-              </a:rPr>
-              <a:t>comp-*.</a:t>
-            </a:r>
-            <a:r>
-              <a:rPr lang="en-GB" sz="2400" b="1" dirty="0" err="1">
-                <a:solidFill>
-                  <a:schemeClr val="accent2"/>
-                </a:solidFill>
-              </a:rPr>
-              <a:t>sh</a:t>
-            </a:r>
-            <a:r>
-              <a:rPr lang="en-GB" sz="2400" b="1" dirty="0"/>
-              <a:t> </a:t>
-            </a:r>
-            <a:r>
-              <a:rPr lang="en-GB" sz="2400" dirty="0"/>
-              <a:t> that</a:t>
-            </a:r>
-            <a:br>
-              <a:rPr lang="en-GB" sz="2400" dirty="0"/>
-            </a:br>
-            <a:r>
-              <a:rPr lang="en-GB" sz="2400" dirty="0"/>
-              <a:t>includes the environment specified </a:t>
-            </a:r>
-          </a:p>
-          <a:p>
-            <a:r>
-              <a:rPr lang="en-GB" sz="2400" dirty="0"/>
-              <a:t>in the configuration files (</a:t>
-            </a:r>
-            <a:r>
-              <a:rPr lang="en-GB" sz="2400" dirty="0">
-                <a:solidFill>
-                  <a:schemeClr val="accent2"/>
-                </a:solidFill>
-              </a:rPr>
-              <a:t>machine</a:t>
-            </a:r>
-            <a:r>
-              <a:rPr lang="en-GB" sz="2400" dirty="0"/>
-              <a:t> </a:t>
-            </a:r>
-          </a:p>
-          <a:p>
-            <a:r>
-              <a:rPr lang="en-GB" sz="2400" dirty="0"/>
-              <a:t>+ </a:t>
-            </a:r>
-            <a:r>
-              <a:rPr lang="en-GB" sz="2400" dirty="0">
-                <a:solidFill>
-                  <a:schemeClr val="accent2"/>
-                </a:solidFill>
-              </a:rPr>
-              <a:t>components</a:t>
-            </a:r>
-            <a:r>
-              <a:rPr lang="en-GB" sz="2400" dirty="0"/>
-              <a:t> + </a:t>
-            </a:r>
-            <a:r>
-              <a:rPr lang="en-GB" sz="2400" dirty="0">
-                <a:solidFill>
-                  <a:schemeClr val="accent2"/>
-                </a:solidFill>
-              </a:rPr>
-              <a:t>setups</a:t>
-            </a:r>
-            <a:r>
-              <a:rPr lang="en-GB" sz="2400" dirty="0"/>
-              <a:t> files </a:t>
-            </a:r>
-          </a:p>
-          <a:p>
-            <a:r>
-              <a:rPr lang="en-GB" sz="2400" dirty="0"/>
-              <a:t>involved)</a:t>
-            </a:r>
-          </a:p>
-          <a:p>
-            <a:endParaRPr lang="en-GB" sz="2400" b="1" dirty="0">
-              <a:solidFill>
-                <a:srgbClr val="ED7D31"/>
-              </a:solidFill>
-            </a:endParaRPr>
-          </a:p>
-          <a:p>
-            <a:r>
-              <a:rPr lang="en-GB" sz="2400" dirty="0"/>
-              <a:t>Written in the same directory where </a:t>
-            </a:r>
-            <a:br>
-              <a:rPr lang="en-GB" sz="2400" dirty="0"/>
-            </a:br>
-            <a:r>
-              <a:rPr lang="en-GB" sz="2400" dirty="0"/>
-              <a:t>you execute </a:t>
-            </a:r>
-            <a:r>
-              <a:rPr lang="en-GB" sz="2400" b="1" dirty="0" err="1">
-                <a:solidFill>
-                  <a:srgbClr val="ED7D31"/>
-                </a:solidFill>
-              </a:rPr>
-              <a:t>esm_master</a:t>
-            </a:r>
-            <a:endParaRPr lang="en-GB" sz="2400" b="1" dirty="0">
-              <a:solidFill>
-                <a:srgbClr val="ED7D31"/>
-              </a:solidFill>
-            </a:endParaRPr>
-          </a:p>
-          <a:p>
-            <a:endParaRPr lang="en-GB" sz="2400" dirty="0"/>
-          </a:p>
-          <a:p>
-            <a:r>
-              <a:rPr lang="en-GB" sz="2400" dirty="0"/>
-              <a:t>Copied to the compilation folder </a:t>
-            </a:r>
-          </a:p>
-          <a:p>
-            <a:r>
-              <a:rPr lang="en-GB" sz="2400" dirty="0"/>
-              <a:t>After the building finishes</a:t>
-            </a:r>
-          </a:p>
-          <a:p>
-            <a:endParaRPr lang="en-GB" sz="2400" b="1" dirty="0">
-              <a:solidFill>
-                <a:srgbClr val="31ACE6"/>
-              </a:solidFill>
-            </a:endParaRPr>
-          </a:p>
-          <a:p>
-            <a:endParaRPr lang="en-GB" sz="2400" b="1" dirty="0"/>
-          </a:p>
-          <a:p>
-            <a:endParaRPr lang="en-GB" sz="2400" dirty="0"/>
-          </a:p>
-        </p:txBody>
-      </p:sp>
-      <p:sp>
-        <p:nvSpPr>
-          <p:cNvPr id="5" name="Isosceles Triangle 6">
-            <a:extLst>
-              <a:ext uri="{FF2B5EF4-FFF2-40B4-BE49-F238E27FC236}">
-                <a16:creationId xmlns:a16="http://schemas.microsoft.com/office/drawing/2014/main" id="{CD2CD3CC-2F64-116F-334E-721E5A410F54}"/>
-              </a:ext>
-            </a:extLst>
-          </p:cNvPr>
-          <p:cNvSpPr/>
-          <p:nvPr/>
-        </p:nvSpPr>
-        <p:spPr>
-          <a:xfrm rot="5400000">
-            <a:off x="348693" y="4456741"/>
-            <a:ext cx="457812" cy="394666"/>
-          </a:xfrm>
-          <a:prstGeom prst="triangle">
-            <a:avLst/>
-          </a:prstGeom>
-          <a:solidFill>
-            <a:srgbClr val="00ACE6"/>
-          </a:solidFill>
-          <a:ln>
-            <a:noFill/>
-          </a:ln>
-        </p:spPr>
-        <p:style>
-          <a:lnRef idx="2">
-            <a:schemeClr val="accent1">
-              <a:shade val="50000"/>
-            </a:schemeClr>
-          </a:lnRef>
-          <a:fillRef idx="1">
-            <a:schemeClr val="accent1"/>
-          </a:fillRef>
-          <a:effectRef idx="0">
-            <a:schemeClr val="accent1"/>
-          </a:effectRef>
-          <a:fontRef idx="minor">
-            <a:schemeClr val="lt1"/>
-          </a:fontRef>
-        </p:style>
-        <p:txBody>
-          <a:bodyPr rtlCol="0" anchor="ctr"/>
-          <a:lstStyle/>
-          <a:p>
-            <a:pPr algn="ctr"/>
-            <a:endParaRPr lang="en-GB"/>
-          </a:p>
-        </p:txBody>
-      </p:sp>
-      <p:sp>
-        <p:nvSpPr>
-          <p:cNvPr id="6" name="Isosceles Triangle 6">
-            <a:extLst>
-              <a:ext uri="{FF2B5EF4-FFF2-40B4-BE49-F238E27FC236}">
-                <a16:creationId xmlns:a16="http://schemas.microsoft.com/office/drawing/2014/main" id="{BDCF8FD7-263A-3976-D6FC-9BD4605F56D3}"/>
-              </a:ext>
-            </a:extLst>
-          </p:cNvPr>
-          <p:cNvSpPr/>
-          <p:nvPr/>
-        </p:nvSpPr>
-        <p:spPr>
-          <a:xfrm rot="5400000">
-            <a:off x="343830" y="5562021"/>
-            <a:ext cx="457812" cy="394666"/>
-          </a:xfrm>
-          <a:prstGeom prst="triangle">
-            <a:avLst/>
-          </a:prstGeom>
-          <a:solidFill>
-            <a:srgbClr val="00ACE6"/>
-          </a:solidFill>
-          <a:ln>
-            <a:noFill/>
-          </a:ln>
-        </p:spPr>
-        <p:style>
-          <a:lnRef idx="2">
-            <a:schemeClr val="accent1">
-              <a:shade val="50000"/>
-            </a:schemeClr>
-          </a:lnRef>
-          <a:fillRef idx="1">
-            <a:schemeClr val="accent1"/>
-          </a:fillRef>
-          <a:effectRef idx="0">
-            <a:schemeClr val="accent1"/>
-          </a:effectRef>
-          <a:fontRef idx="minor">
-            <a:schemeClr val="lt1"/>
-          </a:fontRef>
-        </p:style>
-        <p:txBody>
-          <a:bodyPr rtlCol="0" anchor="ctr"/>
-          <a:lstStyle/>
-          <a:p>
-            <a:pPr algn="ctr"/>
-            <a:endParaRPr lang="en-GB"/>
-          </a:p>
-        </p:txBody>
-      </p:sp>
-      <p:sp>
-        <p:nvSpPr>
-          <p:cNvPr id="3" name="Rectangle 2">
-            <a:extLst>
-              <a:ext uri="{FF2B5EF4-FFF2-40B4-BE49-F238E27FC236}">
-                <a16:creationId xmlns:a16="http://schemas.microsoft.com/office/drawing/2014/main" id="{F08E39CC-E18B-375B-D343-E75E5F11D364}"/>
-              </a:ext>
-            </a:extLst>
-          </p:cNvPr>
-          <p:cNvSpPr/>
-          <p:nvPr/>
-        </p:nvSpPr>
-        <p:spPr>
-          <a:xfrm>
-            <a:off x="5771745" y="1390740"/>
-            <a:ext cx="7963711" cy="5447645"/>
-          </a:xfrm>
-          <a:prstGeom prst="rect">
-            <a:avLst/>
-          </a:prstGeom>
-          <a:solidFill>
-            <a:schemeClr val="bg1"/>
-          </a:solidFill>
-          <a:ln w="12700">
-            <a:solidFill>
-              <a:schemeClr val="tx1"/>
-            </a:solidFill>
-          </a:ln>
-        </p:spPr>
-        <p:txBody>
-          <a:bodyPr wrap="square">
-            <a:spAutoFit/>
-          </a:bodyPr>
-          <a:lstStyle/>
-          <a:p>
-            <a:r>
-              <a:rPr lang="en-GB" sz="1200" i="1" dirty="0">
-                <a:solidFill>
-                  <a:srgbClr val="535353"/>
-                </a:solidFill>
-                <a:latin typeface="Courier-Oblique" pitchFamily="2" charset="0"/>
-              </a:rPr>
-              <a:t>#!/bin/bash –l</a:t>
-            </a:r>
-          </a:p>
-          <a:p>
-            <a:r>
-              <a:rPr lang="en-GB" sz="1200" i="1" dirty="0">
-                <a:solidFill>
-                  <a:srgbClr val="535353"/>
-                </a:solidFill>
-                <a:latin typeface="Courier-Oblique" pitchFamily="2" charset="0"/>
-              </a:rPr>
-              <a:t># Dummy script generated by </a:t>
-            </a:r>
-            <a:r>
-              <a:rPr lang="en-GB" sz="1200" i="1" dirty="0" err="1">
-                <a:solidFill>
-                  <a:srgbClr val="535353"/>
-                </a:solidFill>
-                <a:latin typeface="Courier-Oblique" pitchFamily="2" charset="0"/>
-              </a:rPr>
-              <a:t>esm</a:t>
-            </a:r>
-            <a:r>
-              <a:rPr lang="en-GB" sz="1200" i="1" dirty="0">
-                <a:solidFill>
-                  <a:srgbClr val="535353"/>
-                </a:solidFill>
-                <a:latin typeface="Courier-Oblique" pitchFamily="2" charset="0"/>
-              </a:rPr>
-              <a:t>-tools, to be removed later:</a:t>
-            </a:r>
-          </a:p>
-          <a:p>
-            <a:r>
-              <a:rPr lang="en-GB" sz="1200" b="1" dirty="0">
-                <a:solidFill>
-                  <a:srgbClr val="000000"/>
-                </a:solidFill>
-                <a:latin typeface="Courier-Bold" pitchFamily="2" charset="0"/>
-              </a:rPr>
-              <a:t>set</a:t>
-            </a:r>
-            <a:r>
-              <a:rPr lang="en-GB" sz="1200" dirty="0">
-                <a:solidFill>
-                  <a:srgbClr val="000000"/>
-                </a:solidFill>
-                <a:latin typeface="Courier" pitchFamily="2" charset="0"/>
-              </a:rPr>
-              <a:t> </a:t>
-            </a:r>
-            <a:r>
-              <a:rPr lang="en-GB" sz="1200" dirty="0">
-                <a:solidFill>
-                  <a:srgbClr val="520026"/>
-                </a:solidFill>
-                <a:latin typeface="Courier" pitchFamily="2" charset="0"/>
-              </a:rPr>
-              <a:t>–e</a:t>
-            </a:r>
-          </a:p>
-          <a:p>
-            <a:r>
-              <a:rPr lang="en-GB" sz="1200" dirty="0">
-                <a:solidFill>
-                  <a:srgbClr val="000000"/>
-                </a:solidFill>
-                <a:latin typeface="Courier" pitchFamily="2" charset="0"/>
-              </a:rPr>
-              <a:t>module purge</a:t>
-            </a:r>
-          </a:p>
-          <a:p>
-            <a:r>
-              <a:rPr lang="en-GB" sz="1200" dirty="0">
-                <a:solidFill>
-                  <a:srgbClr val="000000"/>
-                </a:solidFill>
-                <a:latin typeface="Courier" pitchFamily="2" charset="0"/>
-              </a:rPr>
-              <a:t>module unload </a:t>
-            </a:r>
-            <a:r>
-              <a:rPr lang="en-GB" sz="1200" dirty="0" err="1">
-                <a:solidFill>
-                  <a:srgbClr val="000000"/>
-                </a:solidFill>
-                <a:latin typeface="Courier" pitchFamily="2" charset="0"/>
-              </a:rPr>
-              <a:t>netcdf_c</a:t>
-            </a:r>
-            <a:endParaRPr lang="en-GB" sz="1200" dirty="0">
-              <a:solidFill>
-                <a:srgbClr val="000000"/>
-              </a:solidFill>
-              <a:latin typeface="Courier" pitchFamily="2" charset="0"/>
-            </a:endParaRPr>
-          </a:p>
-          <a:p>
-            <a:r>
-              <a:rPr lang="en-GB" sz="1200" dirty="0">
-                <a:solidFill>
-                  <a:srgbClr val="000000"/>
-                </a:solidFill>
-                <a:latin typeface="Courier" pitchFamily="2" charset="0"/>
-              </a:rPr>
-              <a:t>module unload intel </a:t>
-            </a:r>
-            <a:r>
-              <a:rPr lang="en-GB" sz="1200" dirty="0" err="1">
-                <a:solidFill>
-                  <a:srgbClr val="000000"/>
-                </a:solidFill>
-                <a:latin typeface="Courier" pitchFamily="2" charset="0"/>
-              </a:rPr>
-              <a:t>intelmpi</a:t>
-            </a:r>
-            <a:endParaRPr lang="en-GB" sz="1200" dirty="0">
-              <a:solidFill>
-                <a:srgbClr val="000000"/>
-              </a:solidFill>
-              <a:latin typeface="Courier" pitchFamily="2" charset="0"/>
-            </a:endParaRPr>
-          </a:p>
-          <a:p>
-            <a:r>
-              <a:rPr lang="en-GB" sz="1200" dirty="0">
-                <a:solidFill>
-                  <a:srgbClr val="000000"/>
-                </a:solidFill>
-                <a:latin typeface="Courier" pitchFamily="2" charset="0"/>
-              </a:rPr>
-              <a:t>module load python3</a:t>
-            </a:r>
-            <a:r>
-              <a:rPr lang="en-GB" sz="1200" b="1" dirty="0">
-                <a:solidFill>
-                  <a:srgbClr val="000000"/>
-                </a:solidFill>
-                <a:latin typeface="Courier-Bold" pitchFamily="2" charset="0"/>
-              </a:rPr>
-              <a:t>/</a:t>
-            </a:r>
-            <a:r>
-              <a:rPr lang="en-GB" sz="1200" dirty="0">
-                <a:solidFill>
-                  <a:srgbClr val="000000"/>
-                </a:solidFill>
-                <a:latin typeface="Courier" pitchFamily="2" charset="0"/>
-              </a:rPr>
-              <a:t>2021.01-gcc-9.1.0</a:t>
-            </a:r>
-          </a:p>
-          <a:p>
-            <a:r>
-              <a:rPr lang="en-GB" sz="1200" dirty="0">
-                <a:solidFill>
-                  <a:srgbClr val="000000"/>
-                </a:solidFill>
-                <a:latin typeface="Courier" pitchFamily="2" charset="0"/>
-              </a:rPr>
-              <a:t>module load </a:t>
-            </a:r>
-            <a:r>
-              <a:rPr lang="en-GB" sz="1200" dirty="0" err="1">
-                <a:solidFill>
-                  <a:srgbClr val="000000"/>
-                </a:solidFill>
-                <a:latin typeface="Courier" pitchFamily="2" charset="0"/>
-              </a:rPr>
-              <a:t>cmake</a:t>
-            </a:r>
-            <a:r>
-              <a:rPr lang="en-GB" sz="1200" b="1" dirty="0">
-                <a:solidFill>
-                  <a:srgbClr val="000000"/>
-                </a:solidFill>
-                <a:latin typeface="Courier-Bold" pitchFamily="2" charset="0"/>
-              </a:rPr>
-              <a:t>/</a:t>
-            </a:r>
-            <a:r>
-              <a:rPr lang="en-GB" sz="1200" dirty="0">
-                <a:solidFill>
-                  <a:srgbClr val="000000"/>
-                </a:solidFill>
-                <a:latin typeface="Courier" pitchFamily="2" charset="0"/>
-              </a:rPr>
-              <a:t>3.13.3</a:t>
-            </a:r>
-          </a:p>
-          <a:p>
-            <a:r>
-              <a:rPr lang="en-GB" sz="1200" dirty="0">
-                <a:solidFill>
-                  <a:srgbClr val="000000"/>
-                </a:solidFill>
-                <a:latin typeface="Courier" pitchFamily="2" charset="0"/>
-              </a:rPr>
-              <a:t>module load </a:t>
-            </a:r>
-            <a:r>
-              <a:rPr lang="en-GB" sz="1200" dirty="0" err="1">
-                <a:solidFill>
-                  <a:srgbClr val="000000"/>
-                </a:solidFill>
-                <a:latin typeface="Courier" pitchFamily="2" charset="0"/>
-              </a:rPr>
-              <a:t>autoconf</a:t>
-            </a:r>
-            <a:r>
-              <a:rPr lang="en-GB" sz="1200" b="1" dirty="0">
-                <a:solidFill>
-                  <a:srgbClr val="000000"/>
-                </a:solidFill>
-                <a:latin typeface="Courier-Bold" pitchFamily="2" charset="0"/>
-              </a:rPr>
-              <a:t>/</a:t>
-            </a:r>
-            <a:r>
-              <a:rPr lang="en-GB" sz="1200" dirty="0">
-                <a:solidFill>
-                  <a:srgbClr val="000000"/>
-                </a:solidFill>
-                <a:latin typeface="Courier" pitchFamily="2" charset="0"/>
-              </a:rPr>
-              <a:t>2.69</a:t>
-            </a:r>
-          </a:p>
-          <a:p>
-            <a:r>
-              <a:rPr lang="en-GB" sz="1200" dirty="0">
-                <a:solidFill>
-                  <a:srgbClr val="000000"/>
-                </a:solidFill>
-                <a:latin typeface="Courier" pitchFamily="2" charset="0"/>
-              </a:rPr>
-              <a:t>module load </a:t>
-            </a:r>
-            <a:r>
-              <a:rPr lang="en-GB" sz="1200" dirty="0" err="1">
-                <a:solidFill>
-                  <a:srgbClr val="000000"/>
-                </a:solidFill>
-                <a:latin typeface="Courier" pitchFamily="2" charset="0"/>
-              </a:rPr>
-              <a:t>nco</a:t>
-            </a:r>
-            <a:r>
-              <a:rPr lang="en-GB" sz="1200" dirty="0">
-                <a:solidFill>
-                  <a:srgbClr val="000000"/>
-                </a:solidFill>
-                <a:latin typeface="Courier" pitchFamily="2" charset="0"/>
-              </a:rPr>
-              <a:t> </a:t>
-            </a:r>
-          </a:p>
-          <a:p>
-            <a:r>
-              <a:rPr lang="en-GB" sz="1200" dirty="0">
-                <a:solidFill>
-                  <a:srgbClr val="000000"/>
-                </a:solidFill>
-                <a:latin typeface="Courier" pitchFamily="2" charset="0"/>
-              </a:rPr>
-              <a:t>module load </a:t>
-            </a:r>
-            <a:r>
-              <a:rPr lang="en-GB" sz="1200" dirty="0" err="1">
-                <a:solidFill>
-                  <a:srgbClr val="000000"/>
-                </a:solidFill>
-                <a:latin typeface="Courier" pitchFamily="2" charset="0"/>
-              </a:rPr>
-              <a:t>cdo</a:t>
-            </a:r>
-            <a:r>
-              <a:rPr lang="en-GB" sz="1200" dirty="0">
-                <a:solidFill>
-                  <a:srgbClr val="000000"/>
-                </a:solidFill>
-                <a:latin typeface="Courier" pitchFamily="2" charset="0"/>
-              </a:rPr>
-              <a:t> </a:t>
-            </a:r>
-          </a:p>
-          <a:p>
-            <a:r>
-              <a:rPr lang="en-GB" sz="1200" dirty="0">
-                <a:solidFill>
-                  <a:srgbClr val="000000"/>
-                </a:solidFill>
-                <a:latin typeface="Courier" pitchFamily="2" charset="0"/>
-              </a:rPr>
-              <a:t>module load </a:t>
-            </a:r>
-            <a:r>
-              <a:rPr lang="en-GB" sz="1200" dirty="0" err="1">
-                <a:solidFill>
-                  <a:srgbClr val="000000"/>
-                </a:solidFill>
-                <a:latin typeface="Courier" pitchFamily="2" charset="0"/>
-              </a:rPr>
-              <a:t>gcc</a:t>
-            </a:r>
-            <a:r>
-              <a:rPr lang="en-GB" sz="1200" b="1" dirty="0">
-                <a:solidFill>
-                  <a:srgbClr val="000000"/>
-                </a:solidFill>
-                <a:latin typeface="Courier-Bold" pitchFamily="2" charset="0"/>
-              </a:rPr>
-              <a:t>/</a:t>
-            </a:r>
-            <a:r>
-              <a:rPr lang="en-GB" sz="1200" dirty="0">
-                <a:solidFill>
-                  <a:srgbClr val="000000"/>
-                </a:solidFill>
-                <a:latin typeface="Courier" pitchFamily="2" charset="0"/>
-              </a:rPr>
-              <a:t>4.8.2</a:t>
-            </a:r>
-          </a:p>
-          <a:p>
-            <a:r>
-              <a:rPr lang="en-GB" sz="1200" dirty="0">
-                <a:solidFill>
-                  <a:srgbClr val="000000"/>
-                </a:solidFill>
-                <a:latin typeface="Courier" pitchFamily="2" charset="0"/>
-              </a:rPr>
-              <a:t>module unload intel </a:t>
-            </a:r>
-            <a:r>
-              <a:rPr lang="en-GB" sz="1200" dirty="0" err="1">
-                <a:solidFill>
-                  <a:srgbClr val="000000"/>
-                </a:solidFill>
-                <a:latin typeface="Courier" pitchFamily="2" charset="0"/>
-              </a:rPr>
-              <a:t>intelmpi</a:t>
-            </a:r>
-            <a:endParaRPr lang="en-GB" sz="1200" dirty="0">
-              <a:solidFill>
-                <a:srgbClr val="000000"/>
-              </a:solidFill>
-              <a:latin typeface="Courier" pitchFamily="2" charset="0"/>
-            </a:endParaRPr>
-          </a:p>
-          <a:p>
-            <a:r>
-              <a:rPr lang="en-GB" sz="1200" dirty="0">
-                <a:solidFill>
-                  <a:srgbClr val="000000"/>
-                </a:solidFill>
-                <a:latin typeface="Courier" pitchFamily="2" charset="0"/>
-              </a:rPr>
-              <a:t>module load intel</a:t>
-            </a:r>
-            <a:r>
-              <a:rPr lang="en-GB" sz="1200" b="1" dirty="0">
-                <a:solidFill>
-                  <a:srgbClr val="000000"/>
-                </a:solidFill>
-                <a:latin typeface="Courier-Bold" pitchFamily="2" charset="0"/>
-              </a:rPr>
-              <a:t>/</a:t>
-            </a:r>
-            <a:r>
-              <a:rPr lang="en-GB" sz="1200" dirty="0">
-                <a:solidFill>
-                  <a:srgbClr val="000000"/>
-                </a:solidFill>
-                <a:latin typeface="Courier" pitchFamily="2" charset="0"/>
-              </a:rPr>
-              <a:t>18.0.4 </a:t>
-            </a:r>
-            <a:r>
-              <a:rPr lang="en-GB" sz="1200" dirty="0" err="1">
-                <a:solidFill>
-                  <a:srgbClr val="000000"/>
-                </a:solidFill>
-                <a:latin typeface="Courier" pitchFamily="2" charset="0"/>
-              </a:rPr>
-              <a:t>intelmpi</a:t>
-            </a:r>
-            <a:r>
-              <a:rPr lang="en-GB" sz="1200" b="1" dirty="0">
-                <a:solidFill>
-                  <a:srgbClr val="000000"/>
-                </a:solidFill>
-                <a:latin typeface="Courier-Bold" pitchFamily="2" charset="0"/>
-              </a:rPr>
-              <a:t>/</a:t>
-            </a:r>
-            <a:r>
-              <a:rPr lang="en-GB" sz="1200" dirty="0">
-                <a:solidFill>
-                  <a:srgbClr val="000000"/>
-                </a:solidFill>
-                <a:latin typeface="Courier" pitchFamily="2" charset="0"/>
-              </a:rPr>
-              <a:t>2018.5.288</a:t>
-            </a:r>
-          </a:p>
-          <a:p>
-            <a:r>
-              <a:rPr lang="en-GB" sz="1200" dirty="0">
-                <a:solidFill>
-                  <a:srgbClr val="000000"/>
-                </a:solidFill>
-                <a:latin typeface="Courier" pitchFamily="2" charset="0"/>
-              </a:rPr>
-              <a:t>module load </a:t>
-            </a:r>
-            <a:r>
-              <a:rPr lang="en-GB" sz="1200" dirty="0" err="1">
-                <a:solidFill>
-                  <a:srgbClr val="000000"/>
-                </a:solidFill>
-                <a:latin typeface="Courier" pitchFamily="2" charset="0"/>
-              </a:rPr>
-              <a:t>libtool</a:t>
-            </a:r>
-            <a:r>
-              <a:rPr lang="en-GB" sz="1200" b="1" dirty="0">
-                <a:solidFill>
-                  <a:srgbClr val="000000"/>
-                </a:solidFill>
-                <a:latin typeface="Courier-Bold" pitchFamily="2" charset="0"/>
-              </a:rPr>
-              <a:t>/</a:t>
-            </a:r>
-            <a:r>
-              <a:rPr lang="en-GB" sz="1200" dirty="0">
-                <a:solidFill>
-                  <a:srgbClr val="000000"/>
-                </a:solidFill>
-                <a:latin typeface="Courier" pitchFamily="2" charset="0"/>
-              </a:rPr>
-              <a:t>2.4.6</a:t>
-            </a:r>
-          </a:p>
-          <a:p>
-            <a:r>
-              <a:rPr lang="en-GB" sz="1200" dirty="0">
-                <a:solidFill>
-                  <a:srgbClr val="000000"/>
-                </a:solidFill>
-                <a:latin typeface="Courier" pitchFamily="2" charset="0"/>
-              </a:rPr>
-              <a:t>module load </a:t>
-            </a:r>
-            <a:r>
-              <a:rPr lang="en-GB" sz="1200" dirty="0" err="1">
-                <a:solidFill>
-                  <a:srgbClr val="000000"/>
-                </a:solidFill>
-                <a:latin typeface="Courier" pitchFamily="2" charset="0"/>
-              </a:rPr>
-              <a:t>automake</a:t>
-            </a:r>
-            <a:r>
-              <a:rPr lang="en-GB" sz="1200" b="1" dirty="0">
-                <a:solidFill>
-                  <a:srgbClr val="000000"/>
-                </a:solidFill>
-                <a:latin typeface="Courier-Bold" pitchFamily="2" charset="0"/>
-              </a:rPr>
-              <a:t>/</a:t>
-            </a:r>
-            <a:r>
-              <a:rPr lang="en-GB" sz="1200" dirty="0">
-                <a:solidFill>
-                  <a:srgbClr val="000000"/>
-                </a:solidFill>
-                <a:latin typeface="Courier" pitchFamily="2" charset="0"/>
-              </a:rPr>
-              <a:t>1.14.1</a:t>
-            </a:r>
-          </a:p>
-          <a:p>
-            <a:r>
-              <a:rPr lang="en-GB" sz="1200" dirty="0">
-                <a:solidFill>
-                  <a:srgbClr val="000000"/>
-                </a:solidFill>
-                <a:latin typeface="Courier" pitchFamily="2" charset="0"/>
-              </a:rPr>
-              <a:t>module unload </a:t>
-            </a:r>
-            <a:r>
-              <a:rPr lang="en-GB" sz="1200" b="1" dirty="0" err="1">
-                <a:solidFill>
-                  <a:srgbClr val="B200AA"/>
-                </a:solidFill>
-                <a:latin typeface="Courier-Bold" pitchFamily="2" charset="0"/>
-              </a:rPr>
-              <a:t>gcc</a:t>
-            </a:r>
-            <a:r>
-              <a:rPr lang="en-GB" sz="1200" dirty="0">
-                <a:solidFill>
-                  <a:srgbClr val="000000"/>
-                </a:solidFill>
-                <a:latin typeface="Courier" pitchFamily="2" charset="0"/>
-              </a:rPr>
-              <a:t> </a:t>
-            </a:r>
-          </a:p>
-          <a:p>
-            <a:r>
-              <a:rPr lang="en-GB" sz="1200" dirty="0">
-                <a:solidFill>
-                  <a:srgbClr val="000000"/>
-                </a:solidFill>
-                <a:latin typeface="Courier" pitchFamily="2" charset="0"/>
-              </a:rPr>
-              <a:t>module load </a:t>
-            </a:r>
-            <a:r>
-              <a:rPr lang="en-GB" sz="1200" dirty="0" err="1">
-                <a:solidFill>
-                  <a:srgbClr val="000000"/>
-                </a:solidFill>
-                <a:latin typeface="Courier" pitchFamily="2" charset="0"/>
-              </a:rPr>
-              <a:t>gcc</a:t>
-            </a:r>
-            <a:r>
-              <a:rPr lang="en-GB" sz="1200" b="1" dirty="0">
-                <a:solidFill>
-                  <a:srgbClr val="000000"/>
-                </a:solidFill>
-                <a:latin typeface="Courier-Bold" pitchFamily="2" charset="0"/>
-              </a:rPr>
-              <a:t>/</a:t>
-            </a:r>
-            <a:r>
-              <a:rPr lang="en-GB" sz="1200" dirty="0">
-                <a:solidFill>
-                  <a:srgbClr val="000000"/>
-                </a:solidFill>
-                <a:latin typeface="Courier" pitchFamily="2" charset="0"/>
-              </a:rPr>
-              <a:t>4.8.2 </a:t>
-            </a:r>
-          </a:p>
-          <a:p>
-            <a:r>
-              <a:rPr lang="en-GB" sz="1200" b="1" dirty="0">
-                <a:solidFill>
-                  <a:srgbClr val="650061"/>
-                </a:solidFill>
-                <a:latin typeface="Courier-Bold" pitchFamily="2" charset="0"/>
-              </a:rPr>
-              <a:t>export</a:t>
-            </a:r>
-            <a:r>
-              <a:rPr lang="en-GB" sz="1200" dirty="0">
-                <a:solidFill>
-                  <a:srgbClr val="000000"/>
-                </a:solidFill>
-                <a:latin typeface="Courier" pitchFamily="2" charset="0"/>
-              </a:rPr>
-              <a:t> </a:t>
-            </a:r>
-            <a:r>
-              <a:rPr lang="en-GB" sz="1200" dirty="0">
-                <a:solidFill>
-                  <a:srgbClr val="0E6801"/>
-                </a:solidFill>
-                <a:latin typeface="Courier" pitchFamily="2" charset="0"/>
-              </a:rPr>
-              <a:t>LC_ALL</a:t>
-            </a:r>
-            <a:r>
-              <a:rPr lang="en-GB" sz="1200" dirty="0">
-                <a:solidFill>
-                  <a:srgbClr val="000000"/>
-                </a:solidFill>
-                <a:latin typeface="Courier" pitchFamily="2" charset="0"/>
-              </a:rPr>
-              <a:t>=en_US.UTF-8</a:t>
-            </a:r>
-          </a:p>
-          <a:p>
-            <a:r>
-              <a:rPr lang="en-GB" sz="1200" b="1" dirty="0">
-                <a:solidFill>
-                  <a:srgbClr val="650061"/>
-                </a:solidFill>
-                <a:latin typeface="Courier-Bold" pitchFamily="2" charset="0"/>
-              </a:rPr>
-              <a:t>export</a:t>
-            </a:r>
-            <a:r>
-              <a:rPr lang="en-GB" sz="1200" dirty="0">
-                <a:solidFill>
-                  <a:srgbClr val="000000"/>
-                </a:solidFill>
-                <a:latin typeface="Courier" pitchFamily="2" charset="0"/>
-              </a:rPr>
-              <a:t> </a:t>
-            </a:r>
-            <a:r>
-              <a:rPr lang="en-GB" sz="1200" dirty="0">
-                <a:solidFill>
-                  <a:srgbClr val="0E6801"/>
-                </a:solidFill>
-                <a:latin typeface="Courier" pitchFamily="2" charset="0"/>
-              </a:rPr>
-              <a:t>FC</a:t>
-            </a:r>
-            <a:r>
-              <a:rPr lang="en-GB" sz="1200" dirty="0">
-                <a:solidFill>
-                  <a:srgbClr val="000000"/>
-                </a:solidFill>
-                <a:latin typeface="Courier" pitchFamily="2" charset="0"/>
-              </a:rPr>
-              <a:t>=</a:t>
-            </a:r>
-            <a:r>
-              <a:rPr lang="en-GB" sz="1200" dirty="0" err="1">
-                <a:solidFill>
-                  <a:srgbClr val="000000"/>
-                </a:solidFill>
-                <a:latin typeface="Courier" pitchFamily="2" charset="0"/>
-              </a:rPr>
-              <a:t>mpiifort</a:t>
-            </a:r>
-            <a:endParaRPr lang="en-GB" sz="1200" dirty="0">
-              <a:solidFill>
-                <a:srgbClr val="000000"/>
-              </a:solidFill>
-              <a:latin typeface="Courier" pitchFamily="2" charset="0"/>
-            </a:endParaRPr>
-          </a:p>
-          <a:p>
-            <a:r>
-              <a:rPr lang="en-GB" sz="1200" b="1" dirty="0">
-                <a:solidFill>
-                  <a:srgbClr val="650061"/>
-                </a:solidFill>
-                <a:latin typeface="Courier-Bold" pitchFamily="2" charset="0"/>
-              </a:rPr>
-              <a:t>export</a:t>
-            </a:r>
-            <a:r>
-              <a:rPr lang="en-GB" sz="1200" dirty="0">
-                <a:solidFill>
-                  <a:srgbClr val="000000"/>
-                </a:solidFill>
-                <a:latin typeface="Courier" pitchFamily="2" charset="0"/>
-              </a:rPr>
-              <a:t> </a:t>
-            </a:r>
-            <a:r>
-              <a:rPr lang="en-GB" sz="1200" dirty="0">
-                <a:solidFill>
-                  <a:srgbClr val="0E6801"/>
-                </a:solidFill>
-                <a:latin typeface="Courier" pitchFamily="2" charset="0"/>
-              </a:rPr>
-              <a:t>F77</a:t>
-            </a:r>
-            <a:r>
-              <a:rPr lang="en-GB" sz="1200" dirty="0">
-                <a:solidFill>
-                  <a:srgbClr val="000000"/>
-                </a:solidFill>
-                <a:latin typeface="Courier" pitchFamily="2" charset="0"/>
-              </a:rPr>
-              <a:t>=</a:t>
-            </a:r>
-            <a:r>
-              <a:rPr lang="en-GB" sz="1200" dirty="0" err="1">
-                <a:solidFill>
-                  <a:srgbClr val="000000"/>
-                </a:solidFill>
-                <a:latin typeface="Courier" pitchFamily="2" charset="0"/>
-              </a:rPr>
-              <a:t>mpiifort</a:t>
-            </a:r>
-            <a:endParaRPr lang="en-GB" sz="1200" dirty="0">
-              <a:solidFill>
-                <a:srgbClr val="000000"/>
-              </a:solidFill>
-              <a:latin typeface="Courier" pitchFamily="2" charset="0"/>
-            </a:endParaRPr>
-          </a:p>
-          <a:p>
-            <a:r>
-              <a:rPr lang="en-GB" sz="1200" b="1" dirty="0">
-                <a:solidFill>
-                  <a:srgbClr val="650061"/>
-                </a:solidFill>
-                <a:latin typeface="Courier-Bold" pitchFamily="2" charset="0"/>
-              </a:rPr>
-              <a:t>export</a:t>
-            </a:r>
-            <a:r>
-              <a:rPr lang="en-GB" sz="1200" dirty="0">
-                <a:solidFill>
-                  <a:srgbClr val="000000"/>
-                </a:solidFill>
-                <a:latin typeface="Courier" pitchFamily="2" charset="0"/>
-              </a:rPr>
-              <a:t> </a:t>
-            </a:r>
-            <a:r>
-              <a:rPr lang="en-GB" sz="1200" dirty="0">
-                <a:solidFill>
-                  <a:srgbClr val="0E6801"/>
-                </a:solidFill>
-                <a:latin typeface="Courier" pitchFamily="2" charset="0"/>
-              </a:rPr>
-              <a:t>MPIFC</a:t>
-            </a:r>
-            <a:r>
-              <a:rPr lang="en-GB" sz="1200" dirty="0">
-                <a:solidFill>
-                  <a:srgbClr val="000000"/>
-                </a:solidFill>
-                <a:latin typeface="Courier" pitchFamily="2" charset="0"/>
-              </a:rPr>
-              <a:t>=</a:t>
-            </a:r>
-            <a:r>
-              <a:rPr lang="en-GB" sz="1200" dirty="0" err="1">
-                <a:solidFill>
-                  <a:srgbClr val="000000"/>
-                </a:solidFill>
-                <a:latin typeface="Courier" pitchFamily="2" charset="0"/>
-              </a:rPr>
-              <a:t>mpiifort</a:t>
-            </a:r>
-            <a:endParaRPr lang="en-GB" sz="1200" dirty="0">
-              <a:solidFill>
-                <a:srgbClr val="000000"/>
-              </a:solidFill>
-              <a:latin typeface="Courier" pitchFamily="2" charset="0"/>
-            </a:endParaRPr>
-          </a:p>
-          <a:p>
-            <a:r>
-              <a:rPr lang="en-GB" sz="1200" b="1" dirty="0">
-                <a:solidFill>
-                  <a:srgbClr val="650061"/>
-                </a:solidFill>
-                <a:latin typeface="Courier-Bold" pitchFamily="2" charset="0"/>
-              </a:rPr>
-              <a:t>export</a:t>
-            </a:r>
-            <a:r>
-              <a:rPr lang="en-GB" sz="1200" dirty="0">
-                <a:solidFill>
-                  <a:srgbClr val="000000"/>
-                </a:solidFill>
-                <a:latin typeface="Courier" pitchFamily="2" charset="0"/>
-              </a:rPr>
-              <a:t> </a:t>
-            </a:r>
-            <a:r>
-              <a:rPr lang="en-GB" sz="1200" dirty="0">
-                <a:solidFill>
-                  <a:srgbClr val="0E6801"/>
-                </a:solidFill>
-                <a:latin typeface="Courier" pitchFamily="2" charset="0"/>
-              </a:rPr>
-              <a:t>CC</a:t>
-            </a:r>
-            <a:r>
-              <a:rPr lang="en-GB" sz="1200" dirty="0">
-                <a:solidFill>
-                  <a:srgbClr val="000000"/>
-                </a:solidFill>
-                <a:latin typeface="Courier" pitchFamily="2" charset="0"/>
-              </a:rPr>
-              <a:t>=</a:t>
-            </a:r>
-            <a:r>
-              <a:rPr lang="en-GB" sz="1200" dirty="0" err="1">
-                <a:solidFill>
-                  <a:srgbClr val="000000"/>
-                </a:solidFill>
-                <a:latin typeface="Courier" pitchFamily="2" charset="0"/>
-              </a:rPr>
-              <a:t>mpiicc</a:t>
-            </a:r>
-            <a:endParaRPr lang="en-GB" sz="1200" dirty="0">
-              <a:solidFill>
-                <a:srgbClr val="000000"/>
-              </a:solidFill>
-              <a:latin typeface="Courier" pitchFamily="2" charset="0"/>
-            </a:endParaRPr>
-          </a:p>
-          <a:p>
-            <a:r>
-              <a:rPr lang="en-GB" sz="1200" b="1" dirty="0">
-                <a:solidFill>
-                  <a:srgbClr val="650061"/>
-                </a:solidFill>
-                <a:latin typeface="Courier-Bold" pitchFamily="2" charset="0"/>
-              </a:rPr>
-              <a:t>export</a:t>
-            </a:r>
-            <a:r>
-              <a:rPr lang="en-GB" sz="1200" dirty="0">
-                <a:solidFill>
-                  <a:srgbClr val="000000"/>
-                </a:solidFill>
-                <a:latin typeface="Courier" pitchFamily="2" charset="0"/>
-              </a:rPr>
-              <a:t> </a:t>
-            </a:r>
-            <a:r>
-              <a:rPr lang="en-GB" sz="1200" dirty="0">
-                <a:solidFill>
-                  <a:srgbClr val="0E6801"/>
-                </a:solidFill>
-                <a:latin typeface="Courier" pitchFamily="2" charset="0"/>
-              </a:rPr>
-              <a:t>CXX</a:t>
-            </a:r>
-            <a:r>
-              <a:rPr lang="en-GB" sz="1200" dirty="0">
-                <a:solidFill>
-                  <a:srgbClr val="000000"/>
-                </a:solidFill>
-                <a:latin typeface="Courier" pitchFamily="2" charset="0"/>
-              </a:rPr>
-              <a:t>=</a:t>
-            </a:r>
-            <a:r>
-              <a:rPr lang="en-GB" sz="1200" dirty="0" err="1">
-                <a:solidFill>
-                  <a:srgbClr val="000000"/>
-                </a:solidFill>
-                <a:latin typeface="Courier" pitchFamily="2" charset="0"/>
-              </a:rPr>
-              <a:t>mpiicpc</a:t>
-            </a:r>
-            <a:endParaRPr lang="en-GB" sz="1200" dirty="0">
-              <a:solidFill>
-                <a:srgbClr val="000000"/>
-              </a:solidFill>
-              <a:latin typeface="Courier" pitchFamily="2" charset="0"/>
-            </a:endParaRPr>
-          </a:p>
-          <a:p>
-            <a:r>
-              <a:rPr lang="en-GB" sz="1200" b="1" dirty="0">
-                <a:solidFill>
-                  <a:srgbClr val="650061"/>
-                </a:solidFill>
-                <a:latin typeface="Courier-Bold" pitchFamily="2" charset="0"/>
-              </a:rPr>
-              <a:t>export</a:t>
-            </a:r>
-            <a:r>
-              <a:rPr lang="en-GB" sz="1200" dirty="0">
-                <a:solidFill>
-                  <a:srgbClr val="000000"/>
-                </a:solidFill>
-                <a:latin typeface="Courier" pitchFamily="2" charset="0"/>
-              </a:rPr>
-              <a:t> </a:t>
-            </a:r>
-            <a:r>
-              <a:rPr lang="en-GB" sz="1200" dirty="0">
-                <a:solidFill>
-                  <a:srgbClr val="0E6801"/>
-                </a:solidFill>
-                <a:latin typeface="Courier" pitchFamily="2" charset="0"/>
-              </a:rPr>
-              <a:t>MPIROOT</a:t>
-            </a:r>
-            <a:r>
-              <a:rPr lang="en-GB" sz="1200" dirty="0">
-                <a:solidFill>
-                  <a:srgbClr val="000000"/>
-                </a:solidFill>
-                <a:latin typeface="Courier" pitchFamily="2" charset="0"/>
-              </a:rPr>
-              <a:t>=</a:t>
-            </a:r>
-            <a:r>
-              <a:rPr lang="en-GB" sz="1200" dirty="0">
-                <a:solidFill>
-                  <a:srgbClr val="FB0007"/>
-                </a:solidFill>
-                <a:latin typeface="Courier" pitchFamily="2" charset="0"/>
-              </a:rPr>
-              <a:t>"</a:t>
-            </a:r>
-            <a:r>
-              <a:rPr lang="en-GB" sz="1200" dirty="0">
-                <a:solidFill>
-                  <a:srgbClr val="0E6801"/>
-                </a:solidFill>
-                <a:latin typeface="Courier" pitchFamily="2" charset="0"/>
-              </a:rPr>
-              <a:t>$(</a:t>
-            </a:r>
-            <a:r>
-              <a:rPr lang="en-GB" sz="1200" dirty="0" err="1">
-                <a:solidFill>
-                  <a:srgbClr val="0E6801"/>
-                </a:solidFill>
-                <a:latin typeface="Courier" pitchFamily="2" charset="0"/>
-              </a:rPr>
-              <a:t>mpiifort</a:t>
-            </a:r>
-            <a:r>
-              <a:rPr lang="en-GB" sz="1200" dirty="0">
-                <a:solidFill>
-                  <a:srgbClr val="0E6801"/>
-                </a:solidFill>
-                <a:latin typeface="Courier" pitchFamily="2" charset="0"/>
-              </a:rPr>
-              <a:t> -show | </a:t>
-            </a:r>
-            <a:r>
-              <a:rPr lang="en-GB" sz="1200" dirty="0" err="1">
-                <a:solidFill>
-                  <a:srgbClr val="0E6801"/>
-                </a:solidFill>
-                <a:latin typeface="Courier" pitchFamily="2" charset="0"/>
-              </a:rPr>
-              <a:t>perl</a:t>
-            </a:r>
-            <a:r>
-              <a:rPr lang="en-GB" sz="1200" dirty="0">
-                <a:solidFill>
-                  <a:srgbClr val="0E6801"/>
-                </a:solidFill>
-                <a:latin typeface="Courier" pitchFamily="2" charset="0"/>
-              </a:rPr>
-              <a:t> -</a:t>
-            </a:r>
-            <a:r>
-              <a:rPr lang="en-GB" sz="1200" dirty="0" err="1">
-                <a:solidFill>
-                  <a:srgbClr val="0E6801"/>
-                </a:solidFill>
-                <a:latin typeface="Courier" pitchFamily="2" charset="0"/>
-              </a:rPr>
-              <a:t>lne</a:t>
-            </a:r>
-            <a:r>
-              <a:rPr lang="en-GB" sz="1200" dirty="0">
-                <a:solidFill>
-                  <a:srgbClr val="0E6801"/>
-                </a:solidFill>
-                <a:latin typeface="Courier" pitchFamily="2" charset="0"/>
-              </a:rPr>
-              <a:t> 'm{ -I(.*?)</a:t>
-            </a:r>
-            <a:r>
-              <a:rPr lang="en-GB" sz="1200" dirty="0">
-                <a:solidFill>
-                  <a:srgbClr val="FB0007"/>
-                </a:solidFill>
-                <a:latin typeface="Courier" pitchFamily="2" charset="0"/>
-              </a:rPr>
-              <a:t>/include } and print $1’)”</a:t>
-            </a:r>
-          </a:p>
-          <a:p>
-            <a:r>
-              <a:rPr lang="en-GB" sz="1200" dirty="0">
-                <a:solidFill>
-                  <a:srgbClr val="000000"/>
-                </a:solidFill>
-                <a:latin typeface="Courier" pitchFamily="2" charset="0"/>
-              </a:rPr>
-              <a:t>... </a:t>
-            </a:r>
-          </a:p>
-          <a:p>
-            <a:r>
-              <a:rPr lang="en-GB" sz="1200" b="1" dirty="0">
-                <a:solidFill>
-                  <a:srgbClr val="650061"/>
-                </a:solidFill>
-                <a:latin typeface="Courier-Bold" pitchFamily="2" charset="0"/>
-              </a:rPr>
-              <a:t>cd</a:t>
-            </a:r>
-            <a:r>
-              <a:rPr lang="en-GB" sz="1200" dirty="0">
-                <a:solidFill>
-                  <a:srgbClr val="000000"/>
-                </a:solidFill>
-                <a:latin typeface="Courier" pitchFamily="2" charset="0"/>
-              </a:rPr>
-              <a:t> fesom-2.1</a:t>
-            </a:r>
-          </a:p>
-          <a:p>
-            <a:r>
-              <a:rPr lang="en-GB" sz="1200" b="1" dirty="0" err="1">
-                <a:solidFill>
-                  <a:srgbClr val="B200AA"/>
-                </a:solidFill>
-                <a:latin typeface="Courier-Bold" pitchFamily="2" charset="0"/>
-              </a:rPr>
-              <a:t>mkdir</a:t>
-            </a:r>
-            <a:r>
-              <a:rPr lang="en-GB" sz="1200" dirty="0">
-                <a:solidFill>
-                  <a:srgbClr val="000000"/>
-                </a:solidFill>
-                <a:latin typeface="Courier" pitchFamily="2" charset="0"/>
-              </a:rPr>
-              <a:t> </a:t>
-            </a:r>
-            <a:r>
-              <a:rPr lang="en-GB" sz="1200" dirty="0">
-                <a:solidFill>
-                  <a:srgbClr val="520026"/>
-                </a:solidFill>
-                <a:latin typeface="Courier" pitchFamily="2" charset="0"/>
-              </a:rPr>
-              <a:t>-p</a:t>
-            </a:r>
-            <a:r>
-              <a:rPr lang="en-GB" sz="1200" dirty="0">
-                <a:solidFill>
-                  <a:srgbClr val="000000"/>
-                </a:solidFill>
-                <a:latin typeface="Courier" pitchFamily="2" charset="0"/>
-              </a:rPr>
-              <a:t> build; </a:t>
-            </a:r>
-            <a:r>
-              <a:rPr lang="en-GB" sz="1200" b="1" dirty="0">
-                <a:solidFill>
-                  <a:srgbClr val="650061"/>
-                </a:solidFill>
-                <a:latin typeface="Courier-Bold" pitchFamily="2" charset="0"/>
-              </a:rPr>
-              <a:t>cd</a:t>
-            </a:r>
-            <a:r>
-              <a:rPr lang="en-GB" sz="1200" dirty="0">
-                <a:solidFill>
-                  <a:srgbClr val="000000"/>
-                </a:solidFill>
-                <a:latin typeface="Courier" pitchFamily="2" charset="0"/>
-              </a:rPr>
-              <a:t> build; </a:t>
-            </a:r>
-            <a:r>
-              <a:rPr lang="en-GB" sz="1200" dirty="0" err="1">
-                <a:solidFill>
-                  <a:srgbClr val="000000"/>
-                </a:solidFill>
-                <a:latin typeface="Courier" pitchFamily="2" charset="0"/>
-              </a:rPr>
-              <a:t>cmake</a:t>
-            </a:r>
-            <a:r>
-              <a:rPr lang="en-GB" sz="1200" dirty="0">
-                <a:solidFill>
-                  <a:srgbClr val="000000"/>
-                </a:solidFill>
-                <a:latin typeface="Courier" pitchFamily="2" charset="0"/>
-              </a:rPr>
-              <a:t> -DFESOM_COUPLED=ON ..; </a:t>
-            </a:r>
-            <a:r>
-              <a:rPr lang="en-GB" sz="1200" b="1" dirty="0">
-                <a:solidFill>
-                  <a:srgbClr val="B200AA"/>
-                </a:solidFill>
-                <a:latin typeface="Courier-Bold" pitchFamily="2" charset="0"/>
-              </a:rPr>
-              <a:t>make</a:t>
-            </a:r>
-            <a:r>
-              <a:rPr lang="en-GB" sz="1200" dirty="0">
-                <a:solidFill>
-                  <a:srgbClr val="000000"/>
-                </a:solidFill>
-                <a:latin typeface="Courier" pitchFamily="2" charset="0"/>
-              </a:rPr>
-              <a:t> </a:t>
-            </a:r>
-            <a:r>
-              <a:rPr lang="en-GB" sz="1200" b="1" dirty="0">
-                <a:solidFill>
-                  <a:srgbClr val="B200AA"/>
-                </a:solidFill>
-                <a:latin typeface="Courier-Bold" pitchFamily="2" charset="0"/>
-              </a:rPr>
-              <a:t>install</a:t>
-            </a:r>
-            <a:r>
-              <a:rPr lang="en-GB" sz="1200" dirty="0">
-                <a:solidFill>
-                  <a:srgbClr val="000000"/>
-                </a:solidFill>
-                <a:latin typeface="Courier" pitchFamily="2" charset="0"/>
-              </a:rPr>
-              <a:t> </a:t>
-            </a:r>
-            <a:r>
-              <a:rPr lang="en-GB" sz="1200" dirty="0">
-                <a:solidFill>
-                  <a:srgbClr val="520026"/>
-                </a:solidFill>
-                <a:latin typeface="Courier" pitchFamily="2" charset="0"/>
-              </a:rPr>
-              <a:t>-j</a:t>
-            </a:r>
-            <a:r>
-              <a:rPr lang="en-GB" sz="1200" dirty="0">
-                <a:solidFill>
-                  <a:srgbClr val="000000"/>
-                </a:solidFill>
-                <a:latin typeface="Courier" pitchFamily="2" charset="0"/>
-              </a:rPr>
-              <a:t> </a:t>
-            </a:r>
-            <a:r>
-              <a:rPr lang="en-GB" sz="1200" b="1" dirty="0">
-                <a:solidFill>
-                  <a:srgbClr val="000000"/>
-                </a:solidFill>
-                <a:latin typeface="Courier-Bold" pitchFamily="2" charset="0"/>
-              </a:rPr>
-              <a:t>`</a:t>
-            </a:r>
-            <a:r>
-              <a:rPr lang="en-GB" sz="1200" dirty="0" err="1">
-                <a:solidFill>
-                  <a:srgbClr val="000000"/>
-                </a:solidFill>
-                <a:latin typeface="Courier" pitchFamily="2" charset="0"/>
-              </a:rPr>
-              <a:t>nproc</a:t>
-            </a:r>
-            <a:r>
-              <a:rPr lang="en-GB" sz="1200" dirty="0">
-                <a:solidFill>
-                  <a:srgbClr val="000000"/>
-                </a:solidFill>
-                <a:latin typeface="Courier" pitchFamily="2" charset="0"/>
-              </a:rPr>
-              <a:t> --all</a:t>
-            </a:r>
-            <a:r>
-              <a:rPr lang="en-GB" sz="1200" b="1" dirty="0">
-                <a:solidFill>
-                  <a:srgbClr val="000000"/>
-                </a:solidFill>
-                <a:latin typeface="Courier-Bold" pitchFamily="2" charset="0"/>
-              </a:rPr>
-              <a:t>`</a:t>
-            </a:r>
-          </a:p>
-          <a:p>
-            <a:r>
-              <a:rPr lang="en-GB" sz="1200" b="1" dirty="0">
-                <a:solidFill>
-                  <a:srgbClr val="650061"/>
-                </a:solidFill>
-                <a:latin typeface="Courier-Bold" pitchFamily="2" charset="0"/>
-              </a:rPr>
-              <a:t>cd</a:t>
-            </a:r>
-            <a:r>
-              <a:rPr lang="en-GB" sz="1200" dirty="0">
-                <a:solidFill>
-                  <a:srgbClr val="000000"/>
-                </a:solidFill>
-                <a:latin typeface="Courier" pitchFamily="2" charset="0"/>
-              </a:rPr>
-              <a:t> .. </a:t>
-            </a:r>
-            <a:endParaRPr lang="en-GB" sz="1200" dirty="0"/>
+            <a:r>
+              <a:rPr lang="tr-TR" sz="3600" b="1">
+                <a:solidFill>
+                  <a:srgbClr val="00ACE6"/>
+                </a:solidFill>
+              </a:rPr>
+              <a:t>4</a:t>
+            </a:r>
           </a:p>
         </p:txBody>
       </p:sp>
     </p:spTree>
     <p:extLst>
       <p:ext uri="{BB962C8B-B14F-4D97-AF65-F5344CB8AC3E}">
-        <p14:creationId xmlns:p14="http://schemas.microsoft.com/office/powerpoint/2010/main" val="2602471620"/>
+        <p14:creationId xmlns:p14="http://schemas.microsoft.com/office/powerpoint/2010/main" val="2496045919"/>
       </p:ext>
     </p:extLst>
   </p:cSld>
@@ -10311,7 +12429,7 @@
           <a:p>
             <a:r>
               <a:rPr lang="en-GB" sz="4800" b="1" dirty="0"/>
-              <a:t>Terminology –*.run files</a:t>
+              <a:t>      Terminology – compilation scripts</a:t>
             </a:r>
           </a:p>
         </p:txBody>
@@ -10324,8 +12442,8 @@
         </p:nvSpPr>
         <p:spPr>
           <a:xfrm rot="5400000">
-            <a:off x="348693" y="1536407"/>
-            <a:ext cx="457812" cy="394666"/>
+            <a:off x="352062" y="1593637"/>
+            <a:ext cx="326888" cy="280205"/>
           </a:xfrm>
           <a:prstGeom prst="triangle">
             <a:avLst/>
@@ -10370,8 +12488,8 @@
         </p:nvSpPr>
         <p:spPr>
           <a:xfrm>
-            <a:off x="1061012" y="1467813"/>
-            <a:ext cx="4710733" cy="1200329"/>
+            <a:off x="799755" y="1467813"/>
+            <a:ext cx="4451267" cy="4247317"/>
           </a:xfrm>
           <a:prstGeom prst="rect">
             <a:avLst/>
@@ -10383,6 +12501,204 @@
             <a:spAutoFit/>
           </a:bodyPr>
           <a:lstStyle/>
+          <a:p>
+            <a:pPr algn="just"/>
+            <a:r>
+              <a:rPr lang="en-GB" dirty="0"/>
+              <a:t>For each component that</a:t>
+            </a:r>
+            <a:r>
+              <a:rPr lang="tr-TR" dirty="0"/>
+              <a:t> </a:t>
+            </a:r>
+            <a:r>
+              <a:rPr lang="en-GB" b="1" dirty="0" err="1">
+                <a:solidFill>
+                  <a:srgbClr val="ED7D31"/>
+                </a:solidFill>
+              </a:rPr>
+              <a:t>esm_master</a:t>
+            </a:r>
+            <a:r>
+              <a:rPr lang="en-GB" b="1" dirty="0">
+                <a:solidFill>
+                  <a:srgbClr val="ED7D31"/>
+                </a:solidFill>
+              </a:rPr>
+              <a:t> </a:t>
+            </a:r>
+            <a:r>
+              <a:rPr lang="en-GB" dirty="0"/>
+              <a:t>builds, it produces a</a:t>
+            </a:r>
+            <a:r>
+              <a:rPr lang="tr-TR" dirty="0"/>
+              <a:t> </a:t>
+            </a:r>
+            <a:r>
+              <a:rPr lang="en-GB" dirty="0"/>
+              <a:t>compilation script </a:t>
+            </a:r>
+            <a:r>
+              <a:rPr lang="en-GB" b="1" dirty="0">
+                <a:solidFill>
+                  <a:schemeClr val="accent2"/>
+                </a:solidFill>
+              </a:rPr>
+              <a:t>comp-*.</a:t>
+            </a:r>
+            <a:r>
+              <a:rPr lang="en-GB" b="1" dirty="0" err="1">
+                <a:solidFill>
+                  <a:schemeClr val="accent2"/>
+                </a:solidFill>
+              </a:rPr>
+              <a:t>sh</a:t>
+            </a:r>
+            <a:r>
+              <a:rPr lang="en-GB" b="1" dirty="0"/>
+              <a:t> </a:t>
+            </a:r>
+            <a:r>
+              <a:rPr lang="en-GB" dirty="0"/>
+              <a:t> that</a:t>
+            </a:r>
+            <a:r>
+              <a:rPr lang="tr-TR" dirty="0"/>
+              <a:t> </a:t>
+            </a:r>
+            <a:r>
+              <a:rPr lang="en-GB" dirty="0"/>
+              <a:t>includes the environment specified</a:t>
+            </a:r>
+            <a:r>
+              <a:rPr lang="tr-TR" dirty="0"/>
+              <a:t> </a:t>
+            </a:r>
+            <a:r>
+              <a:rPr lang="en-GB" dirty="0"/>
+              <a:t>in the configuration file</a:t>
+            </a:r>
+            <a:r>
+              <a:rPr lang="tr-TR" dirty="0"/>
+              <a:t>s (</a:t>
+            </a:r>
+            <a:r>
+              <a:rPr lang="en-GB" dirty="0">
+                <a:solidFill>
+                  <a:schemeClr val="accent2"/>
+                </a:solidFill>
+              </a:rPr>
+              <a:t>machine</a:t>
+            </a:r>
+            <a:r>
+              <a:rPr lang="tr-TR" dirty="0">
+                <a:solidFill>
+                  <a:schemeClr val="accent2"/>
+                </a:solidFill>
+              </a:rPr>
+              <a:t> </a:t>
+            </a:r>
+            <a:r>
+              <a:rPr lang="en-GB" dirty="0"/>
+              <a:t>+ </a:t>
+            </a:r>
+            <a:r>
+              <a:rPr lang="en-GB" dirty="0">
+                <a:solidFill>
+                  <a:schemeClr val="accent2"/>
+                </a:solidFill>
+              </a:rPr>
+              <a:t>components</a:t>
+            </a:r>
+            <a:r>
+              <a:rPr lang="tr-TR" dirty="0"/>
+              <a:t> </a:t>
+            </a:r>
+            <a:r>
+              <a:rPr lang="en-GB" dirty="0"/>
+              <a:t>+ </a:t>
+            </a:r>
+            <a:r>
+              <a:rPr lang="en-GB" dirty="0">
+                <a:solidFill>
+                  <a:schemeClr val="accent2"/>
+                </a:solidFill>
+              </a:rPr>
+              <a:t>setups</a:t>
+            </a:r>
+            <a:r>
+              <a:rPr lang="en-GB" dirty="0"/>
+              <a:t>) files</a:t>
+            </a:r>
+            <a:r>
+              <a:rPr lang="tr-TR" dirty="0"/>
+              <a:t> </a:t>
+            </a:r>
+            <a:r>
+              <a:rPr lang="en-GB" dirty="0"/>
+              <a:t>involved</a:t>
+            </a:r>
+          </a:p>
+          <a:p>
+            <a:pPr algn="just"/>
+            <a:endParaRPr lang="en-GB" b="1" dirty="0">
+              <a:solidFill>
+                <a:srgbClr val="ED7D31"/>
+              </a:solidFill>
+            </a:endParaRPr>
+          </a:p>
+          <a:p>
+            <a:pPr algn="just"/>
+            <a:r>
+              <a:rPr lang="en-GB" dirty="0"/>
+              <a:t>Written in the same directory where</a:t>
+            </a:r>
+            <a:r>
+              <a:rPr lang="tr-TR" dirty="0"/>
+              <a:t> </a:t>
+            </a:r>
+            <a:r>
+              <a:rPr lang="en-GB" dirty="0"/>
+              <a:t>you execute </a:t>
+            </a:r>
+            <a:r>
+              <a:rPr lang="en-GB" b="1" dirty="0" err="1">
+                <a:solidFill>
+                  <a:srgbClr val="ED7D31"/>
+                </a:solidFill>
+              </a:rPr>
+              <a:t>esm_master</a:t>
+            </a:r>
+            <a:endParaRPr lang="en-GB" b="1" dirty="0">
+              <a:solidFill>
+                <a:srgbClr val="ED7D31"/>
+              </a:solidFill>
+            </a:endParaRPr>
+          </a:p>
+          <a:p>
+            <a:pPr algn="just"/>
+            <a:endParaRPr lang="en-GB" dirty="0"/>
+          </a:p>
+          <a:p>
+            <a:pPr algn="just"/>
+            <a:r>
+              <a:rPr lang="en-GB" dirty="0"/>
+              <a:t>Copied to the compilation folder</a:t>
+            </a:r>
+            <a:r>
+              <a:rPr lang="tr-TR" dirty="0"/>
+              <a:t> a</a:t>
+            </a:r>
+            <a:r>
+              <a:rPr lang="en-GB" dirty="0" err="1"/>
+              <a:t>fter</a:t>
+            </a:r>
+            <a:r>
+              <a:rPr lang="en-GB" dirty="0"/>
+              <a:t> the building finishes</a:t>
+            </a:r>
+          </a:p>
           <a:p>
             <a:endParaRPr lang="en-GB" sz="2400" b="1" dirty="0">
               <a:solidFill>
@@ -10412,8 +12728,8 @@
         </p:nvSpPr>
         <p:spPr>
           <a:xfrm rot="5400000">
-            <a:off x="348693" y="4456741"/>
-            <a:ext cx="457812" cy="394666"/>
+            <a:off x="352062" y="3219521"/>
+            <a:ext cx="326888" cy="280205"/>
           </a:xfrm>
           <a:prstGeom prst="triangle">
             <a:avLst/>
@@ -10464,8 +12780,8 @@
         </p:nvSpPr>
         <p:spPr>
           <a:xfrm rot="5400000">
-            <a:off x="343830" y="5562021"/>
-            <a:ext cx="457812" cy="394666"/>
+            <a:off x="352061" y="4035542"/>
+            <a:ext cx="326888" cy="280205"/>
           </a:xfrm>
           <a:prstGeom prst="triangle">
             <a:avLst/>
@@ -10516,19 +12832,19 @@
         </p:nvSpPr>
         <p:spPr>
           <a:xfrm>
-            <a:off x="5771745" y="1390740"/>
-            <a:ext cx="7963711" cy="276999"/>
+            <a:off x="5395168" y="1467813"/>
+            <a:ext cx="6718158" cy="5001369"/>
           </a:xfrm>
           <a:prstGeom prst="rect">
             <a:avLst/>
           </a:prstGeom>
           <a:solidFill>
-            <a:schemeClr val="bg1"/>
+            <a:schemeClr val="bg1">
+              <a:lumMod val="95000"/>
+            </a:schemeClr>
           </a:solidFill>
           <a:ln w="12700">
-            <a:solidFill>
-              <a:schemeClr val="tx1"/>
-            </a:solidFill>
+            <a:noFill/>
           </a:ln>
         </p:spPr>
         <p:txBody>
@@ -10537,14 +12853,1311 @@
           </a:bodyPr>
           <a:lstStyle/>
           <a:p>
-            <a:endParaRPr lang="en-GB" sz="1200" dirty="0"/>
+            <a:r>
+              <a:rPr lang="en-GB" sz="1100" i="1" dirty="0">
+                <a:solidFill>
+                  <a:srgbClr val="535353"/>
+                </a:solidFill>
+                <a:latin typeface="Consolas" panose="020B0609020204030204" pitchFamily="49" charset="0"/>
+              </a:rPr>
+              <a:t>#!/bin/bash –l</a:t>
+            </a:r>
+          </a:p>
+          <a:p>
+            <a:r>
+              <a:rPr lang="en-GB" sz="1100" i="1" dirty="0">
+                <a:solidFill>
+                  <a:srgbClr val="535353"/>
+                </a:solidFill>
+                <a:latin typeface="Consolas" panose="020B0609020204030204" pitchFamily="49" charset="0"/>
+              </a:rPr>
+              <a:t># Dummy script generated by </a:t>
+            </a:r>
+            <a:r>
+              <a:rPr lang="en-GB" sz="1100" i="1" dirty="0" err="1">
+                <a:solidFill>
+                  <a:srgbClr val="535353"/>
+                </a:solidFill>
+                <a:latin typeface="Consolas" panose="020B0609020204030204" pitchFamily="49" charset="0"/>
+              </a:rPr>
+              <a:t>esm</a:t>
+            </a:r>
+            <a:r>
+              <a:rPr lang="en-GB" sz="1100" i="1" dirty="0">
+                <a:solidFill>
+                  <a:srgbClr val="535353"/>
+                </a:solidFill>
+                <a:latin typeface="Consolas" panose="020B0609020204030204" pitchFamily="49" charset="0"/>
+              </a:rPr>
+              <a:t>-tools, to be removed later:</a:t>
+            </a:r>
+          </a:p>
+          <a:p>
+            <a:r>
+              <a:rPr lang="en-GB" sz="1100" b="1" dirty="0">
+                <a:solidFill>
+                  <a:srgbClr val="000000"/>
+                </a:solidFill>
+                <a:latin typeface="Consolas" panose="020B0609020204030204" pitchFamily="49" charset="0"/>
+              </a:rPr>
+              <a:t>set</a:t>
+            </a:r>
+            <a:r>
+              <a:rPr lang="en-GB" sz="1100" dirty="0">
+                <a:solidFill>
+                  <a:srgbClr val="000000"/>
+                </a:solidFill>
+                <a:latin typeface="Consolas" panose="020B0609020204030204" pitchFamily="49" charset="0"/>
+              </a:rPr>
+              <a:t> </a:t>
+            </a:r>
+            <a:r>
+              <a:rPr lang="en-GB" sz="1100" dirty="0">
+                <a:solidFill>
+                  <a:srgbClr val="520026"/>
+                </a:solidFill>
+                <a:latin typeface="Consolas" panose="020B0609020204030204" pitchFamily="49" charset="0"/>
+              </a:rPr>
+              <a:t>–e</a:t>
+            </a:r>
+          </a:p>
+          <a:p>
+            <a:r>
+              <a:rPr lang="en-GB" sz="1100" dirty="0">
+                <a:solidFill>
+                  <a:srgbClr val="000000"/>
+                </a:solidFill>
+                <a:latin typeface="Consolas" panose="020B0609020204030204" pitchFamily="49" charset="0"/>
+              </a:rPr>
+              <a:t>module purge</a:t>
+            </a:r>
+          </a:p>
+          <a:p>
+            <a:r>
+              <a:rPr lang="en-GB" sz="1100" dirty="0">
+                <a:solidFill>
+                  <a:srgbClr val="000000"/>
+                </a:solidFill>
+                <a:latin typeface="Consolas" panose="020B0609020204030204" pitchFamily="49" charset="0"/>
+              </a:rPr>
+              <a:t>module unload </a:t>
+            </a:r>
+            <a:r>
+              <a:rPr lang="en-GB" sz="1100" dirty="0" err="1">
+                <a:solidFill>
+                  <a:srgbClr val="000000"/>
+                </a:solidFill>
+                <a:latin typeface="Consolas" panose="020B0609020204030204" pitchFamily="49" charset="0"/>
+              </a:rPr>
+              <a:t>netcdf_c</a:t>
+            </a:r>
+            <a:endParaRPr lang="en-GB" sz="1100" dirty="0">
+              <a:solidFill>
+                <a:srgbClr val="000000"/>
+              </a:solidFill>
+              <a:latin typeface="Consolas" panose="020B0609020204030204" pitchFamily="49" charset="0"/>
+            </a:endParaRPr>
+          </a:p>
+          <a:p>
+            <a:r>
+              <a:rPr lang="en-GB" sz="1100" dirty="0">
+                <a:solidFill>
+                  <a:srgbClr val="000000"/>
+                </a:solidFill>
+                <a:latin typeface="Consolas" panose="020B0609020204030204" pitchFamily="49" charset="0"/>
+              </a:rPr>
+              <a:t>module unload intel </a:t>
+            </a:r>
+            <a:r>
+              <a:rPr lang="en-GB" sz="1100" dirty="0" err="1">
+                <a:solidFill>
+                  <a:srgbClr val="000000"/>
+                </a:solidFill>
+                <a:latin typeface="Consolas" panose="020B0609020204030204" pitchFamily="49" charset="0"/>
+              </a:rPr>
+              <a:t>intelmpi</a:t>
+            </a:r>
+            <a:endParaRPr lang="en-GB" sz="1100" dirty="0">
+              <a:solidFill>
+                <a:srgbClr val="000000"/>
+              </a:solidFill>
+              <a:latin typeface="Consolas" panose="020B0609020204030204" pitchFamily="49" charset="0"/>
+            </a:endParaRPr>
+          </a:p>
+          <a:p>
+            <a:r>
+              <a:rPr lang="en-GB" sz="1100" dirty="0">
+                <a:solidFill>
+                  <a:srgbClr val="000000"/>
+                </a:solidFill>
+                <a:latin typeface="Consolas" panose="020B0609020204030204" pitchFamily="49" charset="0"/>
+              </a:rPr>
+              <a:t>module load python3</a:t>
+            </a:r>
+            <a:r>
+              <a:rPr lang="en-GB" sz="1100" b="1" dirty="0">
+                <a:solidFill>
+                  <a:srgbClr val="000000"/>
+                </a:solidFill>
+                <a:latin typeface="Consolas" panose="020B0609020204030204" pitchFamily="49" charset="0"/>
+              </a:rPr>
+              <a:t>/</a:t>
+            </a:r>
+            <a:r>
+              <a:rPr lang="en-GB" sz="1100" dirty="0">
+                <a:solidFill>
+                  <a:srgbClr val="000000"/>
+                </a:solidFill>
+                <a:latin typeface="Consolas" panose="020B0609020204030204" pitchFamily="49" charset="0"/>
+              </a:rPr>
+              <a:t>2021.01-gcc-9.1.0</a:t>
+            </a:r>
+          </a:p>
+          <a:p>
+            <a:r>
+              <a:rPr lang="en-GB" sz="1100" dirty="0">
+                <a:solidFill>
+                  <a:srgbClr val="000000"/>
+                </a:solidFill>
+                <a:latin typeface="Consolas" panose="020B0609020204030204" pitchFamily="49" charset="0"/>
+              </a:rPr>
+              <a:t>module load </a:t>
+            </a:r>
+            <a:r>
+              <a:rPr lang="en-GB" sz="1100" dirty="0" err="1">
+                <a:solidFill>
+                  <a:srgbClr val="000000"/>
+                </a:solidFill>
+                <a:latin typeface="Consolas" panose="020B0609020204030204" pitchFamily="49" charset="0"/>
+              </a:rPr>
+              <a:t>cmake</a:t>
+            </a:r>
+            <a:r>
+              <a:rPr lang="en-GB" sz="1100" b="1" dirty="0">
+                <a:solidFill>
+                  <a:srgbClr val="000000"/>
+                </a:solidFill>
+                <a:latin typeface="Consolas" panose="020B0609020204030204" pitchFamily="49" charset="0"/>
+              </a:rPr>
+              <a:t>/</a:t>
+            </a:r>
+            <a:r>
+              <a:rPr lang="en-GB" sz="1100" dirty="0">
+                <a:solidFill>
+                  <a:srgbClr val="000000"/>
+                </a:solidFill>
+                <a:latin typeface="Consolas" panose="020B0609020204030204" pitchFamily="49" charset="0"/>
+              </a:rPr>
+              <a:t>3.13.3</a:t>
+            </a:r>
+          </a:p>
+          <a:p>
+            <a:r>
+              <a:rPr lang="en-GB" sz="1100" dirty="0">
+                <a:solidFill>
+                  <a:srgbClr val="000000"/>
+                </a:solidFill>
+                <a:latin typeface="Consolas" panose="020B0609020204030204" pitchFamily="49" charset="0"/>
+              </a:rPr>
+              <a:t>module load </a:t>
+            </a:r>
+            <a:r>
+              <a:rPr lang="en-GB" sz="1100" dirty="0" err="1">
+                <a:solidFill>
+                  <a:srgbClr val="000000"/>
+                </a:solidFill>
+                <a:latin typeface="Consolas" panose="020B0609020204030204" pitchFamily="49" charset="0"/>
+              </a:rPr>
+              <a:t>autoconf</a:t>
+            </a:r>
+            <a:r>
+              <a:rPr lang="en-GB" sz="1100" b="1" dirty="0">
+                <a:solidFill>
+                  <a:srgbClr val="000000"/>
+                </a:solidFill>
+                <a:latin typeface="Consolas" panose="020B0609020204030204" pitchFamily="49" charset="0"/>
+              </a:rPr>
+              <a:t>/</a:t>
+            </a:r>
+            <a:r>
+              <a:rPr lang="en-GB" sz="1100" dirty="0">
+                <a:solidFill>
+                  <a:srgbClr val="000000"/>
+                </a:solidFill>
+                <a:latin typeface="Consolas" panose="020B0609020204030204" pitchFamily="49" charset="0"/>
+              </a:rPr>
+              <a:t>2.69</a:t>
+            </a:r>
+          </a:p>
+          <a:p>
+            <a:r>
+              <a:rPr lang="en-GB" sz="1100" dirty="0">
+                <a:solidFill>
+                  <a:srgbClr val="000000"/>
+                </a:solidFill>
+                <a:latin typeface="Consolas" panose="020B0609020204030204" pitchFamily="49" charset="0"/>
+              </a:rPr>
+              <a:t>module load </a:t>
+            </a:r>
+            <a:r>
+              <a:rPr lang="en-GB" sz="1100" dirty="0" err="1">
+                <a:solidFill>
+                  <a:srgbClr val="000000"/>
+                </a:solidFill>
+                <a:latin typeface="Consolas" panose="020B0609020204030204" pitchFamily="49" charset="0"/>
+              </a:rPr>
+              <a:t>nco</a:t>
+            </a:r>
+            <a:r>
+              <a:rPr lang="en-GB" sz="1100" dirty="0">
+                <a:solidFill>
+                  <a:srgbClr val="000000"/>
+                </a:solidFill>
+                <a:latin typeface="Consolas" panose="020B0609020204030204" pitchFamily="49" charset="0"/>
+              </a:rPr>
+              <a:t> </a:t>
+            </a:r>
+          </a:p>
+          <a:p>
+            <a:r>
+              <a:rPr lang="en-GB" sz="1100" dirty="0">
+                <a:solidFill>
+                  <a:srgbClr val="000000"/>
+                </a:solidFill>
+                <a:latin typeface="Consolas" panose="020B0609020204030204" pitchFamily="49" charset="0"/>
+              </a:rPr>
+              <a:t>module load </a:t>
+            </a:r>
+            <a:r>
+              <a:rPr lang="en-GB" sz="1100" dirty="0" err="1">
+                <a:solidFill>
+                  <a:srgbClr val="000000"/>
+                </a:solidFill>
+                <a:latin typeface="Consolas" panose="020B0609020204030204" pitchFamily="49" charset="0"/>
+              </a:rPr>
+              <a:t>cdo</a:t>
+            </a:r>
+            <a:r>
+              <a:rPr lang="en-GB" sz="1100" dirty="0">
+                <a:solidFill>
+                  <a:srgbClr val="000000"/>
+                </a:solidFill>
+                <a:latin typeface="Consolas" panose="020B0609020204030204" pitchFamily="49" charset="0"/>
+              </a:rPr>
+              <a:t> </a:t>
+            </a:r>
+          </a:p>
+          <a:p>
+            <a:r>
+              <a:rPr lang="en-GB" sz="1100" dirty="0">
+                <a:solidFill>
+                  <a:srgbClr val="000000"/>
+                </a:solidFill>
+                <a:latin typeface="Consolas" panose="020B0609020204030204" pitchFamily="49" charset="0"/>
+              </a:rPr>
+              <a:t>module load </a:t>
+            </a:r>
+            <a:r>
+              <a:rPr lang="en-GB" sz="1100" dirty="0" err="1">
+                <a:solidFill>
+                  <a:srgbClr val="000000"/>
+                </a:solidFill>
+                <a:latin typeface="Consolas" panose="020B0609020204030204" pitchFamily="49" charset="0"/>
+              </a:rPr>
+              <a:t>gcc</a:t>
+            </a:r>
+            <a:r>
+              <a:rPr lang="en-GB" sz="1100" b="1" dirty="0">
+                <a:solidFill>
+                  <a:srgbClr val="000000"/>
+                </a:solidFill>
+                <a:latin typeface="Consolas" panose="020B0609020204030204" pitchFamily="49" charset="0"/>
+              </a:rPr>
+              <a:t>/</a:t>
+            </a:r>
+            <a:r>
+              <a:rPr lang="en-GB" sz="1100" dirty="0">
+                <a:solidFill>
+                  <a:srgbClr val="000000"/>
+                </a:solidFill>
+                <a:latin typeface="Consolas" panose="020B0609020204030204" pitchFamily="49" charset="0"/>
+              </a:rPr>
+              <a:t>4.8.2</a:t>
+            </a:r>
+          </a:p>
+          <a:p>
+            <a:r>
+              <a:rPr lang="en-GB" sz="1100" dirty="0">
+                <a:solidFill>
+                  <a:srgbClr val="000000"/>
+                </a:solidFill>
+                <a:latin typeface="Consolas" panose="020B0609020204030204" pitchFamily="49" charset="0"/>
+              </a:rPr>
+              <a:t>module unload intel </a:t>
+            </a:r>
+            <a:r>
+              <a:rPr lang="en-GB" sz="1100" dirty="0" err="1">
+                <a:solidFill>
+                  <a:srgbClr val="000000"/>
+                </a:solidFill>
+                <a:latin typeface="Consolas" panose="020B0609020204030204" pitchFamily="49" charset="0"/>
+              </a:rPr>
+              <a:t>intelmpi</a:t>
+            </a:r>
+            <a:endParaRPr lang="en-GB" sz="1100" dirty="0">
+              <a:solidFill>
+                <a:srgbClr val="000000"/>
+              </a:solidFill>
+              <a:latin typeface="Consolas" panose="020B0609020204030204" pitchFamily="49" charset="0"/>
+            </a:endParaRPr>
+          </a:p>
+          <a:p>
+            <a:r>
+              <a:rPr lang="en-GB" sz="1100" dirty="0">
+                <a:solidFill>
+                  <a:srgbClr val="000000"/>
+                </a:solidFill>
+                <a:latin typeface="Consolas" panose="020B0609020204030204" pitchFamily="49" charset="0"/>
+              </a:rPr>
+              <a:t>module load intel</a:t>
+            </a:r>
+            <a:r>
+              <a:rPr lang="en-GB" sz="1100" b="1" dirty="0">
+                <a:solidFill>
+                  <a:srgbClr val="000000"/>
+                </a:solidFill>
+                <a:latin typeface="Consolas" panose="020B0609020204030204" pitchFamily="49" charset="0"/>
+              </a:rPr>
+              <a:t>/</a:t>
+            </a:r>
+            <a:r>
+              <a:rPr lang="en-GB" sz="1100" dirty="0">
+                <a:solidFill>
+                  <a:srgbClr val="000000"/>
+                </a:solidFill>
+                <a:latin typeface="Consolas" panose="020B0609020204030204" pitchFamily="49" charset="0"/>
+              </a:rPr>
+              <a:t>18.0.4 </a:t>
+            </a:r>
+            <a:r>
+              <a:rPr lang="en-GB" sz="1100" dirty="0" err="1">
+                <a:solidFill>
+                  <a:srgbClr val="000000"/>
+                </a:solidFill>
+                <a:latin typeface="Consolas" panose="020B0609020204030204" pitchFamily="49" charset="0"/>
+              </a:rPr>
+              <a:t>intelmpi</a:t>
+            </a:r>
+            <a:r>
+              <a:rPr lang="en-GB" sz="1100" b="1" dirty="0">
+                <a:solidFill>
+                  <a:srgbClr val="000000"/>
+                </a:solidFill>
+                <a:latin typeface="Consolas" panose="020B0609020204030204" pitchFamily="49" charset="0"/>
+              </a:rPr>
+              <a:t>/</a:t>
+            </a:r>
+            <a:r>
+              <a:rPr lang="en-GB" sz="1100" dirty="0">
+                <a:solidFill>
+                  <a:srgbClr val="000000"/>
+                </a:solidFill>
+                <a:latin typeface="Consolas" panose="020B0609020204030204" pitchFamily="49" charset="0"/>
+              </a:rPr>
+              <a:t>2018.5.288</a:t>
+            </a:r>
+          </a:p>
+          <a:p>
+            <a:r>
+              <a:rPr lang="en-GB" sz="1100" dirty="0">
+                <a:solidFill>
+                  <a:srgbClr val="000000"/>
+                </a:solidFill>
+                <a:latin typeface="Consolas" panose="020B0609020204030204" pitchFamily="49" charset="0"/>
+              </a:rPr>
+              <a:t>module load </a:t>
+            </a:r>
+            <a:r>
+              <a:rPr lang="en-GB" sz="1100" dirty="0" err="1">
+                <a:solidFill>
+                  <a:srgbClr val="000000"/>
+                </a:solidFill>
+                <a:latin typeface="Consolas" panose="020B0609020204030204" pitchFamily="49" charset="0"/>
+              </a:rPr>
+              <a:t>libtool</a:t>
+            </a:r>
+            <a:r>
+              <a:rPr lang="en-GB" sz="1100" b="1" dirty="0">
+                <a:solidFill>
+                  <a:srgbClr val="000000"/>
+                </a:solidFill>
+                <a:latin typeface="Consolas" panose="020B0609020204030204" pitchFamily="49" charset="0"/>
+              </a:rPr>
+              <a:t>/</a:t>
+            </a:r>
+            <a:r>
+              <a:rPr lang="en-GB" sz="1100" dirty="0">
+                <a:solidFill>
+                  <a:srgbClr val="000000"/>
+                </a:solidFill>
+                <a:latin typeface="Consolas" panose="020B0609020204030204" pitchFamily="49" charset="0"/>
+              </a:rPr>
+              <a:t>2.4.6</a:t>
+            </a:r>
+          </a:p>
+          <a:p>
+            <a:r>
+              <a:rPr lang="en-GB" sz="1100" dirty="0">
+                <a:solidFill>
+                  <a:srgbClr val="000000"/>
+                </a:solidFill>
+                <a:latin typeface="Consolas" panose="020B0609020204030204" pitchFamily="49" charset="0"/>
+              </a:rPr>
+              <a:t>module load </a:t>
+            </a:r>
+            <a:r>
+              <a:rPr lang="en-GB" sz="1100" dirty="0" err="1">
+                <a:solidFill>
+                  <a:srgbClr val="000000"/>
+                </a:solidFill>
+                <a:latin typeface="Consolas" panose="020B0609020204030204" pitchFamily="49" charset="0"/>
+              </a:rPr>
+              <a:t>automake</a:t>
+            </a:r>
+            <a:r>
+              <a:rPr lang="en-GB" sz="1100" b="1" dirty="0">
+                <a:solidFill>
+                  <a:srgbClr val="000000"/>
+                </a:solidFill>
+                <a:latin typeface="Consolas" panose="020B0609020204030204" pitchFamily="49" charset="0"/>
+              </a:rPr>
+              <a:t>/</a:t>
+            </a:r>
+            <a:r>
+              <a:rPr lang="en-GB" sz="1100" dirty="0">
+                <a:solidFill>
+                  <a:srgbClr val="000000"/>
+                </a:solidFill>
+                <a:latin typeface="Consolas" panose="020B0609020204030204" pitchFamily="49" charset="0"/>
+              </a:rPr>
+              <a:t>1.14.1</a:t>
+            </a:r>
+          </a:p>
+          <a:p>
+            <a:r>
+              <a:rPr lang="en-GB" sz="1100" dirty="0">
+                <a:solidFill>
+                  <a:srgbClr val="000000"/>
+                </a:solidFill>
+                <a:latin typeface="Consolas" panose="020B0609020204030204" pitchFamily="49" charset="0"/>
+              </a:rPr>
+              <a:t>module unload </a:t>
+            </a:r>
+            <a:r>
+              <a:rPr lang="en-GB" sz="1100" b="1" dirty="0" err="1">
+                <a:solidFill>
+                  <a:srgbClr val="B200AA"/>
+                </a:solidFill>
+                <a:latin typeface="Consolas" panose="020B0609020204030204" pitchFamily="49" charset="0"/>
+              </a:rPr>
+              <a:t>gcc</a:t>
+            </a:r>
+            <a:r>
+              <a:rPr lang="en-GB" sz="1100" dirty="0">
+                <a:solidFill>
+                  <a:srgbClr val="000000"/>
+                </a:solidFill>
+                <a:latin typeface="Consolas" panose="020B0609020204030204" pitchFamily="49" charset="0"/>
+              </a:rPr>
+              <a:t> </a:t>
+            </a:r>
+          </a:p>
+          <a:p>
+            <a:r>
+              <a:rPr lang="en-GB" sz="1100" dirty="0">
+                <a:solidFill>
+                  <a:srgbClr val="000000"/>
+                </a:solidFill>
+                <a:latin typeface="Consolas" panose="020B0609020204030204" pitchFamily="49" charset="0"/>
+              </a:rPr>
+              <a:t>module load </a:t>
+            </a:r>
+            <a:r>
+              <a:rPr lang="en-GB" sz="1100" dirty="0" err="1">
+                <a:solidFill>
+                  <a:srgbClr val="000000"/>
+                </a:solidFill>
+                <a:latin typeface="Consolas" panose="020B0609020204030204" pitchFamily="49" charset="0"/>
+              </a:rPr>
+              <a:t>gcc</a:t>
+            </a:r>
+            <a:r>
+              <a:rPr lang="en-GB" sz="1100" b="1" dirty="0">
+                <a:solidFill>
+                  <a:srgbClr val="000000"/>
+                </a:solidFill>
+                <a:latin typeface="Consolas" panose="020B0609020204030204" pitchFamily="49" charset="0"/>
+              </a:rPr>
+              <a:t>/</a:t>
+            </a:r>
+            <a:r>
+              <a:rPr lang="en-GB" sz="1100" dirty="0">
+                <a:solidFill>
+                  <a:srgbClr val="000000"/>
+                </a:solidFill>
+                <a:latin typeface="Consolas" panose="020B0609020204030204" pitchFamily="49" charset="0"/>
+              </a:rPr>
+              <a:t>4.8.2 </a:t>
+            </a:r>
+          </a:p>
+          <a:p>
+            <a:r>
+              <a:rPr lang="en-GB" sz="1100" b="1" dirty="0">
+                <a:solidFill>
+                  <a:srgbClr val="650061"/>
+                </a:solidFill>
+                <a:latin typeface="Consolas" panose="020B0609020204030204" pitchFamily="49" charset="0"/>
+              </a:rPr>
+              <a:t>export</a:t>
+            </a:r>
+            <a:r>
+              <a:rPr lang="en-GB" sz="1100" dirty="0">
+                <a:solidFill>
+                  <a:srgbClr val="000000"/>
+                </a:solidFill>
+                <a:latin typeface="Consolas" panose="020B0609020204030204" pitchFamily="49" charset="0"/>
+              </a:rPr>
+              <a:t> </a:t>
+            </a:r>
+            <a:r>
+              <a:rPr lang="en-GB" sz="1100" dirty="0">
+                <a:solidFill>
+                  <a:srgbClr val="0E6801"/>
+                </a:solidFill>
+                <a:latin typeface="Consolas" panose="020B0609020204030204" pitchFamily="49" charset="0"/>
+              </a:rPr>
+              <a:t>LC_ALL</a:t>
+            </a:r>
+            <a:r>
+              <a:rPr lang="en-GB" sz="1100" dirty="0">
+                <a:solidFill>
+                  <a:srgbClr val="000000"/>
+                </a:solidFill>
+                <a:latin typeface="Consolas" panose="020B0609020204030204" pitchFamily="49" charset="0"/>
+              </a:rPr>
+              <a:t>=en_US.UTF-8</a:t>
+            </a:r>
+          </a:p>
+          <a:p>
+            <a:r>
+              <a:rPr lang="en-GB" sz="1100" b="1" dirty="0">
+                <a:solidFill>
+                  <a:srgbClr val="650061"/>
+                </a:solidFill>
+                <a:latin typeface="Consolas" panose="020B0609020204030204" pitchFamily="49" charset="0"/>
+              </a:rPr>
+              <a:t>export</a:t>
+            </a:r>
+            <a:r>
+              <a:rPr lang="en-GB" sz="1100" dirty="0">
+                <a:solidFill>
+                  <a:srgbClr val="000000"/>
+                </a:solidFill>
+                <a:latin typeface="Consolas" panose="020B0609020204030204" pitchFamily="49" charset="0"/>
+              </a:rPr>
+              <a:t> </a:t>
+            </a:r>
+            <a:r>
+              <a:rPr lang="en-GB" sz="1100" dirty="0">
+                <a:solidFill>
+                  <a:srgbClr val="0E6801"/>
+                </a:solidFill>
+                <a:latin typeface="Consolas" panose="020B0609020204030204" pitchFamily="49" charset="0"/>
+              </a:rPr>
+              <a:t>FC</a:t>
+            </a:r>
+            <a:r>
+              <a:rPr lang="en-GB" sz="1100" dirty="0">
+                <a:solidFill>
+                  <a:srgbClr val="000000"/>
+                </a:solidFill>
+                <a:latin typeface="Consolas" panose="020B0609020204030204" pitchFamily="49" charset="0"/>
+              </a:rPr>
+              <a:t>=</a:t>
+            </a:r>
+            <a:r>
+              <a:rPr lang="en-GB" sz="1100" dirty="0" err="1">
+                <a:solidFill>
+                  <a:srgbClr val="000000"/>
+                </a:solidFill>
+                <a:latin typeface="Consolas" panose="020B0609020204030204" pitchFamily="49" charset="0"/>
+              </a:rPr>
+              <a:t>mpiifort</a:t>
+            </a:r>
+            <a:endParaRPr lang="en-GB" sz="1100" dirty="0">
+              <a:solidFill>
+                <a:srgbClr val="000000"/>
+              </a:solidFill>
+              <a:latin typeface="Consolas" panose="020B0609020204030204" pitchFamily="49" charset="0"/>
+            </a:endParaRPr>
+          </a:p>
+          <a:p>
+            <a:r>
+              <a:rPr lang="en-GB" sz="1100" b="1" dirty="0">
+                <a:solidFill>
+                  <a:srgbClr val="650061"/>
+                </a:solidFill>
+                <a:latin typeface="Consolas" panose="020B0609020204030204" pitchFamily="49" charset="0"/>
+              </a:rPr>
+              <a:t>export</a:t>
+            </a:r>
+            <a:r>
+              <a:rPr lang="en-GB" sz="1100" dirty="0">
+                <a:solidFill>
+                  <a:srgbClr val="000000"/>
+                </a:solidFill>
+                <a:latin typeface="Consolas" panose="020B0609020204030204" pitchFamily="49" charset="0"/>
+              </a:rPr>
+              <a:t> </a:t>
+            </a:r>
+            <a:r>
+              <a:rPr lang="en-GB" sz="1100" dirty="0">
+                <a:solidFill>
+                  <a:srgbClr val="0E6801"/>
+                </a:solidFill>
+                <a:latin typeface="Consolas" panose="020B0609020204030204" pitchFamily="49" charset="0"/>
+              </a:rPr>
+              <a:t>F77</a:t>
+            </a:r>
+            <a:r>
+              <a:rPr lang="en-GB" sz="1100" dirty="0">
+                <a:solidFill>
+                  <a:srgbClr val="000000"/>
+                </a:solidFill>
+                <a:latin typeface="Consolas" panose="020B0609020204030204" pitchFamily="49" charset="0"/>
+              </a:rPr>
+              <a:t>=</a:t>
+            </a:r>
+            <a:r>
+              <a:rPr lang="en-GB" sz="1100" dirty="0" err="1">
+                <a:solidFill>
+                  <a:srgbClr val="000000"/>
+                </a:solidFill>
+                <a:latin typeface="Consolas" panose="020B0609020204030204" pitchFamily="49" charset="0"/>
+              </a:rPr>
+              <a:t>mpiifort</a:t>
+            </a:r>
+            <a:endParaRPr lang="en-GB" sz="1100" dirty="0">
+              <a:solidFill>
+                <a:srgbClr val="000000"/>
+              </a:solidFill>
+              <a:latin typeface="Consolas" panose="020B0609020204030204" pitchFamily="49" charset="0"/>
+            </a:endParaRPr>
+          </a:p>
+          <a:p>
+            <a:r>
+              <a:rPr lang="en-GB" sz="1100" b="1" dirty="0">
+                <a:solidFill>
+                  <a:srgbClr val="650061"/>
+                </a:solidFill>
+                <a:latin typeface="Consolas" panose="020B0609020204030204" pitchFamily="49" charset="0"/>
+              </a:rPr>
+              <a:t>export</a:t>
+            </a:r>
+            <a:r>
+              <a:rPr lang="en-GB" sz="1100" dirty="0">
+                <a:solidFill>
+                  <a:srgbClr val="000000"/>
+                </a:solidFill>
+                <a:latin typeface="Consolas" panose="020B0609020204030204" pitchFamily="49" charset="0"/>
+              </a:rPr>
+              <a:t> </a:t>
+            </a:r>
+            <a:r>
+              <a:rPr lang="en-GB" sz="1100" dirty="0">
+                <a:solidFill>
+                  <a:srgbClr val="0E6801"/>
+                </a:solidFill>
+                <a:latin typeface="Consolas" panose="020B0609020204030204" pitchFamily="49" charset="0"/>
+              </a:rPr>
+              <a:t>MPIFC</a:t>
+            </a:r>
+            <a:r>
+              <a:rPr lang="en-GB" sz="1100" dirty="0">
+                <a:solidFill>
+                  <a:srgbClr val="000000"/>
+                </a:solidFill>
+                <a:latin typeface="Consolas" panose="020B0609020204030204" pitchFamily="49" charset="0"/>
+              </a:rPr>
+              <a:t>=</a:t>
+            </a:r>
+            <a:r>
+              <a:rPr lang="en-GB" sz="1100" dirty="0" err="1">
+                <a:solidFill>
+                  <a:srgbClr val="000000"/>
+                </a:solidFill>
+                <a:latin typeface="Consolas" panose="020B0609020204030204" pitchFamily="49" charset="0"/>
+              </a:rPr>
+              <a:t>mpiifort</a:t>
+            </a:r>
+            <a:endParaRPr lang="en-GB" sz="1100" dirty="0">
+              <a:solidFill>
+                <a:srgbClr val="000000"/>
+              </a:solidFill>
+              <a:latin typeface="Consolas" panose="020B0609020204030204" pitchFamily="49" charset="0"/>
+            </a:endParaRPr>
+          </a:p>
+          <a:p>
+            <a:r>
+              <a:rPr lang="en-GB" sz="1100" b="1" dirty="0">
+                <a:solidFill>
+                  <a:srgbClr val="650061"/>
+                </a:solidFill>
+                <a:latin typeface="Consolas" panose="020B0609020204030204" pitchFamily="49" charset="0"/>
+              </a:rPr>
+              <a:t>export</a:t>
+            </a:r>
+            <a:r>
+              <a:rPr lang="en-GB" sz="1100" dirty="0">
+                <a:solidFill>
+                  <a:srgbClr val="000000"/>
+                </a:solidFill>
+                <a:latin typeface="Consolas" panose="020B0609020204030204" pitchFamily="49" charset="0"/>
+              </a:rPr>
+              <a:t> </a:t>
+            </a:r>
+            <a:r>
+              <a:rPr lang="en-GB" sz="1100" dirty="0">
+                <a:solidFill>
+                  <a:srgbClr val="0E6801"/>
+                </a:solidFill>
+                <a:latin typeface="Consolas" panose="020B0609020204030204" pitchFamily="49" charset="0"/>
+              </a:rPr>
+              <a:t>CC</a:t>
+            </a:r>
+            <a:r>
+              <a:rPr lang="en-GB" sz="1100" dirty="0">
+                <a:solidFill>
+                  <a:srgbClr val="000000"/>
+                </a:solidFill>
+                <a:latin typeface="Consolas" panose="020B0609020204030204" pitchFamily="49" charset="0"/>
+              </a:rPr>
+              <a:t>=</a:t>
+            </a:r>
+            <a:r>
+              <a:rPr lang="en-GB" sz="1100" dirty="0" err="1">
+                <a:solidFill>
+                  <a:srgbClr val="000000"/>
+                </a:solidFill>
+                <a:latin typeface="Consolas" panose="020B0609020204030204" pitchFamily="49" charset="0"/>
+              </a:rPr>
+              <a:t>mpiicc</a:t>
+            </a:r>
+            <a:endParaRPr lang="en-GB" sz="1100" dirty="0">
+              <a:solidFill>
+                <a:srgbClr val="000000"/>
+              </a:solidFill>
+              <a:latin typeface="Consolas" panose="020B0609020204030204" pitchFamily="49" charset="0"/>
+            </a:endParaRPr>
+          </a:p>
+          <a:p>
+            <a:r>
+              <a:rPr lang="en-GB" sz="1100" b="1" dirty="0">
+                <a:solidFill>
+                  <a:srgbClr val="650061"/>
+                </a:solidFill>
+                <a:latin typeface="Consolas" panose="020B0609020204030204" pitchFamily="49" charset="0"/>
+              </a:rPr>
+              <a:t>export</a:t>
+            </a:r>
+            <a:r>
+              <a:rPr lang="en-GB" sz="1100" dirty="0">
+                <a:solidFill>
+                  <a:srgbClr val="000000"/>
+                </a:solidFill>
+                <a:latin typeface="Consolas" panose="020B0609020204030204" pitchFamily="49" charset="0"/>
+              </a:rPr>
+              <a:t> </a:t>
+            </a:r>
+            <a:r>
+              <a:rPr lang="en-GB" sz="1100" dirty="0">
+                <a:solidFill>
+                  <a:srgbClr val="0E6801"/>
+                </a:solidFill>
+                <a:latin typeface="Consolas" panose="020B0609020204030204" pitchFamily="49" charset="0"/>
+              </a:rPr>
+              <a:t>CXX</a:t>
+            </a:r>
+            <a:r>
+              <a:rPr lang="en-GB" sz="1100" dirty="0">
+                <a:solidFill>
+                  <a:srgbClr val="000000"/>
+                </a:solidFill>
+                <a:latin typeface="Consolas" panose="020B0609020204030204" pitchFamily="49" charset="0"/>
+              </a:rPr>
+              <a:t>=</a:t>
+            </a:r>
+            <a:r>
+              <a:rPr lang="en-GB" sz="1100" dirty="0" err="1">
+                <a:solidFill>
+                  <a:srgbClr val="000000"/>
+                </a:solidFill>
+                <a:latin typeface="Consolas" panose="020B0609020204030204" pitchFamily="49" charset="0"/>
+              </a:rPr>
+              <a:t>mpiicpc</a:t>
+            </a:r>
+            <a:endParaRPr lang="en-GB" sz="1100" dirty="0">
+              <a:solidFill>
+                <a:srgbClr val="000000"/>
+              </a:solidFill>
+              <a:latin typeface="Consolas" panose="020B0609020204030204" pitchFamily="49" charset="0"/>
+            </a:endParaRPr>
+          </a:p>
+          <a:p>
+            <a:r>
+              <a:rPr lang="en-GB" sz="1100" b="1" dirty="0">
+                <a:solidFill>
+                  <a:srgbClr val="650061"/>
+                </a:solidFill>
+                <a:latin typeface="Consolas" panose="020B0609020204030204" pitchFamily="49" charset="0"/>
+              </a:rPr>
+              <a:t>export</a:t>
+            </a:r>
+            <a:r>
+              <a:rPr lang="en-GB" sz="1100" dirty="0">
+                <a:solidFill>
+                  <a:srgbClr val="000000"/>
+                </a:solidFill>
+                <a:latin typeface="Consolas" panose="020B0609020204030204" pitchFamily="49" charset="0"/>
+              </a:rPr>
+              <a:t> </a:t>
+            </a:r>
+            <a:r>
+              <a:rPr lang="en-GB" sz="1100" dirty="0">
+                <a:solidFill>
+                  <a:srgbClr val="0E6801"/>
+                </a:solidFill>
+                <a:latin typeface="Consolas" panose="020B0609020204030204" pitchFamily="49" charset="0"/>
+              </a:rPr>
+              <a:t>MPIROOT</a:t>
+            </a:r>
+            <a:r>
+              <a:rPr lang="en-GB" sz="1100" dirty="0">
+                <a:solidFill>
+                  <a:srgbClr val="000000"/>
+                </a:solidFill>
+                <a:latin typeface="Consolas" panose="020B0609020204030204" pitchFamily="49" charset="0"/>
+              </a:rPr>
+              <a:t>=</a:t>
+            </a:r>
+            <a:r>
+              <a:rPr lang="en-GB" sz="1100" dirty="0">
+                <a:solidFill>
+                  <a:srgbClr val="FB0007"/>
+                </a:solidFill>
+                <a:latin typeface="Consolas" panose="020B0609020204030204" pitchFamily="49" charset="0"/>
+              </a:rPr>
+              <a:t>"</a:t>
+            </a:r>
+            <a:r>
+              <a:rPr lang="en-GB" sz="1100" dirty="0">
+                <a:solidFill>
+                  <a:srgbClr val="0E6801"/>
+                </a:solidFill>
+                <a:latin typeface="Consolas" panose="020B0609020204030204" pitchFamily="49" charset="0"/>
+              </a:rPr>
+              <a:t>$(</a:t>
+            </a:r>
+            <a:r>
+              <a:rPr lang="en-GB" sz="1100" dirty="0" err="1">
+                <a:solidFill>
+                  <a:srgbClr val="0E6801"/>
+                </a:solidFill>
+                <a:latin typeface="Consolas" panose="020B0609020204030204" pitchFamily="49" charset="0"/>
+              </a:rPr>
+              <a:t>mpiifort</a:t>
+            </a:r>
+            <a:r>
+              <a:rPr lang="en-GB" sz="1100" dirty="0">
+                <a:solidFill>
+                  <a:srgbClr val="0E6801"/>
+                </a:solidFill>
+                <a:latin typeface="Consolas" panose="020B0609020204030204" pitchFamily="49" charset="0"/>
+              </a:rPr>
+              <a:t> -show | </a:t>
+            </a:r>
+            <a:r>
+              <a:rPr lang="en-GB" sz="1100" dirty="0" err="1">
+                <a:solidFill>
+                  <a:srgbClr val="0E6801"/>
+                </a:solidFill>
+                <a:latin typeface="Consolas" panose="020B0609020204030204" pitchFamily="49" charset="0"/>
+              </a:rPr>
+              <a:t>perl</a:t>
+            </a:r>
+            <a:r>
+              <a:rPr lang="en-GB" sz="1100" dirty="0">
+                <a:solidFill>
+                  <a:srgbClr val="0E6801"/>
+                </a:solidFill>
+                <a:latin typeface="Consolas" panose="020B0609020204030204" pitchFamily="49" charset="0"/>
+              </a:rPr>
+              <a:t> -</a:t>
+            </a:r>
+            <a:r>
+              <a:rPr lang="en-GB" sz="1100" dirty="0" err="1">
+                <a:solidFill>
+                  <a:srgbClr val="0E6801"/>
+                </a:solidFill>
+                <a:latin typeface="Consolas" panose="020B0609020204030204" pitchFamily="49" charset="0"/>
+              </a:rPr>
+              <a:t>lne</a:t>
+            </a:r>
+            <a:r>
+              <a:rPr lang="en-GB" sz="1100" dirty="0">
+                <a:solidFill>
+                  <a:srgbClr val="0E6801"/>
+                </a:solidFill>
+                <a:latin typeface="Consolas" panose="020B0609020204030204" pitchFamily="49" charset="0"/>
+              </a:rPr>
+              <a:t> 'm{ -I(.*?)</a:t>
+            </a:r>
+            <a:r>
+              <a:rPr lang="en-GB" sz="1100" dirty="0">
+                <a:solidFill>
+                  <a:srgbClr val="FB0007"/>
+                </a:solidFill>
+                <a:latin typeface="Consolas" panose="020B0609020204030204" pitchFamily="49" charset="0"/>
+              </a:rPr>
+              <a:t>/include } and print $1’)”</a:t>
+            </a:r>
+          </a:p>
+          <a:p>
+            <a:r>
+              <a:rPr lang="en-GB" sz="1100" dirty="0">
+                <a:solidFill>
+                  <a:srgbClr val="000000"/>
+                </a:solidFill>
+                <a:latin typeface="Consolas" panose="020B0609020204030204" pitchFamily="49" charset="0"/>
+              </a:rPr>
+              <a:t>... </a:t>
+            </a:r>
+          </a:p>
+          <a:p>
+            <a:r>
+              <a:rPr lang="en-GB" sz="1100" b="1" dirty="0">
+                <a:solidFill>
+                  <a:srgbClr val="650061"/>
+                </a:solidFill>
+                <a:latin typeface="Consolas" panose="020B0609020204030204" pitchFamily="49" charset="0"/>
+              </a:rPr>
+              <a:t>cd</a:t>
+            </a:r>
+            <a:r>
+              <a:rPr lang="en-GB" sz="1100" dirty="0">
+                <a:solidFill>
+                  <a:srgbClr val="000000"/>
+                </a:solidFill>
+                <a:latin typeface="Consolas" panose="020B0609020204030204" pitchFamily="49" charset="0"/>
+              </a:rPr>
+              <a:t> fesom-2.1</a:t>
+            </a:r>
+          </a:p>
+          <a:p>
+            <a:r>
+              <a:rPr lang="en-GB" sz="1100" b="1" dirty="0" err="1">
+                <a:solidFill>
+                  <a:srgbClr val="B200AA"/>
+                </a:solidFill>
+                <a:latin typeface="Consolas" panose="020B0609020204030204" pitchFamily="49" charset="0"/>
+              </a:rPr>
+              <a:t>mkdir</a:t>
+            </a:r>
+            <a:r>
+              <a:rPr lang="en-GB" sz="1100" dirty="0">
+                <a:solidFill>
+                  <a:srgbClr val="000000"/>
+                </a:solidFill>
+                <a:latin typeface="Consolas" panose="020B0609020204030204" pitchFamily="49" charset="0"/>
+              </a:rPr>
+              <a:t> </a:t>
+            </a:r>
+            <a:r>
+              <a:rPr lang="en-GB" sz="1100" dirty="0">
+                <a:solidFill>
+                  <a:srgbClr val="520026"/>
+                </a:solidFill>
+                <a:latin typeface="Consolas" panose="020B0609020204030204" pitchFamily="49" charset="0"/>
+              </a:rPr>
+              <a:t>-p</a:t>
+            </a:r>
+            <a:r>
+              <a:rPr lang="en-GB" sz="1100" dirty="0">
+                <a:solidFill>
+                  <a:srgbClr val="000000"/>
+                </a:solidFill>
+                <a:latin typeface="Consolas" panose="020B0609020204030204" pitchFamily="49" charset="0"/>
+              </a:rPr>
+              <a:t> build; </a:t>
+            </a:r>
+            <a:r>
+              <a:rPr lang="en-GB" sz="1100" b="1" dirty="0">
+                <a:solidFill>
+                  <a:srgbClr val="650061"/>
+                </a:solidFill>
+                <a:latin typeface="Consolas" panose="020B0609020204030204" pitchFamily="49" charset="0"/>
+              </a:rPr>
+              <a:t>cd</a:t>
+            </a:r>
+            <a:r>
+              <a:rPr lang="en-GB" sz="1100" dirty="0">
+                <a:solidFill>
+                  <a:srgbClr val="000000"/>
+                </a:solidFill>
+                <a:latin typeface="Consolas" panose="020B0609020204030204" pitchFamily="49" charset="0"/>
+              </a:rPr>
+              <a:t> build; </a:t>
+            </a:r>
+            <a:r>
+              <a:rPr lang="en-GB" sz="1100" dirty="0" err="1">
+                <a:solidFill>
+                  <a:srgbClr val="000000"/>
+                </a:solidFill>
+                <a:latin typeface="Consolas" panose="020B0609020204030204" pitchFamily="49" charset="0"/>
+              </a:rPr>
+              <a:t>cmake</a:t>
+            </a:r>
+            <a:r>
+              <a:rPr lang="en-GB" sz="1100" dirty="0">
+                <a:solidFill>
+                  <a:srgbClr val="000000"/>
+                </a:solidFill>
+                <a:latin typeface="Consolas" panose="020B0609020204030204" pitchFamily="49" charset="0"/>
+              </a:rPr>
+              <a:t> -DFESOM_COUPLED=ON ..; </a:t>
+            </a:r>
+            <a:r>
+              <a:rPr lang="en-GB" sz="1100" b="1" dirty="0">
+                <a:solidFill>
+                  <a:srgbClr val="B200AA"/>
+                </a:solidFill>
+                <a:latin typeface="Consolas" panose="020B0609020204030204" pitchFamily="49" charset="0"/>
+              </a:rPr>
+              <a:t>make</a:t>
+            </a:r>
+            <a:r>
+              <a:rPr lang="en-GB" sz="1100" dirty="0">
+                <a:solidFill>
+                  <a:srgbClr val="000000"/>
+                </a:solidFill>
+                <a:latin typeface="Consolas" panose="020B0609020204030204" pitchFamily="49" charset="0"/>
+              </a:rPr>
+              <a:t> </a:t>
+            </a:r>
+            <a:r>
+              <a:rPr lang="en-GB" sz="1100" b="1" dirty="0">
+                <a:solidFill>
+                  <a:srgbClr val="B200AA"/>
+                </a:solidFill>
+                <a:latin typeface="Consolas" panose="020B0609020204030204" pitchFamily="49" charset="0"/>
+              </a:rPr>
+              <a:t>install</a:t>
+            </a:r>
+            <a:r>
+              <a:rPr lang="en-GB" sz="1100" dirty="0">
+                <a:solidFill>
+                  <a:srgbClr val="000000"/>
+                </a:solidFill>
+                <a:latin typeface="Consolas" panose="020B0609020204030204" pitchFamily="49" charset="0"/>
+              </a:rPr>
+              <a:t> </a:t>
+            </a:r>
+            <a:r>
+              <a:rPr lang="en-GB" sz="1100" dirty="0">
+                <a:solidFill>
+                  <a:srgbClr val="520026"/>
+                </a:solidFill>
+                <a:latin typeface="Consolas" panose="020B0609020204030204" pitchFamily="49" charset="0"/>
+              </a:rPr>
+              <a:t>-j</a:t>
+            </a:r>
+            <a:r>
+              <a:rPr lang="en-GB" sz="1100" dirty="0">
+                <a:solidFill>
+                  <a:srgbClr val="000000"/>
+                </a:solidFill>
+                <a:latin typeface="Consolas" panose="020B0609020204030204" pitchFamily="49" charset="0"/>
+              </a:rPr>
+              <a:t> </a:t>
+            </a:r>
+            <a:r>
+              <a:rPr lang="en-GB" sz="1100" b="1" dirty="0">
+                <a:solidFill>
+                  <a:srgbClr val="000000"/>
+                </a:solidFill>
+                <a:latin typeface="Consolas" panose="020B0609020204030204" pitchFamily="49" charset="0"/>
+              </a:rPr>
+              <a:t>`</a:t>
+            </a:r>
+            <a:r>
+              <a:rPr lang="en-GB" sz="1100" dirty="0" err="1">
+                <a:solidFill>
+                  <a:srgbClr val="000000"/>
+                </a:solidFill>
+                <a:latin typeface="Consolas" panose="020B0609020204030204" pitchFamily="49" charset="0"/>
+              </a:rPr>
+              <a:t>nproc</a:t>
+            </a:r>
+            <a:r>
+              <a:rPr lang="en-GB" sz="1100" dirty="0">
+                <a:solidFill>
+                  <a:srgbClr val="000000"/>
+                </a:solidFill>
+                <a:latin typeface="Consolas" panose="020B0609020204030204" pitchFamily="49" charset="0"/>
+              </a:rPr>
+              <a:t> --all</a:t>
+            </a:r>
+            <a:r>
+              <a:rPr lang="en-GB" sz="1100" b="1" dirty="0">
+                <a:solidFill>
+                  <a:srgbClr val="000000"/>
+                </a:solidFill>
+                <a:latin typeface="Consolas" panose="020B0609020204030204" pitchFamily="49" charset="0"/>
+              </a:rPr>
+              <a:t>`</a:t>
+            </a:r>
+            <a:endParaRPr lang="tr-TR" sz="1100" b="1" dirty="0">
+              <a:solidFill>
+                <a:srgbClr val="000000"/>
+              </a:solidFill>
+              <a:latin typeface="Consolas" panose="020B0609020204030204" pitchFamily="49" charset="0"/>
+            </a:endParaRPr>
+          </a:p>
+          <a:p>
+            <a:r>
+              <a:rPr lang="en-GB" sz="1100" b="1" dirty="0">
+                <a:solidFill>
+                  <a:srgbClr val="650061"/>
+                </a:solidFill>
+                <a:latin typeface="Consolas" panose="020B0609020204030204" pitchFamily="49" charset="0"/>
+              </a:rPr>
+              <a:t>cd</a:t>
+            </a:r>
+            <a:r>
+              <a:rPr lang="en-GB" sz="1100" dirty="0">
+                <a:solidFill>
+                  <a:srgbClr val="000000"/>
+                </a:solidFill>
+                <a:latin typeface="Consolas" panose="020B0609020204030204" pitchFamily="49" charset="0"/>
+              </a:rPr>
+              <a:t> </a:t>
+            </a:r>
+            <a:r>
+              <a:rPr lang="tr-TR" sz="1100" dirty="0">
+                <a:latin typeface="Consolas" panose="020B0609020204030204" pitchFamily="49" charset="0"/>
+              </a:rPr>
+              <a:t>..</a:t>
+            </a:r>
+            <a:endParaRPr lang="tr-TR" sz="1100" b="1" dirty="0">
+              <a:latin typeface="Consolas" panose="020B0609020204030204" pitchFamily="49" charset="0"/>
+            </a:endParaRPr>
+          </a:p>
+        </p:txBody>
+      </p:sp>
+      <p:sp>
+        <p:nvSpPr>
+          <p:cNvPr id="9" name="Slide Number Placeholder 4"/>
+          <p:cNvSpPr>
+            <a:spLocks noGrp="1"/>
+          </p:cNvSpPr>
+          <p:nvPr>
+            <p:ph type="sldNum" sz="quarter" idx="12"/>
+          </p:nvPr>
+        </p:nvSpPr>
+        <p:spPr>
+          <a:xfrm>
+            <a:off x="11623040" y="6485550"/>
+            <a:ext cx="568960" cy="372450"/>
+          </a:xfrm>
+          <a:solidFill>
+            <a:schemeClr val="bg2"/>
+          </a:solidFill>
+        </p:spPr>
+        <p:txBody>
+          <a:bodyPr/>
+          <a:lstStyle/>
+          <a:p>
+            <a:pPr algn="ctr"/>
+            <a:r>
+              <a:rPr lang="tr-TR" sz="1000" dirty="0"/>
+              <a:t>08 / 12</a:t>
+            </a:r>
+          </a:p>
+        </p:txBody>
+      </p:sp>
+      <p:sp>
+        <p:nvSpPr>
+          <p:cNvPr id="10" name="Oval 9">
+            <a:extLst>
+              <a:ext uri="{FF2B5EF4-FFF2-40B4-BE49-F238E27FC236}">
+                <a16:creationId xmlns:a16="http://schemas.microsoft.com/office/drawing/2014/main" id="{F665D3DF-5B57-74BD-31EE-C7CE4F9D2D57}"/>
+              </a:ext>
+            </a:extLst>
+          </p:cNvPr>
+          <p:cNvSpPr/>
+          <p:nvPr/>
+        </p:nvSpPr>
+        <p:spPr>
+          <a:xfrm>
+            <a:off x="161197" y="364604"/>
+            <a:ext cx="567159" cy="567159"/>
+          </a:xfrm>
+          <a:prstGeom prst="ellipse">
+            <a:avLst/>
+          </a:prstGeom>
+          <a:solidFill>
+            <a:schemeClr val="bg1"/>
+          </a:solidFill>
+          <a:ln>
+            <a:noFill/>
+          </a:ln>
+        </p:spPr>
+        <p:style>
+          <a:lnRef idx="2">
+            <a:schemeClr val="accent1">
+              <a:shade val="50000"/>
+            </a:schemeClr>
+          </a:lnRef>
+          <a:fillRef idx="1">
+            <a:schemeClr val="accent1"/>
+          </a:fillRef>
+          <a:effectRef idx="0">
+            <a:schemeClr val="accent1"/>
+          </a:effectRef>
+          <a:fontRef idx="minor">
+            <a:schemeClr val="lt1"/>
+          </a:fontRef>
+        </p:style>
+        <p:txBody>
+          <a:bodyPr rtlCol="0" anchor="ctr"/>
+          <a:lstStyle/>
+          <a:p>
+            <a:pPr algn="ctr"/>
+            <a:r>
+              <a:rPr lang="tr-TR" sz="3600" b="1">
+                <a:solidFill>
+                  <a:srgbClr val="00ACE6"/>
+                </a:solidFill>
+              </a:rPr>
+              <a:t>4</a:t>
+            </a:r>
           </a:p>
         </p:txBody>
       </p:sp>
     </p:spTree>
     <p:extLst>
       <p:ext uri="{BB962C8B-B14F-4D97-AF65-F5344CB8AC3E}">
-        <p14:creationId xmlns:p14="http://schemas.microsoft.com/office/powerpoint/2010/main" val="2381940551"/>
+        <p14:creationId xmlns:p14="http://schemas.microsoft.com/office/powerpoint/2010/main" val="2602471620"/>
       </p:ext>
     </p:extLst>
   </p:cSld>
@@ -10614,7 +14227,7 @@
           <a:p>
             <a:r>
               <a:rPr lang="en-GB" sz="4800" b="1" dirty="0"/>
-              <a:t>Terminology – check mode</a:t>
+              <a:t>      Terminology –*.run files</a:t>
             </a:r>
           </a:p>
         </p:txBody>
@@ -10674,7 +14287,7 @@
         <p:spPr>
           <a:xfrm>
             <a:off x="1061012" y="1467813"/>
-            <a:ext cx="11020741" cy="5632311"/>
+            <a:ext cx="4710733" cy="1200329"/>
           </a:xfrm>
           <a:prstGeom prst="rect">
             <a:avLst/>
@@ -10687,260 +14300,9 @@
           </a:bodyPr>
           <a:lstStyle/>
           <a:p>
-            <a:r>
-              <a:rPr lang="en-GB" sz="2400" b="1" dirty="0" err="1">
-                <a:solidFill>
-                  <a:schemeClr val="accent2"/>
-                </a:solidFill>
-              </a:rPr>
-              <a:t>esm_master</a:t>
-            </a:r>
-            <a:r>
-              <a:rPr lang="en-GB" sz="2400" b="1" dirty="0">
-                <a:solidFill>
-                  <a:schemeClr val="accent2"/>
-                </a:solidFill>
-              </a:rPr>
-              <a:t> </a:t>
-            </a:r>
-            <a:r>
-              <a:rPr lang="en-GB" sz="2400" dirty="0"/>
-              <a:t>and </a:t>
-            </a:r>
-            <a:r>
-              <a:rPr lang="en-GB" sz="2400" b="1" dirty="0" err="1">
-                <a:solidFill>
-                  <a:schemeClr val="accent2"/>
-                </a:solidFill>
-              </a:rPr>
-              <a:t>esm_runscripts</a:t>
-            </a:r>
-            <a:r>
-              <a:rPr lang="en-GB" sz="2400" b="1" dirty="0">
-                <a:solidFill>
-                  <a:schemeClr val="accent2"/>
-                </a:solidFill>
-              </a:rPr>
-              <a:t> </a:t>
-            </a:r>
-            <a:r>
-              <a:rPr lang="en-GB" sz="2400" dirty="0"/>
-              <a:t>can run in check mode by adding the </a:t>
-            </a:r>
-            <a:r>
-              <a:rPr lang="en-GB" sz="2400" dirty="0">
-                <a:solidFill>
-                  <a:schemeClr val="accent2"/>
-                </a:solidFill>
-              </a:rPr>
-              <a:t>--check</a:t>
-            </a:r>
-            <a:r>
-              <a:rPr lang="en-GB" sz="2400" dirty="0"/>
-              <a:t> or </a:t>
-            </a:r>
-            <a:r>
-              <a:rPr lang="en-GB" sz="2400" dirty="0">
-                <a:solidFill>
-                  <a:schemeClr val="accent2"/>
-                </a:solidFill>
-              </a:rPr>
-              <a:t>-c </a:t>
-            </a:r>
-            <a:r>
-              <a:rPr lang="en-GB" sz="2400" dirty="0"/>
-              <a:t>flags to the command</a:t>
-            </a:r>
-          </a:p>
-          <a:p>
-            <a:pPr marL="342900" indent="-342900">
-              <a:buFont typeface="Arial" panose="020B0604020202020204" pitchFamily="34" charset="0"/>
-              <a:buChar char="•"/>
-            </a:pPr>
-            <a:endParaRPr lang="en-GB" sz="2400" dirty="0"/>
-          </a:p>
-          <a:p>
-            <a:r>
-              <a:rPr lang="en-GB" sz="2400" dirty="0" err="1"/>
-              <a:t>esm_master</a:t>
-            </a:r>
-            <a:r>
-              <a:rPr lang="en-GB" sz="2400" dirty="0"/>
-              <a:t> in check mode</a:t>
-            </a:r>
-          </a:p>
-          <a:p>
-            <a:pPr marL="342900" indent="-342900">
-              <a:buFont typeface="Arial" panose="020B0604020202020204" pitchFamily="34" charset="0"/>
-              <a:buChar char="•"/>
-            </a:pPr>
-            <a:r>
-              <a:rPr lang="en-GB" sz="2400" dirty="0"/>
-              <a:t>Outputs the git commands and building commands</a:t>
-            </a:r>
-            <a:br>
-              <a:rPr lang="en-GB" sz="2400" dirty="0"/>
-            </a:br>
-            <a:r>
-              <a:rPr lang="en-GB" sz="2400" dirty="0"/>
-              <a:t>but does not produce the </a:t>
-            </a:r>
-            <a:r>
-              <a:rPr lang="en-GB" sz="2400" b="1" dirty="0">
-                <a:solidFill>
-                  <a:schemeClr val="accent2"/>
-                </a:solidFill>
-              </a:rPr>
-              <a:t>comp-*.</a:t>
-            </a:r>
-            <a:r>
-              <a:rPr lang="en-GB" sz="2400" b="1" dirty="0" err="1">
-                <a:solidFill>
-                  <a:schemeClr val="accent2"/>
-                </a:solidFill>
-              </a:rPr>
-              <a:t>sh</a:t>
-            </a:r>
-            <a:r>
-              <a:rPr lang="en-GB" sz="2400" b="1" dirty="0">
-                <a:solidFill>
-                  <a:schemeClr val="accent2"/>
-                </a:solidFill>
-              </a:rPr>
-              <a:t> </a:t>
-            </a:r>
-            <a:r>
-              <a:rPr lang="en-GB" sz="2400" dirty="0"/>
-              <a:t>files</a:t>
-            </a:r>
-          </a:p>
-          <a:p>
-            <a:br>
-              <a:rPr lang="en-GB" sz="2400" b="1" dirty="0">
-                <a:solidFill>
-                  <a:schemeClr val="accent2"/>
-                </a:solidFill>
-              </a:rPr>
-            </a:br>
-            <a:br>
-              <a:rPr lang="en-GB" sz="2400" b="1" dirty="0">
-                <a:solidFill>
-                  <a:schemeClr val="accent2"/>
-                </a:solidFill>
-              </a:rPr>
-            </a:br>
-            <a:r>
-              <a:rPr lang="en-GB" sz="2400" b="1" dirty="0" err="1">
-                <a:solidFill>
-                  <a:schemeClr val="accent2"/>
-                </a:solidFill>
-              </a:rPr>
-              <a:t>esm_runscripts</a:t>
-            </a:r>
-            <a:r>
-              <a:rPr lang="en-GB" sz="2400" dirty="0"/>
-              <a:t> in check mode</a:t>
-            </a:r>
-          </a:p>
-          <a:p>
-            <a:pPr marL="342900" indent="-342900">
-              <a:buFont typeface="Arial" panose="020B0604020202020204" pitchFamily="34" charset="0"/>
-              <a:buChar char="•"/>
-            </a:pPr>
-            <a:r>
-              <a:rPr lang="en-GB" sz="2400" dirty="0"/>
-              <a:t>Bakes the </a:t>
-            </a:r>
-            <a:r>
-              <a:rPr lang="en-GB" sz="2400" dirty="0" err="1"/>
-              <a:t>yaml</a:t>
-            </a:r>
-            <a:r>
-              <a:rPr lang="en-GB" sz="2400" dirty="0"/>
-              <a:t> information and produces the </a:t>
-            </a:r>
-            <a:r>
-              <a:rPr lang="en-GB" sz="2400" b="1" dirty="0" err="1">
-                <a:solidFill>
-                  <a:schemeClr val="accent2"/>
-                </a:solidFill>
-              </a:rPr>
-              <a:t>finished_config.yaml</a:t>
-            </a:r>
             <a:endParaRPr lang="en-GB" sz="2400" b="1" dirty="0">
               <a:solidFill>
-                <a:schemeClr val="accent2"/>
-              </a:solidFill>
-            </a:endParaRPr>
-          </a:p>
-          <a:p>
-            <a:pPr marL="342900" indent="-342900">
-              <a:buFont typeface="Arial" panose="020B0604020202020204" pitchFamily="34" charset="0"/>
-              <a:buChar char="•"/>
-            </a:pPr>
-            <a:r>
-              <a:rPr lang="en-GB" sz="2400" dirty="0"/>
-              <a:t>Prepares the experiment folder (copies in input, forcing, binaries, …)</a:t>
-            </a:r>
-          </a:p>
-          <a:p>
-            <a:pPr marL="342900" indent="-342900">
-              <a:buFont typeface="Arial" panose="020B0604020202020204" pitchFamily="34" charset="0"/>
-              <a:buChar char="•"/>
-            </a:pPr>
-            <a:r>
-              <a:rPr lang="en-GB" sz="2400" dirty="0"/>
-              <a:t>Produces the </a:t>
-            </a:r>
-            <a:r>
-              <a:rPr lang="en-GB" sz="2400" b="1" dirty="0">
-                <a:solidFill>
-                  <a:schemeClr val="accent2"/>
-                </a:solidFill>
-              </a:rPr>
-              <a:t>*.run </a:t>
-            </a:r>
-            <a:r>
-              <a:rPr lang="en-GB" sz="2400" dirty="0"/>
-              <a:t>file</a:t>
-            </a:r>
-          </a:p>
-          <a:p>
-            <a:pPr marL="342900" indent="-342900">
-              <a:buFont typeface="Arial" panose="020B0604020202020204" pitchFamily="34" charset="0"/>
-              <a:buChar char="•"/>
-            </a:pPr>
-            <a:r>
-              <a:rPr lang="en-GB" sz="2400" b="1" dirty="0"/>
-              <a:t>Does not </a:t>
-            </a:r>
-            <a:r>
-              <a:rPr lang="en-GB" sz="2400" dirty="0"/>
-              <a:t>submit the </a:t>
-            </a:r>
-            <a:r>
-              <a:rPr lang="en-GB" sz="2400" b="1" dirty="0">
-                <a:solidFill>
-                  <a:srgbClr val="ED7D31"/>
-                </a:solidFill>
-              </a:rPr>
-              <a:t>*.run </a:t>
-            </a:r>
-            <a:r>
-              <a:rPr lang="en-GB" sz="2400" dirty="0"/>
-              <a:t>script to </a:t>
-            </a:r>
-            <a:r>
-              <a:rPr lang="en-GB" sz="2400" dirty="0" err="1">
-                <a:solidFill>
-                  <a:srgbClr val="ED7D31"/>
-                </a:solidFill>
-              </a:rPr>
-              <a:t>sbatch</a:t>
-            </a:r>
-            <a:endParaRPr lang="en-GB" sz="2400" dirty="0">
-              <a:solidFill>
-                <a:srgbClr val="ED7D31"/>
+                <a:srgbClr val="31ACE6"/>
               </a:solidFill>
             </a:endParaRPr>
           </a:p>
@@ -10954,10 +14316,10 @@
       </p:sp>
       <p:sp>
         <p:nvSpPr>
-          <p:cNvPr id="11" name="Isosceles Triangle 6">
+          <p:cNvPr id="5" name="Isosceles Triangle 6">
             <a:extLst>
               <a:ext uri="{FF2B5EF4-FFF2-40B4-BE49-F238E27FC236}">
-                <a16:creationId xmlns:a16="http://schemas.microsoft.com/office/drawing/2014/main" id="{DAE2120B-BEC7-3ACB-B88D-C2829FED2CB0}"/>
+                <a16:creationId xmlns:a16="http://schemas.microsoft.com/office/drawing/2014/main" id="{CD2CD3CC-2F64-116F-334E-721E5A410F54}"/>
               </a:ext>
             </a:extLst>
           </p:cNvPr>
@@ -10966,7 +14328,7 @@
         </p:nvSpPr>
         <p:spPr>
           <a:xfrm rot="5400000">
-            <a:off x="348693" y="4468679"/>
+            <a:off x="348693" y="3464719"/>
             <a:ext cx="457812" cy="394666"/>
           </a:xfrm>
           <a:prstGeom prst="triangle">
@@ -11006,10 +14368,278 @@
       </p:sp>
       <p:sp>
         <p:nvSpPr>
-          <p:cNvPr id="10" name="Isosceles Triangle 6">
+          <p:cNvPr id="8" name="Slide Number Placeholder 4"/>
+          <p:cNvSpPr>
+            <a:spLocks noGrp="1"/>
+          </p:cNvSpPr>
+          <p:nvPr>
+            <p:ph type="sldNum" sz="quarter" idx="12"/>
+          </p:nvPr>
+        </p:nvSpPr>
+        <p:spPr>
+          <a:xfrm>
+            <a:off x="11623040" y="6485550"/>
+            <a:ext cx="568960" cy="372450"/>
+          </a:xfrm>
+          <a:solidFill>
+            <a:schemeClr val="bg2"/>
+          </a:solidFill>
+        </p:spPr>
+        <p:txBody>
+          <a:bodyPr/>
+          <a:lstStyle/>
+          <a:p>
+            <a:pPr algn="ctr"/>
+            <a:r>
+              <a:rPr lang="tr-TR" sz="1000" dirty="0"/>
+              <a:t>09 / 12</a:t>
+            </a:r>
+          </a:p>
+        </p:txBody>
+      </p:sp>
+      <p:sp>
+        <p:nvSpPr>
+          <p:cNvPr id="10" name="TextBox 9">
             <a:extLst>
               <a:ext uri="{FF2B5EF4-FFF2-40B4-BE49-F238E27FC236}">
-                <a16:creationId xmlns:a16="http://schemas.microsoft.com/office/drawing/2014/main" id="{0F915FD4-513F-D900-223B-A02B8A66CC99}"/>
+                <a16:creationId xmlns:a16="http://schemas.microsoft.com/office/drawing/2014/main" id="{5CBCD14A-9C9D-A534-E759-5FB1D1A3C9C9}"/>
+              </a:ext>
+            </a:extLst>
+          </p:cNvPr>
+          <p:cNvSpPr txBox="1"/>
+          <p:nvPr/>
+        </p:nvSpPr>
+        <p:spPr>
+          <a:xfrm>
+            <a:off x="799755" y="1467813"/>
+            <a:ext cx="4451267" cy="4616648"/>
+          </a:xfrm>
+          <a:prstGeom prst="rect">
+            <a:avLst/>
+          </a:prstGeom>
+          <a:noFill/>
+        </p:spPr>
+        <p:txBody>
+          <a:bodyPr wrap="square" rtlCol="0">
+            <a:spAutoFit/>
+          </a:bodyPr>
+          <a:lstStyle/>
+          <a:p>
+            <a:pPr algn="just"/>
+            <a:r>
+              <a:rPr lang="en-GB" dirty="0" err="1">
+                <a:solidFill>
+                  <a:srgbClr val="ED7D31"/>
+                </a:solidFill>
+              </a:rPr>
+              <a:t>esm_runscripts</a:t>
+            </a:r>
+            <a:r>
+              <a:rPr lang="en-GB" dirty="0"/>
+              <a:t> produces a </a:t>
+            </a:r>
+            <a:r>
+              <a:rPr lang="en-GB" b="1" dirty="0">
+                <a:solidFill>
+                  <a:srgbClr val="ED7D31"/>
+                </a:solidFill>
+              </a:rPr>
+              <a:t>*.run </a:t>
+            </a:r>
+            <a:r>
+              <a:rPr lang="en-GB" dirty="0"/>
+              <a:t>script with SBATCH headers that is then submitted to SBATCH. This script contains the combined environments specified</a:t>
+            </a:r>
+            <a:r>
+              <a:rPr lang="tr-TR" dirty="0"/>
+              <a:t> </a:t>
+            </a:r>
+            <a:r>
+              <a:rPr lang="en-GB" dirty="0"/>
+              <a:t>in the configuration file</a:t>
+            </a:r>
+            <a:r>
+              <a:rPr lang="tr-TR" dirty="0"/>
+              <a:t>s (</a:t>
+            </a:r>
+            <a:r>
+              <a:rPr lang="en-GB" dirty="0">
+                <a:solidFill>
+                  <a:schemeClr val="accent2"/>
+                </a:solidFill>
+              </a:rPr>
+              <a:t>machine</a:t>
+            </a:r>
+            <a:r>
+              <a:rPr lang="tr-TR" dirty="0">
+                <a:solidFill>
+                  <a:schemeClr val="accent2"/>
+                </a:solidFill>
+              </a:rPr>
+              <a:t> </a:t>
+            </a:r>
+            <a:r>
+              <a:rPr lang="en-GB" dirty="0"/>
+              <a:t>+ </a:t>
+            </a:r>
+            <a:r>
+              <a:rPr lang="en-GB" dirty="0">
+                <a:solidFill>
+                  <a:schemeClr val="accent2"/>
+                </a:solidFill>
+              </a:rPr>
+              <a:t>components</a:t>
+            </a:r>
+            <a:r>
+              <a:rPr lang="tr-TR" dirty="0"/>
+              <a:t> </a:t>
+            </a:r>
+            <a:r>
+              <a:rPr lang="en-GB" dirty="0"/>
+              <a:t>+ </a:t>
+            </a:r>
+            <a:r>
+              <a:rPr lang="en-GB" dirty="0">
+                <a:solidFill>
+                  <a:schemeClr val="accent2"/>
+                </a:solidFill>
+              </a:rPr>
+              <a:t>setups</a:t>
+            </a:r>
+            <a:r>
+              <a:rPr lang="en-GB" dirty="0"/>
+              <a:t>) files</a:t>
+            </a:r>
+            <a:r>
+              <a:rPr lang="tr-TR" dirty="0"/>
+              <a:t> </a:t>
+            </a:r>
+            <a:r>
+              <a:rPr lang="en-GB" dirty="0"/>
+              <a:t>involved</a:t>
+            </a:r>
+          </a:p>
+          <a:p>
+            <a:endParaRPr lang="en-GB" sz="2400" b="1" dirty="0">
+              <a:solidFill>
+                <a:srgbClr val="31ACE6"/>
+              </a:solidFill>
+            </a:endParaRPr>
+          </a:p>
+          <a:p>
+            <a:r>
+              <a:rPr lang="en-GB" dirty="0"/>
+              <a:t>This script can be found in </a:t>
+            </a:r>
+            <a:r>
+              <a:rPr lang="en-GB" sz="1400" dirty="0">
+                <a:solidFill>
+                  <a:srgbClr val="ED7D31"/>
+                </a:solidFill>
+                <a:latin typeface="Monaco" pitchFamily="2" charset="77"/>
+              </a:rPr>
+              <a:t>&lt;</a:t>
+            </a:r>
+            <a:r>
+              <a:rPr lang="en-GB" sz="1400" dirty="0" err="1">
+                <a:solidFill>
+                  <a:srgbClr val="ED7D31"/>
+                </a:solidFill>
+                <a:latin typeface="Monaco" pitchFamily="2" charset="77"/>
+              </a:rPr>
+              <a:t>experiment_dir</a:t>
+            </a:r>
+            <a:r>
+              <a:rPr lang="en-GB" sz="1400" dirty="0">
+                <a:solidFill>
+                  <a:srgbClr val="ED7D31"/>
+                </a:solidFill>
+                <a:latin typeface="Monaco" pitchFamily="2" charset="77"/>
+              </a:rPr>
+              <a:t>&gt;/</a:t>
+            </a:r>
+            <a:r>
+              <a:rPr lang="en-GB" sz="1400" dirty="0" err="1">
+                <a:solidFill>
+                  <a:srgbClr val="ED7D31"/>
+                </a:solidFill>
+                <a:latin typeface="Monaco" pitchFamily="2" charset="77"/>
+              </a:rPr>
+              <a:t>run_DATE</a:t>
+            </a:r>
+            <a:r>
+              <a:rPr lang="en-GB" sz="1400" dirty="0">
+                <a:solidFill>
+                  <a:srgbClr val="ED7D31"/>
+                </a:solidFill>
+                <a:latin typeface="Monaco" pitchFamily="2" charset="77"/>
+              </a:rPr>
+              <a:t>/scripts </a:t>
+            </a:r>
+            <a:r>
+              <a:rPr lang="en-GB" dirty="0"/>
+              <a:t>for runs that have not being submitted or are still running, or in the </a:t>
+            </a:r>
+            <a:r>
+              <a:rPr lang="en-GB" sz="1400" dirty="0">
+                <a:solidFill>
+                  <a:srgbClr val="ED7D31"/>
+                </a:solidFill>
+                <a:latin typeface="Monaco" pitchFamily="2" charset="77"/>
+              </a:rPr>
+              <a:t>&lt;</a:t>
+            </a:r>
+            <a:r>
+              <a:rPr lang="en-GB" sz="1400" dirty="0" err="1">
+                <a:solidFill>
+                  <a:srgbClr val="ED7D31"/>
+                </a:solidFill>
+                <a:latin typeface="Monaco" pitchFamily="2" charset="77"/>
+              </a:rPr>
+              <a:t>experiment_dir</a:t>
+            </a:r>
+            <a:r>
+              <a:rPr lang="en-GB" sz="1400" dirty="0">
+                <a:solidFill>
+                  <a:srgbClr val="ED7D31"/>
+                </a:solidFill>
+                <a:latin typeface="Monaco" pitchFamily="2" charset="77"/>
+              </a:rPr>
+              <a:t>/scripts&gt;</a:t>
+            </a:r>
+            <a:r>
+              <a:rPr lang="en-GB" sz="1400" dirty="0">
+                <a:latin typeface="Monaco" pitchFamily="2" charset="77"/>
+              </a:rPr>
+              <a:t> </a:t>
+            </a:r>
+            <a:r>
+              <a:rPr lang="en-GB" dirty="0"/>
+              <a:t>directory for runs that have already run</a:t>
+            </a:r>
+            <a:endParaRPr lang="en-GB" sz="2400" dirty="0"/>
+          </a:p>
+          <a:p>
+            <a:endParaRPr lang="en-GB" sz="2400" b="1" dirty="0">
+              <a:solidFill>
+                <a:srgbClr val="31ACE6"/>
+              </a:solidFill>
+            </a:endParaRPr>
+          </a:p>
+          <a:p>
+            <a:endParaRPr lang="en-GB" sz="2400" b="1" dirty="0"/>
+          </a:p>
+          <a:p>
+            <a:endParaRPr lang="en-GB" sz="2400" dirty="0"/>
+          </a:p>
+        </p:txBody>
+      </p:sp>
+      <p:sp>
+        <p:nvSpPr>
+          <p:cNvPr id="3" name="Rectangle 2">
+            <a:extLst>
+              <a:ext uri="{FF2B5EF4-FFF2-40B4-BE49-F238E27FC236}">
+                <a16:creationId xmlns:a16="http://schemas.microsoft.com/office/drawing/2014/main" id="{E0EBBE09-DCCE-5F63-0E08-5CF680EFA053}"/>
               </a:ext>
             </a:extLst>
           </p:cNvPr>
@@ -11017,15 +14647,961 @@
           <p:nvPr/>
         </p:nvSpPr>
         <p:spPr>
-          <a:xfrm rot="5400000">
-            <a:off x="348693" y="2637451"/>
-            <a:ext cx="457812" cy="394666"/>
+          <a:xfrm>
+            <a:off x="5296244" y="1474912"/>
+            <a:ext cx="6717415" cy="4493538"/>
           </a:xfrm>
-          <a:prstGeom prst="triangle">
+          <a:prstGeom prst="rect">
             <a:avLst/>
           </a:prstGeom>
           <a:solidFill>
-            <a:srgbClr val="00ACE6"/>
+            <a:srgbClr val="F2F2F2"/>
+          </a:solidFill>
+        </p:spPr>
+        <p:txBody>
+          <a:bodyPr wrap="square">
+            <a:spAutoFit/>
+          </a:bodyPr>
+          <a:lstStyle/>
+          <a:p>
+            <a:r>
+              <a:rPr lang="en-GB" sz="1100" i="1" dirty="0">
+                <a:solidFill>
+                  <a:srgbClr val="535353"/>
+                </a:solidFill>
+                <a:latin typeface="Courier-Oblique" pitchFamily="2" charset="0"/>
+              </a:rPr>
+              <a:t>#SBATCH --partition=compute</a:t>
+            </a:r>
+          </a:p>
+          <a:p>
+            <a:r>
+              <a:rPr lang="en-GB" sz="1100" i="1" dirty="0">
+                <a:solidFill>
+                  <a:srgbClr val="535353"/>
+                </a:solidFill>
+                <a:latin typeface="Courier-Oblique" pitchFamily="2" charset="0"/>
+              </a:rPr>
+              <a:t>#SBATCH --time=01:45:00</a:t>
+            </a:r>
+          </a:p>
+          <a:p>
+            <a:r>
+              <a:rPr lang="en-GB" sz="1100" i="1" dirty="0">
+                <a:solidFill>
+                  <a:srgbClr val="535353"/>
+                </a:solidFill>
+                <a:latin typeface="Courier-Oblique" pitchFamily="2" charset="0"/>
+              </a:rPr>
+              <a:t>#SBATCH --</a:t>
+            </a:r>
+            <a:r>
+              <a:rPr lang="en-GB" sz="1100" i="1" dirty="0" err="1">
+                <a:solidFill>
+                  <a:srgbClr val="535353"/>
+                </a:solidFill>
+                <a:latin typeface="Courier-Oblique" pitchFamily="2" charset="0"/>
+              </a:rPr>
+              <a:t>ntasks</a:t>
+            </a:r>
+            <a:r>
+              <a:rPr lang="en-GB" sz="1100" i="1" dirty="0">
+                <a:solidFill>
+                  <a:srgbClr val="535353"/>
+                </a:solidFill>
+                <a:latin typeface="Courier-Oblique" pitchFamily="2" charset="0"/>
+              </a:rPr>
+              <a:t>=896</a:t>
+            </a:r>
+          </a:p>
+          <a:p>
+            <a:r>
+              <a:rPr lang="en-GB" sz="1100" dirty="0">
+                <a:solidFill>
+                  <a:srgbClr val="000000"/>
+                </a:solidFill>
+                <a:latin typeface="Courier" pitchFamily="2" charset="0"/>
+              </a:rPr>
+              <a:t>... </a:t>
+            </a:r>
+          </a:p>
+          <a:p>
+            <a:r>
+              <a:rPr lang="en-GB" sz="1100" dirty="0">
+                <a:solidFill>
+                  <a:srgbClr val="000000"/>
+                </a:solidFill>
+                <a:latin typeface="Courier" pitchFamily="2" charset="0"/>
+              </a:rPr>
+              <a:t>module purge</a:t>
+            </a:r>
+          </a:p>
+          <a:p>
+            <a:r>
+              <a:rPr lang="en-GB" sz="1100" dirty="0">
+                <a:solidFill>
+                  <a:srgbClr val="000000"/>
+                </a:solidFill>
+                <a:latin typeface="Courier" pitchFamily="2" charset="0"/>
+              </a:rPr>
+              <a:t>module unload </a:t>
+            </a:r>
+            <a:r>
+              <a:rPr lang="en-GB" sz="1100" dirty="0" err="1">
+                <a:solidFill>
+                  <a:srgbClr val="000000"/>
+                </a:solidFill>
+                <a:latin typeface="Courier" pitchFamily="2" charset="0"/>
+              </a:rPr>
+              <a:t>netcdf_c</a:t>
+            </a:r>
+            <a:endParaRPr lang="en-GB" sz="1100" dirty="0">
+              <a:solidFill>
+                <a:srgbClr val="000000"/>
+              </a:solidFill>
+              <a:latin typeface="Courier" pitchFamily="2" charset="0"/>
+            </a:endParaRPr>
+          </a:p>
+          <a:p>
+            <a:r>
+              <a:rPr lang="en-GB" sz="1100" dirty="0">
+                <a:solidFill>
+                  <a:srgbClr val="000000"/>
+                </a:solidFill>
+                <a:latin typeface="Courier" pitchFamily="2" charset="0"/>
+              </a:rPr>
+              <a:t>module unload intel </a:t>
+            </a:r>
+            <a:r>
+              <a:rPr lang="en-GB" sz="1100" dirty="0" err="1">
+                <a:solidFill>
+                  <a:srgbClr val="000000"/>
+                </a:solidFill>
+                <a:latin typeface="Courier" pitchFamily="2" charset="0"/>
+              </a:rPr>
+              <a:t>intelmpi</a:t>
+            </a:r>
+            <a:endParaRPr lang="en-GB" sz="1100" dirty="0">
+              <a:solidFill>
+                <a:srgbClr val="000000"/>
+              </a:solidFill>
+              <a:latin typeface="Courier" pitchFamily="2" charset="0"/>
+            </a:endParaRPr>
+          </a:p>
+          <a:p>
+            <a:r>
+              <a:rPr lang="en-GB" sz="1100" dirty="0">
+                <a:solidFill>
+                  <a:srgbClr val="000000"/>
+                </a:solidFill>
+                <a:latin typeface="Courier" pitchFamily="2" charset="0"/>
+              </a:rPr>
+              <a:t>... </a:t>
+            </a:r>
+          </a:p>
+          <a:p>
+            <a:r>
+              <a:rPr lang="en-GB" sz="1100" b="1" dirty="0">
+                <a:solidFill>
+                  <a:srgbClr val="650061"/>
+                </a:solidFill>
+                <a:latin typeface="Courier-Bold" pitchFamily="2" charset="0"/>
+              </a:rPr>
+              <a:t>export</a:t>
+            </a:r>
+            <a:r>
+              <a:rPr lang="en-GB" sz="1100" dirty="0">
+                <a:solidFill>
+                  <a:srgbClr val="000000"/>
+                </a:solidFill>
+                <a:latin typeface="Courier" pitchFamily="2" charset="0"/>
+              </a:rPr>
+              <a:t> </a:t>
+            </a:r>
+            <a:r>
+              <a:rPr lang="en-GB" sz="1100" dirty="0">
+                <a:solidFill>
+                  <a:srgbClr val="0E6801"/>
+                </a:solidFill>
+                <a:latin typeface="Courier" pitchFamily="2" charset="0"/>
+              </a:rPr>
+              <a:t>LC_ALL</a:t>
+            </a:r>
+            <a:r>
+              <a:rPr lang="en-GB" sz="1100" dirty="0">
+                <a:solidFill>
+                  <a:srgbClr val="000000"/>
+                </a:solidFill>
+                <a:latin typeface="Courier" pitchFamily="2" charset="0"/>
+              </a:rPr>
+              <a:t>=en_US.UTF-8</a:t>
+            </a:r>
+          </a:p>
+          <a:p>
+            <a:r>
+              <a:rPr lang="en-GB" sz="1100" b="1" dirty="0">
+                <a:solidFill>
+                  <a:srgbClr val="650061"/>
+                </a:solidFill>
+                <a:latin typeface="Courier-Bold" pitchFamily="2" charset="0"/>
+              </a:rPr>
+              <a:t>export</a:t>
+            </a:r>
+            <a:r>
+              <a:rPr lang="en-GB" sz="1100" dirty="0">
+                <a:solidFill>
+                  <a:srgbClr val="000000"/>
+                </a:solidFill>
+                <a:latin typeface="Courier" pitchFamily="2" charset="0"/>
+              </a:rPr>
+              <a:t> </a:t>
+            </a:r>
+            <a:r>
+              <a:rPr lang="en-GB" sz="1100" dirty="0">
+                <a:solidFill>
+                  <a:srgbClr val="0E6801"/>
+                </a:solidFill>
+                <a:latin typeface="Courier" pitchFamily="2" charset="0"/>
+              </a:rPr>
+              <a:t>FC</a:t>
+            </a:r>
+            <a:r>
+              <a:rPr lang="en-GB" sz="1100" dirty="0">
+                <a:solidFill>
+                  <a:srgbClr val="000000"/>
+                </a:solidFill>
+                <a:latin typeface="Courier" pitchFamily="2" charset="0"/>
+              </a:rPr>
+              <a:t>=mpif90</a:t>
+            </a:r>
+          </a:p>
+          <a:p>
+            <a:r>
+              <a:rPr lang="en-GB" sz="1100" b="1" dirty="0">
+                <a:solidFill>
+                  <a:srgbClr val="650061"/>
+                </a:solidFill>
+                <a:latin typeface="Courier-Bold" pitchFamily="2" charset="0"/>
+              </a:rPr>
+              <a:t>export</a:t>
+            </a:r>
+            <a:r>
+              <a:rPr lang="en-GB" sz="1100" dirty="0">
+                <a:solidFill>
+                  <a:srgbClr val="000000"/>
+                </a:solidFill>
+                <a:latin typeface="Courier" pitchFamily="2" charset="0"/>
+              </a:rPr>
+              <a:t> </a:t>
+            </a:r>
+            <a:r>
+              <a:rPr lang="en-GB" sz="1100" dirty="0">
+                <a:solidFill>
+                  <a:srgbClr val="0E6801"/>
+                </a:solidFill>
+                <a:latin typeface="Courier" pitchFamily="2" charset="0"/>
+              </a:rPr>
+              <a:t>F77</a:t>
+            </a:r>
+            <a:r>
+              <a:rPr lang="en-GB" sz="1100" dirty="0">
+                <a:solidFill>
+                  <a:srgbClr val="000000"/>
+                </a:solidFill>
+                <a:latin typeface="Courier" pitchFamily="2" charset="0"/>
+              </a:rPr>
+              <a:t>=mpif90</a:t>
+            </a:r>
+          </a:p>
+          <a:p>
+            <a:r>
+              <a:rPr lang="en-GB" sz="1100" dirty="0">
+                <a:solidFill>
+                  <a:srgbClr val="000000"/>
+                </a:solidFill>
+                <a:latin typeface="Courier" pitchFamily="2" charset="0"/>
+              </a:rPr>
+              <a:t>... </a:t>
+            </a:r>
+          </a:p>
+          <a:p>
+            <a:endParaRPr lang="en-GB" sz="1100" i="1" dirty="0">
+              <a:solidFill>
+                <a:srgbClr val="000000"/>
+              </a:solidFill>
+              <a:latin typeface="Courier" pitchFamily="2" charset="0"/>
+            </a:endParaRPr>
+          </a:p>
+          <a:p>
+            <a:r>
+              <a:rPr lang="en-GB" sz="1100" i="1" dirty="0">
+                <a:solidFill>
+                  <a:srgbClr val="535353"/>
+                </a:solidFill>
+                <a:latin typeface="Courier-Oblique" pitchFamily="2" charset="0"/>
+              </a:rPr>
+              <a:t># Set stack size to unlimited</a:t>
+            </a:r>
+          </a:p>
+          <a:p>
+            <a:r>
+              <a:rPr lang="en-GB" sz="1100" b="1" dirty="0" err="1">
+                <a:solidFill>
+                  <a:srgbClr val="650061"/>
+                </a:solidFill>
+                <a:latin typeface="Courier-Bold" pitchFamily="2" charset="0"/>
+              </a:rPr>
+              <a:t>ulimit</a:t>
+            </a:r>
+            <a:r>
+              <a:rPr lang="en-GB" sz="1100" dirty="0">
+                <a:solidFill>
+                  <a:srgbClr val="000000"/>
+                </a:solidFill>
+                <a:latin typeface="Courier" pitchFamily="2" charset="0"/>
+              </a:rPr>
+              <a:t> </a:t>
+            </a:r>
+            <a:r>
+              <a:rPr lang="en-GB" sz="1100" dirty="0">
+                <a:solidFill>
+                  <a:srgbClr val="520026"/>
+                </a:solidFill>
+                <a:latin typeface="Courier" pitchFamily="2" charset="0"/>
+              </a:rPr>
+              <a:t>-s</a:t>
+            </a:r>
+            <a:r>
+              <a:rPr lang="en-GB" sz="1100" dirty="0">
+                <a:solidFill>
+                  <a:srgbClr val="000000"/>
+                </a:solidFill>
+                <a:latin typeface="Courier" pitchFamily="2" charset="0"/>
+              </a:rPr>
+              <a:t> unlimited</a:t>
+            </a:r>
+          </a:p>
+          <a:p>
+            <a:endParaRPr lang="en-GB" sz="1100" i="1" dirty="0">
+              <a:solidFill>
+                <a:srgbClr val="000000"/>
+              </a:solidFill>
+              <a:latin typeface="Courier" pitchFamily="2" charset="0"/>
+            </a:endParaRPr>
+          </a:p>
+          <a:p>
+            <a:r>
+              <a:rPr lang="en-GB" sz="1100" i="1" dirty="0">
+                <a:solidFill>
+                  <a:srgbClr val="535353"/>
+                </a:solidFill>
+                <a:latin typeface="Courier-Oblique" pitchFamily="2" charset="0"/>
+              </a:rPr>
+              <a:t># 3...2...1...</a:t>
+            </a:r>
+            <a:r>
+              <a:rPr lang="en-GB" sz="1100" i="1" dirty="0" err="1">
+                <a:solidFill>
+                  <a:srgbClr val="535353"/>
+                </a:solidFill>
+                <a:latin typeface="Courier-Oblique" pitchFamily="2" charset="0"/>
+              </a:rPr>
+              <a:t>Liftoff</a:t>
+            </a:r>
+            <a:r>
+              <a:rPr lang="en-GB" sz="1100" i="1" dirty="0">
+                <a:solidFill>
+                  <a:srgbClr val="535353"/>
+                </a:solidFill>
+                <a:latin typeface="Courier-Oblique" pitchFamily="2" charset="0"/>
+              </a:rPr>
+              <a:t>!</a:t>
+            </a:r>
+            <a:r>
+              <a:rPr lang="en-GB" sz="1100" dirty="0">
+                <a:solidFill>
+                  <a:srgbClr val="000000"/>
+                </a:solidFill>
+                <a:latin typeface="Courier" pitchFamily="2" charset="0"/>
+              </a:rPr>
+              <a:t> </a:t>
+            </a:r>
+          </a:p>
+          <a:p>
+            <a:r>
+              <a:rPr lang="en-GB" sz="1100" b="1" dirty="0">
+                <a:solidFill>
+                  <a:srgbClr val="650061"/>
+                </a:solidFill>
+                <a:latin typeface="Courier-Bold" pitchFamily="2" charset="0"/>
+              </a:rPr>
+              <a:t>echo</a:t>
+            </a:r>
+            <a:r>
+              <a:rPr lang="en-GB" sz="1100" dirty="0">
+                <a:solidFill>
+                  <a:srgbClr val="000000"/>
+                </a:solidFill>
+                <a:latin typeface="Courier" pitchFamily="2" charset="0"/>
+              </a:rPr>
+              <a:t> $</a:t>
+            </a:r>
+            <a:r>
+              <a:rPr lang="en-GB" sz="1100" b="1" dirty="0">
+                <a:solidFill>
+                  <a:srgbClr val="650061"/>
+                </a:solidFill>
+                <a:latin typeface="Courier-Bold" pitchFamily="2" charset="0"/>
+              </a:rPr>
+              <a:t>(</a:t>
+            </a:r>
+            <a:r>
+              <a:rPr lang="en-GB" sz="1100" b="1" dirty="0">
+                <a:solidFill>
+                  <a:srgbClr val="B200AA"/>
+                </a:solidFill>
+                <a:latin typeface="Courier-Bold" pitchFamily="2" charset="0"/>
+              </a:rPr>
+              <a:t>date</a:t>
+            </a:r>
+            <a:r>
+              <a:rPr lang="en-GB" sz="1100" dirty="0">
+                <a:solidFill>
+                  <a:srgbClr val="000000"/>
+                </a:solidFill>
+                <a:latin typeface="Courier" pitchFamily="2" charset="0"/>
+              </a:rPr>
+              <a:t> +</a:t>
+            </a:r>
+            <a:r>
+              <a:rPr lang="en-GB" sz="1100" dirty="0">
+                <a:solidFill>
+                  <a:srgbClr val="FB0007"/>
+                </a:solidFill>
+                <a:latin typeface="Courier" pitchFamily="2" charset="0"/>
+              </a:rPr>
+              <a:t>"%a %b  %e %T %Y"</a:t>
+            </a:r>
+            <a:r>
+              <a:rPr lang="en-GB" sz="1100" b="1" dirty="0">
+                <a:solidFill>
+                  <a:srgbClr val="650061"/>
+                </a:solidFill>
+                <a:latin typeface="Courier-Bold" pitchFamily="2" charset="0"/>
+              </a:rPr>
+              <a:t>)</a:t>
+            </a:r>
+            <a:r>
+              <a:rPr lang="en-GB" sz="1100" dirty="0">
+                <a:solidFill>
+                  <a:srgbClr val="000000"/>
+                </a:solidFill>
+                <a:latin typeface="Courier" pitchFamily="2" charset="0"/>
+              </a:rPr>
+              <a:t> : compute 1 1850-01-01T00:00:00 1233 - start </a:t>
+            </a:r>
+            <a:r>
+              <a:rPr lang="en-GB" sz="1100" b="1" dirty="0">
+                <a:solidFill>
+                  <a:srgbClr val="000000"/>
+                </a:solidFill>
+                <a:latin typeface="Courier-Bold" pitchFamily="2" charset="0"/>
+              </a:rPr>
+              <a:t>&gt;&gt;</a:t>
+            </a:r>
+            <a:r>
+              <a:rPr lang="en-GB" sz="1100" dirty="0">
+                <a:solidFill>
+                  <a:srgbClr val="000000"/>
+                </a:solidFill>
+                <a:latin typeface="Courier" pitchFamily="2" charset="0"/>
+              </a:rPr>
+              <a:t> </a:t>
+            </a:r>
+            <a:r>
+              <a:rPr lang="en-GB" sz="1100" b="1" dirty="0">
+                <a:solidFill>
+                  <a:srgbClr val="000000"/>
+                </a:solidFill>
+                <a:latin typeface="Courier-Bold" pitchFamily="2" charset="0"/>
+              </a:rPr>
+              <a:t>/</a:t>
+            </a:r>
+            <a:r>
+              <a:rPr lang="en-GB" sz="1100" dirty="0">
+                <a:solidFill>
+                  <a:srgbClr val="000000"/>
+                </a:solidFill>
+                <a:latin typeface="Courier" pitchFamily="2" charset="0"/>
+              </a:rPr>
+              <a:t>work</a:t>
+            </a:r>
+            <a:r>
+              <a:rPr lang="en-GB" sz="1100" b="1" dirty="0">
+                <a:solidFill>
+                  <a:srgbClr val="000000"/>
+                </a:solidFill>
+                <a:latin typeface="Courier-Bold" pitchFamily="2" charset="0"/>
+              </a:rPr>
+              <a:t>/</a:t>
+            </a:r>
+            <a:r>
+              <a:rPr lang="en-GB" sz="1100" dirty="0">
+                <a:solidFill>
+                  <a:srgbClr val="000000"/>
+                </a:solidFill>
+                <a:latin typeface="Courier" pitchFamily="2" charset="0"/>
+              </a:rPr>
+              <a:t>ab0995</a:t>
+            </a:r>
+            <a:r>
+              <a:rPr lang="en-GB" sz="1100" b="1" dirty="0">
+                <a:solidFill>
+                  <a:srgbClr val="000000"/>
+                </a:solidFill>
+                <a:latin typeface="Courier-Bold" pitchFamily="2" charset="0"/>
+              </a:rPr>
+              <a:t>/</a:t>
+            </a:r>
+            <a:r>
+              <a:rPr lang="en-GB" sz="1100" dirty="0">
+                <a:solidFill>
+                  <a:srgbClr val="000000"/>
+                </a:solidFill>
+                <a:latin typeface="Courier" pitchFamily="2" charset="0"/>
+              </a:rPr>
+              <a:t>a270152</a:t>
+            </a:r>
+            <a:r>
+              <a:rPr lang="en-GB" sz="1100" b="1" dirty="0">
+                <a:solidFill>
+                  <a:srgbClr val="000000"/>
+                </a:solidFill>
+                <a:latin typeface="Courier-Bold" pitchFamily="2" charset="0"/>
+              </a:rPr>
+              <a:t>//</a:t>
+            </a:r>
+            <a:r>
+              <a:rPr lang="en-GB" sz="1100" dirty="0" err="1">
+                <a:solidFill>
+                  <a:srgbClr val="000000"/>
+                </a:solidFill>
+                <a:latin typeface="Courier" pitchFamily="2" charset="0"/>
+              </a:rPr>
+              <a:t>workshop_test</a:t>
+            </a:r>
+            <a:r>
+              <a:rPr lang="en-GB" sz="1100" b="1" dirty="0">
+                <a:solidFill>
+                  <a:srgbClr val="000000"/>
+                </a:solidFill>
+                <a:latin typeface="Courier-Bold" pitchFamily="2" charset="0"/>
+              </a:rPr>
+              <a:t>/</a:t>
+            </a:r>
+            <a:r>
+              <a:rPr lang="en-GB" sz="1100" dirty="0">
+                <a:solidFill>
+                  <a:srgbClr val="000000"/>
+                </a:solidFill>
+                <a:latin typeface="Courier" pitchFamily="2" charset="0"/>
+              </a:rPr>
+              <a:t>log</a:t>
+            </a:r>
+            <a:r>
+              <a:rPr lang="en-GB" sz="1100" b="1" dirty="0">
+                <a:solidFill>
+                  <a:srgbClr val="000000"/>
+                </a:solidFill>
+                <a:latin typeface="Courier-Bold" pitchFamily="2" charset="0"/>
+              </a:rPr>
+              <a:t>//</a:t>
+            </a:r>
+            <a:r>
+              <a:rPr lang="en-GB" sz="1100" dirty="0" err="1">
+                <a:solidFill>
+                  <a:srgbClr val="000000"/>
+                </a:solidFill>
+                <a:latin typeface="Courier" pitchFamily="2" charset="0"/>
+              </a:rPr>
+              <a:t>workshop_test_awiesm.log</a:t>
+            </a:r>
+            <a:r>
+              <a:rPr lang="en-GB" sz="1100" dirty="0">
+                <a:solidFill>
+                  <a:srgbClr val="000000"/>
+                </a:solidFill>
+                <a:latin typeface="Courier" pitchFamily="2" charset="0"/>
+              </a:rPr>
+              <a:t> </a:t>
+            </a:r>
+          </a:p>
+          <a:p>
+            <a:endParaRPr lang="en-GB" sz="1100" b="1" dirty="0">
+              <a:solidFill>
+                <a:srgbClr val="000000"/>
+              </a:solidFill>
+              <a:latin typeface="Courier" pitchFamily="2" charset="0"/>
+            </a:endParaRPr>
+          </a:p>
+          <a:p>
+            <a:r>
+              <a:rPr lang="en-GB" sz="1100" b="1" dirty="0">
+                <a:solidFill>
+                  <a:srgbClr val="650061"/>
+                </a:solidFill>
+                <a:latin typeface="Courier-Bold" pitchFamily="2" charset="0"/>
+              </a:rPr>
+              <a:t>cd</a:t>
+            </a:r>
+            <a:r>
+              <a:rPr lang="en-GB" sz="1100" dirty="0">
+                <a:solidFill>
+                  <a:srgbClr val="000000"/>
+                </a:solidFill>
+                <a:latin typeface="Courier" pitchFamily="2" charset="0"/>
+              </a:rPr>
+              <a:t> </a:t>
+            </a:r>
+            <a:r>
+              <a:rPr lang="en-GB" sz="1100" b="1" dirty="0">
+                <a:solidFill>
+                  <a:srgbClr val="000000"/>
+                </a:solidFill>
+                <a:latin typeface="Courier-Bold" pitchFamily="2" charset="0"/>
+              </a:rPr>
+              <a:t>/</a:t>
+            </a:r>
+            <a:r>
+              <a:rPr lang="en-GB" sz="1100" dirty="0">
+                <a:solidFill>
+                  <a:srgbClr val="000000"/>
+                </a:solidFill>
+                <a:latin typeface="Courier" pitchFamily="2" charset="0"/>
+              </a:rPr>
+              <a:t>work</a:t>
+            </a:r>
+            <a:r>
+              <a:rPr lang="en-GB" sz="1100" b="1" dirty="0">
+                <a:solidFill>
+                  <a:srgbClr val="000000"/>
+                </a:solidFill>
+                <a:latin typeface="Courier-Bold" pitchFamily="2" charset="0"/>
+              </a:rPr>
+              <a:t>/</a:t>
+            </a:r>
+            <a:r>
+              <a:rPr lang="en-GB" sz="1100" dirty="0">
+                <a:solidFill>
+                  <a:srgbClr val="000000"/>
+                </a:solidFill>
+                <a:latin typeface="Courier" pitchFamily="2" charset="0"/>
+              </a:rPr>
+              <a:t>ab0995</a:t>
+            </a:r>
+            <a:r>
+              <a:rPr lang="en-GB" sz="1100" b="1" dirty="0">
+                <a:solidFill>
+                  <a:srgbClr val="000000"/>
+                </a:solidFill>
+                <a:latin typeface="Courier-Bold" pitchFamily="2" charset="0"/>
+              </a:rPr>
+              <a:t>/</a:t>
+            </a:r>
+            <a:r>
+              <a:rPr lang="en-GB" sz="1100" dirty="0">
+                <a:solidFill>
+                  <a:srgbClr val="000000"/>
+                </a:solidFill>
+                <a:latin typeface="Courier" pitchFamily="2" charset="0"/>
+              </a:rPr>
+              <a:t>a270152</a:t>
+            </a:r>
+            <a:r>
+              <a:rPr lang="en-GB" sz="1100" b="1" dirty="0">
+                <a:solidFill>
+                  <a:srgbClr val="000000"/>
+                </a:solidFill>
+                <a:latin typeface="Courier-Bold" pitchFamily="2" charset="0"/>
+              </a:rPr>
+              <a:t>//</a:t>
+            </a:r>
+            <a:r>
+              <a:rPr lang="en-GB" sz="1100" dirty="0" err="1">
+                <a:solidFill>
+                  <a:srgbClr val="000000"/>
+                </a:solidFill>
+                <a:latin typeface="Courier" pitchFamily="2" charset="0"/>
+              </a:rPr>
+              <a:t>workshop_test</a:t>
+            </a:r>
+            <a:r>
+              <a:rPr lang="en-GB" sz="1100" b="1" dirty="0">
+                <a:solidFill>
+                  <a:srgbClr val="000000"/>
+                </a:solidFill>
+                <a:latin typeface="Courier-Bold" pitchFamily="2" charset="0"/>
+              </a:rPr>
+              <a:t>/</a:t>
+            </a:r>
+            <a:r>
+              <a:rPr lang="en-GB" sz="1100" dirty="0">
+                <a:solidFill>
+                  <a:srgbClr val="000000"/>
+                </a:solidFill>
+                <a:latin typeface="Courier" pitchFamily="2" charset="0"/>
+              </a:rPr>
+              <a:t>run_18500101-18501231</a:t>
+            </a:r>
+            <a:r>
+              <a:rPr lang="en-GB" sz="1100" b="1" dirty="0">
+                <a:solidFill>
+                  <a:srgbClr val="000000"/>
+                </a:solidFill>
+                <a:latin typeface="Courier-Bold" pitchFamily="2" charset="0"/>
+              </a:rPr>
+              <a:t>/</a:t>
+            </a:r>
+            <a:r>
+              <a:rPr lang="en-GB" sz="1100" dirty="0">
+                <a:solidFill>
+                  <a:srgbClr val="000000"/>
+                </a:solidFill>
+                <a:latin typeface="Courier" pitchFamily="2" charset="0"/>
+              </a:rPr>
+              <a:t>work</a:t>
+            </a:r>
+            <a:r>
+              <a:rPr lang="en-GB" sz="1100" b="1" dirty="0">
+                <a:solidFill>
+                  <a:srgbClr val="000000"/>
+                </a:solidFill>
+                <a:latin typeface="Courier-Bold" pitchFamily="2" charset="0"/>
+              </a:rPr>
+              <a:t>/</a:t>
+            </a:r>
+          </a:p>
+          <a:p>
+            <a:endParaRPr lang="en-GB" sz="1100" b="1" dirty="0">
+              <a:solidFill>
+                <a:srgbClr val="000000"/>
+              </a:solidFill>
+              <a:latin typeface="Courier-Bold" pitchFamily="2" charset="0"/>
+            </a:endParaRPr>
+          </a:p>
+          <a:p>
+            <a:r>
+              <a:rPr lang="en-GB" sz="1100" b="1" dirty="0">
+                <a:solidFill>
+                  <a:srgbClr val="000000"/>
+                </a:solidFill>
+                <a:latin typeface="Courier-Bold" pitchFamily="2" charset="0"/>
+              </a:rPr>
+              <a:t>time</a:t>
+            </a:r>
+            <a:r>
+              <a:rPr lang="en-GB" sz="1100" dirty="0">
+                <a:solidFill>
+                  <a:srgbClr val="000000"/>
+                </a:solidFill>
+                <a:latin typeface="Courier" pitchFamily="2" charset="0"/>
+              </a:rPr>
+              <a:t> </a:t>
+            </a:r>
+            <a:r>
+              <a:rPr lang="en-GB" sz="1100" dirty="0" err="1">
+                <a:solidFill>
+                  <a:srgbClr val="000000"/>
+                </a:solidFill>
+                <a:latin typeface="Courier" pitchFamily="2" charset="0"/>
+              </a:rPr>
+              <a:t>srun</a:t>
+            </a:r>
+            <a:r>
+              <a:rPr lang="en-GB" sz="1100" dirty="0">
+                <a:solidFill>
+                  <a:srgbClr val="000000"/>
+                </a:solidFill>
+                <a:latin typeface="Courier" pitchFamily="2" charset="0"/>
+              </a:rPr>
+              <a:t> </a:t>
+            </a:r>
+            <a:r>
+              <a:rPr lang="en-GB" sz="1100" dirty="0">
+                <a:solidFill>
+                  <a:srgbClr val="520026"/>
+                </a:solidFill>
+                <a:latin typeface="Courier" pitchFamily="2" charset="0"/>
+              </a:rPr>
+              <a:t>-l</a:t>
+            </a:r>
+            <a:r>
+              <a:rPr lang="en-GB" sz="1100" dirty="0">
+                <a:solidFill>
+                  <a:srgbClr val="000000"/>
+                </a:solidFill>
+                <a:latin typeface="Courier" pitchFamily="2" charset="0"/>
+              </a:rPr>
+              <a:t> </a:t>
+            </a:r>
+            <a:r>
+              <a:rPr lang="en-GB" sz="1100" dirty="0">
+                <a:solidFill>
+                  <a:srgbClr val="520026"/>
+                </a:solidFill>
+                <a:latin typeface="Courier" pitchFamily="2" charset="0"/>
+              </a:rPr>
+              <a:t>--kill-on-bad-exit</a:t>
+            </a:r>
+            <a:r>
+              <a:rPr lang="en-GB" sz="1100" dirty="0">
+                <a:solidFill>
+                  <a:srgbClr val="000000"/>
+                </a:solidFill>
+                <a:latin typeface="Courier" pitchFamily="2" charset="0"/>
+              </a:rPr>
+              <a:t>=1 --</a:t>
+            </a:r>
+            <a:r>
+              <a:rPr lang="en-GB" sz="1100" dirty="0" err="1">
+                <a:solidFill>
+                  <a:srgbClr val="000000"/>
+                </a:solidFill>
+                <a:latin typeface="Courier" pitchFamily="2" charset="0"/>
+              </a:rPr>
+              <a:t>cpu_bind</a:t>
+            </a:r>
+            <a:r>
+              <a:rPr lang="en-GB" sz="1100" dirty="0">
+                <a:solidFill>
+                  <a:srgbClr val="000000"/>
+                </a:solidFill>
+                <a:latin typeface="Courier" pitchFamily="2" charset="0"/>
+              </a:rPr>
+              <a:t>=cores </a:t>
+            </a:r>
+            <a:r>
+              <a:rPr lang="en-GB" sz="1100" dirty="0">
+                <a:solidFill>
+                  <a:srgbClr val="520026"/>
+                </a:solidFill>
+                <a:latin typeface="Courier" pitchFamily="2" charset="0"/>
+              </a:rPr>
+              <a:t>--multi-prog</a:t>
+            </a:r>
+            <a:r>
+              <a:rPr lang="en-GB" sz="1100" dirty="0">
+                <a:solidFill>
+                  <a:srgbClr val="000000"/>
+                </a:solidFill>
+                <a:latin typeface="Courier" pitchFamily="2" charset="0"/>
+              </a:rPr>
+              <a:t> </a:t>
+            </a:r>
+            <a:r>
+              <a:rPr lang="en-GB" sz="1100" dirty="0" err="1">
+                <a:solidFill>
+                  <a:srgbClr val="000000"/>
+                </a:solidFill>
+                <a:latin typeface="Courier" pitchFamily="2" charset="0"/>
+              </a:rPr>
+              <a:t>hostfile_srun</a:t>
+            </a:r>
+            <a:r>
+              <a:rPr lang="en-GB" sz="1100" dirty="0">
+                <a:solidFill>
+                  <a:srgbClr val="000000"/>
+                </a:solidFill>
+                <a:latin typeface="Courier" pitchFamily="2" charset="0"/>
+              </a:rPr>
+              <a:t> 2</a:t>
+            </a:r>
+            <a:r>
+              <a:rPr lang="en-GB" sz="1100" b="1" dirty="0">
+                <a:solidFill>
+                  <a:srgbClr val="000000"/>
+                </a:solidFill>
+                <a:latin typeface="Courier-Bold" pitchFamily="2" charset="0"/>
+              </a:rPr>
+              <a:t>&gt;&amp;</a:t>
+            </a:r>
+            <a:r>
+              <a:rPr lang="en-GB" sz="1100" dirty="0">
+                <a:solidFill>
+                  <a:srgbClr val="000000"/>
+                </a:solidFill>
+                <a:latin typeface="Courier" pitchFamily="2" charset="0"/>
+              </a:rPr>
+              <a:t>1 </a:t>
+            </a:r>
+            <a:r>
+              <a:rPr lang="en-GB" sz="1100" b="1" dirty="0">
+                <a:solidFill>
+                  <a:srgbClr val="000000"/>
+                </a:solidFill>
+                <a:latin typeface="Courier-Bold" pitchFamily="2" charset="0"/>
+              </a:rPr>
+              <a:t>&amp;</a:t>
+            </a:r>
+            <a:r>
+              <a:rPr lang="en-GB" sz="1100" dirty="0">
+                <a:solidFill>
+                  <a:srgbClr val="000000"/>
+                </a:solidFill>
+                <a:latin typeface="Courier" pitchFamily="2" charset="0"/>
+              </a:rPr>
+              <a:t> </a:t>
+            </a:r>
+          </a:p>
+          <a:p>
+            <a:endParaRPr lang="en-GB" sz="1100" i="1" dirty="0">
+              <a:solidFill>
+                <a:srgbClr val="000000"/>
+              </a:solidFill>
+              <a:latin typeface="Courier" pitchFamily="2" charset="0"/>
+            </a:endParaRPr>
+          </a:p>
+          <a:p>
+            <a:r>
+              <a:rPr lang="en-GB" sz="1100" dirty="0">
+                <a:solidFill>
+                  <a:srgbClr val="000000"/>
+                </a:solidFill>
+                <a:latin typeface="Courier" pitchFamily="2" charset="0"/>
+              </a:rPr>
+              <a:t>...</a:t>
+            </a:r>
+            <a:endParaRPr lang="en-GB" sz="1100" i="1" dirty="0">
+              <a:solidFill>
+                <a:srgbClr val="000000"/>
+              </a:solidFill>
+              <a:latin typeface="Courier" pitchFamily="2" charset="0"/>
+            </a:endParaRPr>
+          </a:p>
+        </p:txBody>
+      </p:sp>
+      <p:sp>
+        <p:nvSpPr>
+          <p:cNvPr id="11" name="Oval 10">
+            <a:extLst>
+              <a:ext uri="{FF2B5EF4-FFF2-40B4-BE49-F238E27FC236}">
+                <a16:creationId xmlns:a16="http://schemas.microsoft.com/office/drawing/2014/main" id="{D842B2F9-CE22-91D1-63AB-1C38BBD8A4F6}"/>
+              </a:ext>
+            </a:extLst>
+          </p:cNvPr>
+          <p:cNvSpPr/>
+          <p:nvPr/>
+        </p:nvSpPr>
+        <p:spPr>
+          <a:xfrm>
+            <a:off x="161197" y="364604"/>
+            <a:ext cx="567159" cy="567159"/>
+          </a:xfrm>
+          <a:prstGeom prst="ellipse">
+            <a:avLst/>
+          </a:prstGeom>
+          <a:solidFill>
+            <a:schemeClr val="bg1"/>
           </a:solidFill>
           <a:ln>
             <a:noFill/>
@@ -11052,69 +15628,13 @@
           <a:lstStyle/>
           <a:p>
             <a:pPr algn="ctr"/>
-            <a:endParaRPr lang="en-GB"/>
-          </a:p>
-        </p:txBody>
-      </p:sp>
-      <p:sp>
-        <p:nvSpPr>
-          <p:cNvPr id="12" name="TextBox 11">
-            <a:extLst>
-              <a:ext uri="{FF2B5EF4-FFF2-40B4-BE49-F238E27FC236}">
-                <a16:creationId xmlns:a16="http://schemas.microsoft.com/office/drawing/2014/main" id="{1F9A6FAC-A169-9EBB-D646-613DD18E5375}"/>
-              </a:ext>
-            </a:extLst>
-          </p:cNvPr>
-          <p:cNvSpPr txBox="1"/>
-          <p:nvPr/>
-        </p:nvSpPr>
-        <p:spPr>
-          <a:xfrm rot="20700000">
-            <a:off x="7262473" y="3075056"/>
-            <a:ext cx="3412250" cy="707886"/>
-          </a:xfrm>
-          <a:prstGeom prst="rect">
-            <a:avLst/>
-          </a:prstGeom>
-          <a:solidFill>
-            <a:schemeClr val="accent2">
-              <a:lumMod val="40000"/>
-              <a:lumOff val="60000"/>
-            </a:schemeClr>
-          </a:solidFill>
-          <a:ln>
-            <a:noFill/>
-          </a:ln>
-        </p:spPr>
-        <p:txBody>
-          <a:bodyPr wrap="square" rtlCol="0">
-            <a:spAutoFit/>
-          </a:bodyPr>
-          <a:lstStyle/>
-          <a:p>
-            <a:r>
-              <a:rPr lang="en-GB" sz="2000" dirty="0"/>
-              <a:t>To be changed in the future to it </a:t>
-            </a:r>
-            <a:r>
-              <a:rPr lang="en-GB" sz="2000" dirty="0" err="1"/>
-              <a:t>procudes</a:t>
-            </a:r>
-            <a:r>
-              <a:rPr lang="en-GB" sz="2000" dirty="0"/>
-              <a:t> </a:t>
-            </a:r>
-            <a:r>
-              <a:rPr lang="en-GB" sz="2000" b="1" dirty="0"/>
-              <a:t>comp-*.</a:t>
-            </a:r>
-            <a:r>
-              <a:rPr lang="en-GB" sz="2000" b="1" dirty="0" err="1"/>
-              <a:t>sh</a:t>
-            </a:r>
-            <a:r>
-              <a:rPr lang="en-GB" sz="2000" dirty="0"/>
-              <a:t> files</a:t>
+            <a:r>
+              <a:rPr lang="tr-TR" sz="3600" b="1">
+                <a:solidFill>
+                  <a:srgbClr val="00ACE6"/>
+                </a:solidFill>
+              </a:rPr>
+              <a:t>4</a:t>
             </a:r>
           </a:p>
         </p:txBody>
@@ -11122,94 +15642,13 @@
     </p:spTree>
     <p:extLst>
       <p:ext uri="{BB962C8B-B14F-4D97-AF65-F5344CB8AC3E}">
-        <p14:creationId xmlns:p14="http://schemas.microsoft.com/office/powerpoint/2010/main" val="3194140031"/>
+        <p14:creationId xmlns:p14="http://schemas.microsoft.com/office/powerpoint/2010/main" val="2381940551"/>
       </p:ext>
     </p:extLst>
   </p:cSld>
   <p:clrMapOvr>
     <a:masterClrMapping/>
   </p:clrMapOvr>
-  <p:timing>
-    <p:tnLst>
-      <p:par>
-        <p:cTn id="1" dur="indefinite" restart="never" nodeType="tmRoot">
-          <p:childTnLst>
-            <p:seq concurrent="1" nextAc="seek">
-              <p:cTn id="2" dur="indefinite" nodeType="mainSeq">
-                <p:childTnLst>
-                  <p:par>
-                    <p:cTn id="3" fill="hold">
-                      <p:stCondLst>
-                        <p:cond delay="indefinite"/>
-                        <p:cond evt="onBegin" delay="0">
-                          <p:tn val="2"/>
-                        </p:cond>
-                      </p:stCondLst>
-                      <p:childTnLst>
-                        <p:par>
-                          <p:cTn id="4" fill="hold">
-                            <p:stCondLst>
-                              <p:cond delay="0"/>
-                            </p:stCondLst>
-                            <p:childTnLst>
-                              <p:par>
-                                <p:cTn id="5" presetID="1" presetClass="entr" presetSubtype="0" fill="hold" grpId="0" nodeType="withEffect">
-                                  <p:stCondLst>
-                                    <p:cond delay="0"/>
-                                  </p:stCondLst>
-                                  <p:childTnLst>
-                                    <p:set>
-                                      <p:cBhvr>
-                                        <p:cTn id="6" dur="1" fill="hold">
-                                          <p:stCondLst>
-                                            <p:cond delay="0"/>
-                                          </p:stCondLst>
-                                        </p:cTn>
-                                        <p:tgtEl>
-                                          <p:spTgt spid="12"/>
-                                        </p:tgtEl>
-                                        <p:attrNameLst>
-                                          <p:attrName>style.visibility</p:attrName>
-                                        </p:attrNameLst>
-                                      </p:cBhvr>
-                                      <p:to>
-                                        <p:strVal val="visible"/>
-                                      </p:to>
-                                    </p:set>
-                                  </p:childTnLst>
-                                </p:cTn>
-                              </p:par>
-                            </p:childTnLst>
-                          </p:cTn>
-                        </p:par>
-                      </p:childTnLst>
-                    </p:cTn>
-                  </p:par>
-                </p:childTnLst>
-              </p:cTn>
-              <p:prevCondLst>
-                <p:cond evt="onPrev" delay="0">
-                  <p:tgtEl>
-                    <p:sldTgt/>
-                  </p:tgtEl>
-                </p:cond>
-              </p:prevCondLst>
-              <p:nextCondLst>
-                <p:cond evt="onNext" delay="0">
-                  <p:tgtEl>
-                    <p:sldTgt/>
-                  </p:tgtEl>
-                </p:cond>
-              </p:nextCondLst>
-            </p:seq>
-          </p:childTnLst>
-        </p:cTn>
-      </p:par>
-    </p:tnLst>
-    <p:bldLst>
-      <p:bldP spid="12" grpId="0" animBg="1"/>
-    </p:bldLst>
-  </p:timing>
 </p:sld>
 </file>
 
